--- a/tasks/展示.pptx
+++ b/tasks/展示.pptx
@@ -5,21 +5,35 @@
     <p:sldMasterId id="2147483648" r:id="rId1"/>
   </p:sldMasterIdLst>
   <p:notesMasterIdLst>
-    <p:notesMasterId r:id="rId14"/>
+    <p:notesMasterId r:id="rId28"/>
   </p:notesMasterIdLst>
   <p:sldIdLst>
     <p:sldId id="279" r:id="rId2"/>
     <p:sldId id="280" r:id="rId3"/>
-    <p:sldId id="282" r:id="rId4"/>
-    <p:sldId id="281" r:id="rId5"/>
-    <p:sldId id="283" r:id="rId6"/>
-    <p:sldId id="285" r:id="rId7"/>
-    <p:sldId id="287" r:id="rId8"/>
-    <p:sldId id="288" r:id="rId9"/>
-    <p:sldId id="289" r:id="rId10"/>
-    <p:sldId id="284" r:id="rId11"/>
-    <p:sldId id="286" r:id="rId12"/>
-    <p:sldId id="290" r:id="rId13"/>
+    <p:sldId id="292" r:id="rId4"/>
+    <p:sldId id="282" r:id="rId5"/>
+    <p:sldId id="281" r:id="rId6"/>
+    <p:sldId id="283" r:id="rId7"/>
+    <p:sldId id="285" r:id="rId8"/>
+    <p:sldId id="287" r:id="rId9"/>
+    <p:sldId id="288" r:id="rId10"/>
+    <p:sldId id="289" r:id="rId11"/>
+    <p:sldId id="284" r:id="rId12"/>
+    <p:sldId id="297" r:id="rId13"/>
+    <p:sldId id="298" r:id="rId14"/>
+    <p:sldId id="299" r:id="rId15"/>
+    <p:sldId id="300" r:id="rId16"/>
+    <p:sldId id="301" r:id="rId17"/>
+    <p:sldId id="302" r:id="rId18"/>
+    <p:sldId id="307" r:id="rId19"/>
+    <p:sldId id="308" r:id="rId20"/>
+    <p:sldId id="303" r:id="rId21"/>
+    <p:sldId id="311" r:id="rId22"/>
+    <p:sldId id="310" r:id="rId23"/>
+    <p:sldId id="309" r:id="rId24"/>
+    <p:sldId id="304" r:id="rId25"/>
+    <p:sldId id="305" r:id="rId26"/>
+    <p:sldId id="306" r:id="rId27"/>
   </p:sldIdLst>
   <p:sldSz cx="12192000" cy="6858000"/>
   <p:notesSz cx="6858000" cy="9144000"/>
@@ -126,8 +140,34 @@
 </p:presentation>
 </file>
 
+<file path=ppt/commentAuthors.xml><?xml version="1.0" encoding="utf-8"?>
+<p:cmAuthorLst xmlns:a="http://schemas.openxmlformats.org/drawingml/2006/main" xmlns:r="http://schemas.openxmlformats.org/officeDocument/2006/relationships" xmlns:p="http://schemas.openxmlformats.org/presentationml/2006/main">
+  <p:cmAuthor id="1" name="Yuriko" initials="Y" lastIdx="1" clrIdx="0">
+    <p:extLst>
+      <p:ext uri="{19B8F6BF-5375-455C-9EA6-DF929625EA0E}">
+        <p15:presenceInfo xmlns:p15="http://schemas.microsoft.com/office/powerpoint/2012/main" userId="Yuriko" providerId="None"/>
+      </p:ext>
+    </p:extLst>
+  </p:cmAuthor>
+</p:cmAuthorLst>
+</file>
+
 <file path=ppt/revisionInfo.xml><?xml version="1.0" encoding="utf-8"?>
 <p1510:revInfo xmlns:a="http://schemas.openxmlformats.org/drawingml/2006/main" xmlns:r="http://schemas.openxmlformats.org/officeDocument/2006/relationships" xmlns:p1510="http://schemas.microsoft.com/office/powerpoint/2015/10/main"/>
+</file>
+
+<file path=ppt/comments/comment1.xml><?xml version="1.0" encoding="utf-8"?>
+<p:cmLst xmlns:a="http://schemas.openxmlformats.org/drawingml/2006/main" xmlns:r="http://schemas.openxmlformats.org/officeDocument/2006/relationships" xmlns:p="http://schemas.openxmlformats.org/presentationml/2006/main">
+  <p:cm authorId="1" dt="2017-07-06T00:16:28.539" idx="1">
+    <p:pos x="2815" y="808"/>
+    <p:text/>
+    <p:extLst>
+      <p:ext uri="{C676402C-5697-4E1C-873F-D02D1690AC5C}">
+        <p15:threadingInfo xmlns:p15="http://schemas.microsoft.com/office/powerpoint/2012/main" timeZoneBias="-480"/>
+      </p:ext>
+    </p:extLst>
+  </p:cm>
+</p:cmLst>
 </file>
 
 <file path=ppt/notesMasters/notesMaster1.xml><?xml version="1.0" encoding="utf-8"?>
@@ -477,6 +517,90 @@
     </a:lvl9pPr>
   </p:notesStyle>
 </p:notesMaster>
+</file>
+
+<file path=ppt/notesSlides/notesSlide1.xml><?xml version="1.0" encoding="utf-8"?>
+<p:notes xmlns:a="http://schemas.openxmlformats.org/drawingml/2006/main" xmlns:r="http://schemas.openxmlformats.org/officeDocument/2006/relationships" xmlns:p="http://schemas.openxmlformats.org/presentationml/2006/main">
+  <p:cSld>
+    <p:spTree>
+      <p:nvGrpSpPr>
+        <p:cNvPr id="1" name=""/>
+        <p:cNvGrpSpPr/>
+        <p:nvPr/>
+      </p:nvGrpSpPr>
+      <p:grpSpPr>
+        <a:xfrm>
+          <a:off x="0" y="0"/>
+          <a:ext cx="0" cy="0"/>
+          <a:chOff x="0" y="0"/>
+          <a:chExt cx="0" cy="0"/>
+        </a:xfrm>
+      </p:grpSpPr>
+      <p:sp>
+        <p:nvSpPr>
+          <p:cNvPr id="2" name="幻灯片图像占位符 1"/>
+          <p:cNvSpPr>
+            <a:spLocks noGrp="1" noRot="1" noChangeAspect="1"/>
+          </p:cNvSpPr>
+          <p:nvPr>
+            <p:ph type="sldImg"/>
+          </p:nvPr>
+        </p:nvSpPr>
+        <p:spPr/>
+      </p:sp>
+      <p:sp>
+        <p:nvSpPr>
+          <p:cNvPr id="3" name="备注占位符 2"/>
+          <p:cNvSpPr>
+            <a:spLocks noGrp="1"/>
+          </p:cNvSpPr>
+          <p:nvPr>
+            <p:ph type="body" idx="1"/>
+          </p:nvPr>
+        </p:nvSpPr>
+        <p:spPr/>
+        <p:txBody>
+          <a:bodyPr/>
+          <a:lstStyle/>
+          <a:p>
+            <a:endParaRPr lang="zh-CN" altLang="en-US"/>
+          </a:p>
+        </p:txBody>
+      </p:sp>
+      <p:sp>
+        <p:nvSpPr>
+          <p:cNvPr id="4" name="灯片编号占位符 3"/>
+          <p:cNvSpPr>
+            <a:spLocks noGrp="1"/>
+          </p:cNvSpPr>
+          <p:nvPr>
+            <p:ph type="sldNum" sz="quarter" idx="10"/>
+          </p:nvPr>
+        </p:nvSpPr>
+        <p:spPr/>
+        <p:txBody>
+          <a:bodyPr/>
+          <a:lstStyle/>
+          <a:p>
+            <a:fld id="{E2C5B248-2734-A34C-A40C-5E8E6D16AD85}" type="slidenum">
+              <a:rPr kumimoji="1" lang="zh-CN" altLang="en-US" smtClean="0"/>
+              <a:t>25</a:t>
+            </a:fld>
+            <a:endParaRPr kumimoji="1" lang="zh-CN" altLang="en-US"/>
+          </a:p>
+        </p:txBody>
+      </p:sp>
+    </p:spTree>
+    <p:extLst>
+      <p:ext uri="{BB962C8B-B14F-4D97-AF65-F5344CB8AC3E}">
+        <p14:creationId xmlns:p14="http://schemas.microsoft.com/office/powerpoint/2010/main" val="3029642336"/>
+      </p:ext>
+    </p:extLst>
+  </p:cSld>
+  <p:clrMapOvr>
+    <a:masterClrMapping/>
+  </p:clrMapOvr>
+</p:notes>
 </file>
 
 <file path=ppt/slideLayouts/slideLayout1.xml><?xml version="1.0" encoding="utf-8"?>
@@ -4250,6 +4374,252 @@
           <a:chExt cx="0" cy="0"/>
         </a:xfrm>
       </p:grpSpPr>
+      <p:grpSp>
+        <p:nvGrpSpPr>
+          <p:cNvPr id="11" name="组合 10"/>
+          <p:cNvGrpSpPr/>
+          <p:nvPr/>
+        </p:nvGrpSpPr>
+        <p:grpSpPr>
+          <a:xfrm>
+            <a:off x="11063181" y="0"/>
+            <a:ext cx="1128819" cy="1057472"/>
+            <a:chOff x="11063181" y="0"/>
+            <a:chExt cx="1128819" cy="1057472"/>
+          </a:xfrm>
+        </p:grpSpPr>
+        <p:sp>
+          <p:nvSpPr>
+            <p:cNvPr id="12" name="矩形 11"/>
+            <p:cNvSpPr/>
+            <p:nvPr/>
+          </p:nvSpPr>
+          <p:spPr>
+            <a:xfrm>
+              <a:off x="11381387" y="246204"/>
+              <a:ext cx="492407" cy="492407"/>
+            </a:xfrm>
+            <a:prstGeom prst="rect">
+              <a:avLst/>
+            </a:prstGeom>
+            <a:noFill/>
+            <a:ln w="38100">
+              <a:solidFill>
+                <a:srgbClr val="DA2B89"/>
+              </a:solidFill>
+            </a:ln>
+          </p:spPr>
+          <p:style>
+            <a:lnRef idx="2">
+              <a:schemeClr val="accent1">
+                <a:shade val="50000"/>
+              </a:schemeClr>
+            </a:lnRef>
+            <a:fillRef idx="1">
+              <a:schemeClr val="accent1"/>
+            </a:fillRef>
+            <a:effectRef idx="0">
+              <a:schemeClr val="accent1"/>
+            </a:effectRef>
+            <a:fontRef idx="minor">
+              <a:schemeClr val="lt1"/>
+            </a:fontRef>
+          </p:style>
+          <p:txBody>
+            <a:bodyPr rtlCol="0" anchor="ctr"/>
+            <a:lstStyle/>
+            <a:p>
+              <a:pPr algn="ctr"/>
+              <a:endParaRPr lang="zh-CN" altLang="en-US"/>
+            </a:p>
+          </p:txBody>
+        </p:sp>
+        <p:sp>
+          <p:nvSpPr>
+            <p:cNvPr id="13" name="矩形 12"/>
+            <p:cNvSpPr/>
+            <p:nvPr/>
+          </p:nvSpPr>
+          <p:spPr>
+            <a:xfrm>
+              <a:off x="11699593" y="0"/>
+              <a:ext cx="492407" cy="492407"/>
+            </a:xfrm>
+            <a:prstGeom prst="rect">
+              <a:avLst/>
+            </a:prstGeom>
+            <a:noFill/>
+            <a:ln w="38100">
+              <a:solidFill>
+                <a:schemeClr val="tx2">
+                  <a:lumMod val="60000"/>
+                  <a:lumOff val="40000"/>
+                </a:schemeClr>
+              </a:solidFill>
+            </a:ln>
+          </p:spPr>
+          <p:style>
+            <a:lnRef idx="2">
+              <a:schemeClr val="accent1">
+                <a:shade val="50000"/>
+              </a:schemeClr>
+            </a:lnRef>
+            <a:fillRef idx="1">
+              <a:schemeClr val="accent1"/>
+            </a:fillRef>
+            <a:effectRef idx="0">
+              <a:schemeClr val="accent1"/>
+            </a:effectRef>
+            <a:fontRef idx="minor">
+              <a:schemeClr val="lt1"/>
+            </a:fontRef>
+          </p:style>
+          <p:txBody>
+            <a:bodyPr rtlCol="0" anchor="ctr"/>
+            <a:lstStyle/>
+            <a:p>
+              <a:pPr algn="ctr"/>
+              <a:endParaRPr lang="zh-CN" altLang="en-US"/>
+            </a:p>
+          </p:txBody>
+        </p:sp>
+        <p:sp>
+          <p:nvSpPr>
+            <p:cNvPr id="14" name="矩形 13"/>
+            <p:cNvSpPr/>
+            <p:nvPr/>
+          </p:nvSpPr>
+          <p:spPr>
+            <a:xfrm>
+              <a:off x="11063181" y="565065"/>
+              <a:ext cx="492407" cy="492407"/>
+            </a:xfrm>
+            <a:prstGeom prst="rect">
+              <a:avLst/>
+            </a:prstGeom>
+            <a:noFill/>
+            <a:ln w="38100">
+              <a:solidFill>
+                <a:schemeClr val="accent6"/>
+              </a:solidFill>
+            </a:ln>
+          </p:spPr>
+          <p:style>
+            <a:lnRef idx="2">
+              <a:schemeClr val="accent1">
+                <a:shade val="50000"/>
+              </a:schemeClr>
+            </a:lnRef>
+            <a:fillRef idx="1">
+              <a:schemeClr val="accent1"/>
+            </a:fillRef>
+            <a:effectRef idx="0">
+              <a:schemeClr val="accent1"/>
+            </a:effectRef>
+            <a:fontRef idx="minor">
+              <a:schemeClr val="lt1"/>
+            </a:fontRef>
+          </p:style>
+          <p:txBody>
+            <a:bodyPr rtlCol="0" anchor="ctr"/>
+            <a:lstStyle/>
+            <a:p>
+              <a:pPr algn="ctr"/>
+              <a:endParaRPr lang="zh-CN" altLang="en-US"/>
+            </a:p>
+          </p:txBody>
+        </p:sp>
+      </p:grpSp>
+      <p:sp>
+        <p:nvSpPr>
+          <p:cNvPr id="17" name="文本框 16"/>
+          <p:cNvSpPr txBox="1"/>
+          <p:nvPr/>
+        </p:nvSpPr>
+        <p:spPr>
+          <a:xfrm>
+            <a:off x="2579587" y="349586"/>
+            <a:ext cx="6302207" cy="701040"/>
+          </a:xfrm>
+          <a:prstGeom prst="rect">
+            <a:avLst/>
+          </a:prstGeom>
+          <a:noFill/>
+        </p:spPr>
+        <p:txBody>
+          <a:bodyPr wrap="square" rtlCol="0">
+            <a:spAutoFit/>
+          </a:bodyPr>
+          <a:lstStyle/>
+          <a:p>
+            <a:r>
+              <a:rPr lang="zh-CN" altLang="en-US" sz="4000" b="1" dirty="0">
+                <a:solidFill>
+                  <a:schemeClr val="bg1"/>
+                </a:solidFill>
+              </a:rPr>
+              <a:t>景点类的状态图</a:t>
+            </a:r>
+          </a:p>
+        </p:txBody>
+      </p:sp>
+      <p:pic>
+        <p:nvPicPr>
+          <p:cNvPr id="2" name="图片 1"/>
+          <p:cNvPicPr>
+            <a:picLocks noChangeAspect="1"/>
+          </p:cNvPicPr>
+          <p:nvPr/>
+        </p:nvPicPr>
+        <p:blipFill>
+          <a:blip r:embed="rId2"/>
+          <a:stretch>
+            <a:fillRect/>
+          </a:stretch>
+        </p:blipFill>
+        <p:spPr>
+          <a:xfrm>
+            <a:off x="2799715" y="1360170"/>
+            <a:ext cx="5861050" cy="5041265"/>
+          </a:xfrm>
+          <a:prstGeom prst="rect">
+            <a:avLst/>
+          </a:prstGeom>
+        </p:spPr>
+      </p:pic>
+    </p:spTree>
+    <p:extLst>
+      <p:ext uri="{BB962C8B-B14F-4D97-AF65-F5344CB8AC3E}">
+        <p14:creationId xmlns:p14="http://schemas.microsoft.com/office/powerpoint/2010/main" val="3285646930"/>
+      </p:ext>
+    </p:extLst>
+  </p:cSld>
+  <p:clrMapOvr>
+    <a:masterClrMapping/>
+  </p:clrMapOvr>
+  <p:transition spd="slow">
+    <p:wipe/>
+  </p:transition>
+</p:sld>
+</file>
+
+<file path=ppt/slides/slide11.xml><?xml version="1.0" encoding="utf-8"?>
+<p:sld xmlns:a="http://schemas.openxmlformats.org/drawingml/2006/main" xmlns:r="http://schemas.openxmlformats.org/officeDocument/2006/relationships" xmlns:p="http://schemas.openxmlformats.org/presentationml/2006/main">
+  <p:cSld>
+    <p:spTree>
+      <p:nvGrpSpPr>
+        <p:cNvPr id="1" name=""/>
+        <p:cNvGrpSpPr/>
+        <p:nvPr/>
+      </p:nvGrpSpPr>
+      <p:grpSpPr>
+        <a:xfrm>
+          <a:off x="0" y="0"/>
+          <a:ext cx="0" cy="0"/>
+          <a:chOff x="0" y="0"/>
+          <a:chExt cx="0" cy="0"/>
+        </a:xfrm>
+      </p:grpSpPr>
       <p:sp>
         <p:nvSpPr>
           <p:cNvPr id="6" name="文本框 5"/>
@@ -4741,7 +5111,2091 @@
 </p:sld>
 </file>
 
-<file path=ppt/slides/slide11.xml><?xml version="1.0" encoding="utf-8"?>
+<file path=ppt/slides/slide12.xml><?xml version="1.0" encoding="utf-8"?>
+<p:sld xmlns:a="http://schemas.openxmlformats.org/drawingml/2006/main" xmlns:r="http://schemas.openxmlformats.org/officeDocument/2006/relationships" xmlns:p="http://schemas.openxmlformats.org/presentationml/2006/main">
+  <p:cSld>
+    <p:spTree>
+      <p:nvGrpSpPr>
+        <p:cNvPr id="1" name=""/>
+        <p:cNvGrpSpPr/>
+        <p:nvPr/>
+      </p:nvGrpSpPr>
+      <p:grpSpPr>
+        <a:xfrm>
+          <a:off x="0" y="0"/>
+          <a:ext cx="0" cy="0"/>
+          <a:chOff x="0" y="0"/>
+          <a:chExt cx="0" cy="0"/>
+        </a:xfrm>
+      </p:grpSpPr>
+      <p:sp>
+        <p:nvSpPr>
+          <p:cNvPr id="2" name="矩形 1"/>
+          <p:cNvSpPr/>
+          <p:nvPr/>
+        </p:nvSpPr>
+        <p:spPr>
+          <a:xfrm>
+            <a:off x="1570006" y="1820172"/>
+            <a:ext cx="1906438" cy="974786"/>
+          </a:xfrm>
+          <a:prstGeom prst="rect">
+            <a:avLst/>
+          </a:prstGeom>
+        </p:spPr>
+        <p:style>
+          <a:lnRef idx="2">
+            <a:schemeClr val="accent1">
+              <a:shade val="50000"/>
+            </a:schemeClr>
+          </a:lnRef>
+          <a:fillRef idx="1">
+            <a:schemeClr val="accent1"/>
+          </a:fillRef>
+          <a:effectRef idx="0">
+            <a:schemeClr val="accent1"/>
+          </a:effectRef>
+          <a:fontRef idx="minor">
+            <a:schemeClr val="lt1"/>
+          </a:fontRef>
+        </p:style>
+        <p:txBody>
+          <a:bodyPr rtlCol="0" anchor="ctr"/>
+          <a:lstStyle/>
+          <a:p>
+            <a:pPr algn="ctr"/>
+            <a:r>
+              <a:rPr lang="en-US" altLang="zh-CN" dirty="0"/>
+              <a:t>JSP</a:t>
+            </a:r>
+          </a:p>
+          <a:p>
+            <a:pPr algn="ctr"/>
+            <a:r>
+              <a:rPr lang="en-US" altLang="zh-CN" dirty="0"/>
+              <a:t>Servlet</a:t>
+            </a:r>
+            <a:endParaRPr lang="zh-CN" altLang="en-US" dirty="0"/>
+          </a:p>
+        </p:txBody>
+      </p:sp>
+      <p:sp>
+        <p:nvSpPr>
+          <p:cNvPr id="15" name="矩形 14"/>
+          <p:cNvSpPr/>
+          <p:nvPr/>
+        </p:nvSpPr>
+        <p:spPr>
+          <a:xfrm>
+            <a:off x="5086708" y="1820172"/>
+            <a:ext cx="1906438" cy="974786"/>
+          </a:xfrm>
+          <a:prstGeom prst="rect">
+            <a:avLst/>
+          </a:prstGeom>
+        </p:spPr>
+        <p:style>
+          <a:lnRef idx="2">
+            <a:schemeClr val="accent1">
+              <a:shade val="50000"/>
+            </a:schemeClr>
+          </a:lnRef>
+          <a:fillRef idx="1">
+            <a:schemeClr val="accent1"/>
+          </a:fillRef>
+          <a:effectRef idx="0">
+            <a:schemeClr val="accent1"/>
+          </a:effectRef>
+          <a:fontRef idx="minor">
+            <a:schemeClr val="lt1"/>
+          </a:fontRef>
+        </p:style>
+        <p:txBody>
+          <a:bodyPr rtlCol="0" anchor="ctr"/>
+          <a:lstStyle/>
+          <a:p>
+            <a:pPr algn="ctr"/>
+            <a:r>
+              <a:rPr lang="en-US" altLang="zh-CN" dirty="0"/>
+              <a:t>Service</a:t>
+            </a:r>
+            <a:endParaRPr lang="zh-CN" altLang="en-US" dirty="0"/>
+          </a:p>
+        </p:txBody>
+      </p:sp>
+      <p:sp>
+        <p:nvSpPr>
+          <p:cNvPr id="16" name="矩形 15"/>
+          <p:cNvSpPr/>
+          <p:nvPr/>
+        </p:nvSpPr>
+        <p:spPr>
+          <a:xfrm>
+            <a:off x="8603410" y="1820172"/>
+            <a:ext cx="1906438" cy="974786"/>
+          </a:xfrm>
+          <a:prstGeom prst="rect">
+            <a:avLst/>
+          </a:prstGeom>
+        </p:spPr>
+        <p:style>
+          <a:lnRef idx="2">
+            <a:schemeClr val="accent1">
+              <a:shade val="50000"/>
+            </a:schemeClr>
+          </a:lnRef>
+          <a:fillRef idx="1">
+            <a:schemeClr val="accent1"/>
+          </a:fillRef>
+          <a:effectRef idx="0">
+            <a:schemeClr val="accent1"/>
+          </a:effectRef>
+          <a:fontRef idx="minor">
+            <a:schemeClr val="lt1"/>
+          </a:fontRef>
+        </p:style>
+        <p:txBody>
+          <a:bodyPr rtlCol="0" anchor="ctr"/>
+          <a:lstStyle/>
+          <a:p>
+            <a:pPr algn="ctr"/>
+            <a:r>
+              <a:rPr lang="en-US" altLang="zh-CN" dirty="0"/>
+              <a:t>DAO</a:t>
+            </a:r>
+          </a:p>
+        </p:txBody>
+      </p:sp>
+      <p:cxnSp>
+        <p:nvCxnSpPr>
+          <p:cNvPr id="4" name="直接箭头连接符 3"/>
+          <p:cNvCxnSpPr/>
+          <p:nvPr/>
+        </p:nvCxnSpPr>
+        <p:spPr>
+          <a:xfrm>
+            <a:off x="3476444" y="2078966"/>
+            <a:ext cx="1610264" cy="8626"/>
+          </a:xfrm>
+          <a:prstGeom prst="straightConnector1">
+            <a:avLst/>
+          </a:prstGeom>
+          <a:ln>
+            <a:tailEnd type="triangle"/>
+          </a:ln>
+        </p:spPr>
+        <p:style>
+          <a:lnRef idx="1">
+            <a:schemeClr val="accent1"/>
+          </a:lnRef>
+          <a:fillRef idx="0">
+            <a:schemeClr val="accent1"/>
+          </a:fillRef>
+          <a:effectRef idx="0">
+            <a:schemeClr val="accent1"/>
+          </a:effectRef>
+          <a:fontRef idx="minor">
+            <a:schemeClr val="tx1"/>
+          </a:fontRef>
+        </p:style>
+      </p:cxnSp>
+      <p:cxnSp>
+        <p:nvCxnSpPr>
+          <p:cNvPr id="20" name="直接箭头连接符 19"/>
+          <p:cNvCxnSpPr/>
+          <p:nvPr/>
+        </p:nvCxnSpPr>
+        <p:spPr>
+          <a:xfrm>
+            <a:off x="6993146" y="2070340"/>
+            <a:ext cx="1610264" cy="8626"/>
+          </a:xfrm>
+          <a:prstGeom prst="straightConnector1">
+            <a:avLst/>
+          </a:prstGeom>
+          <a:ln>
+            <a:tailEnd type="triangle"/>
+          </a:ln>
+        </p:spPr>
+        <p:style>
+          <a:lnRef idx="1">
+            <a:schemeClr val="accent1"/>
+          </a:lnRef>
+          <a:fillRef idx="0">
+            <a:schemeClr val="accent1"/>
+          </a:fillRef>
+          <a:effectRef idx="0">
+            <a:schemeClr val="accent1"/>
+          </a:effectRef>
+          <a:fontRef idx="minor">
+            <a:schemeClr val="tx1"/>
+          </a:fontRef>
+        </p:style>
+      </p:cxnSp>
+      <p:cxnSp>
+        <p:nvCxnSpPr>
+          <p:cNvPr id="21" name="直接箭头连接符 20"/>
+          <p:cNvCxnSpPr/>
+          <p:nvPr/>
+        </p:nvCxnSpPr>
+        <p:spPr>
+          <a:xfrm flipH="1" flipV="1">
+            <a:off x="3476445" y="2501661"/>
+            <a:ext cx="1610263" cy="8626"/>
+          </a:xfrm>
+          <a:prstGeom prst="straightConnector1">
+            <a:avLst/>
+          </a:prstGeom>
+          <a:ln>
+            <a:tailEnd type="triangle"/>
+          </a:ln>
+        </p:spPr>
+        <p:style>
+          <a:lnRef idx="1">
+            <a:schemeClr val="accent1"/>
+          </a:lnRef>
+          <a:fillRef idx="0">
+            <a:schemeClr val="accent1"/>
+          </a:fillRef>
+          <a:effectRef idx="0">
+            <a:schemeClr val="accent1"/>
+          </a:effectRef>
+          <a:fontRef idx="minor">
+            <a:schemeClr val="tx1"/>
+          </a:fontRef>
+        </p:style>
+      </p:cxnSp>
+      <p:cxnSp>
+        <p:nvCxnSpPr>
+          <p:cNvPr id="23" name="直接箭头连接符 22"/>
+          <p:cNvCxnSpPr/>
+          <p:nvPr/>
+        </p:nvCxnSpPr>
+        <p:spPr>
+          <a:xfrm flipH="1" flipV="1">
+            <a:off x="6993146" y="2510287"/>
+            <a:ext cx="1610263" cy="8626"/>
+          </a:xfrm>
+          <a:prstGeom prst="straightConnector1">
+            <a:avLst/>
+          </a:prstGeom>
+          <a:ln>
+            <a:tailEnd type="triangle"/>
+          </a:ln>
+        </p:spPr>
+        <p:style>
+          <a:lnRef idx="1">
+            <a:schemeClr val="accent1"/>
+          </a:lnRef>
+          <a:fillRef idx="0">
+            <a:schemeClr val="accent1"/>
+          </a:fillRef>
+          <a:effectRef idx="0">
+            <a:schemeClr val="accent1"/>
+          </a:effectRef>
+          <a:fontRef idx="minor">
+            <a:schemeClr val="tx1"/>
+          </a:fontRef>
+        </p:style>
+      </p:cxnSp>
+      <p:sp>
+        <p:nvSpPr>
+          <p:cNvPr id="24" name="椭圆 23"/>
+          <p:cNvSpPr/>
+          <p:nvPr/>
+        </p:nvSpPr>
+        <p:spPr>
+          <a:xfrm>
+            <a:off x="8898864" y="4175183"/>
+            <a:ext cx="1315529" cy="1285337"/>
+          </a:xfrm>
+          <a:prstGeom prst="ellipse">
+            <a:avLst/>
+          </a:prstGeom>
+        </p:spPr>
+        <p:style>
+          <a:lnRef idx="2">
+            <a:schemeClr val="accent1">
+              <a:shade val="50000"/>
+            </a:schemeClr>
+          </a:lnRef>
+          <a:fillRef idx="1">
+            <a:schemeClr val="accent1"/>
+          </a:fillRef>
+          <a:effectRef idx="0">
+            <a:schemeClr val="accent1"/>
+          </a:effectRef>
+          <a:fontRef idx="minor">
+            <a:schemeClr val="lt1"/>
+          </a:fontRef>
+        </p:style>
+        <p:txBody>
+          <a:bodyPr rtlCol="0" anchor="ctr"/>
+          <a:lstStyle/>
+          <a:p>
+            <a:pPr algn="ctr"/>
+            <a:r>
+              <a:rPr lang="en-US" altLang="zh-CN" dirty="0" err="1"/>
+              <a:t>MySql</a:t>
+            </a:r>
+            <a:endParaRPr lang="zh-CN" altLang="en-US" dirty="0"/>
+          </a:p>
+        </p:txBody>
+      </p:sp>
+      <p:cxnSp>
+        <p:nvCxnSpPr>
+          <p:cNvPr id="27" name="直接箭头连接符 26"/>
+          <p:cNvCxnSpPr>
+            <a:stCxn id="16" idx="2"/>
+            <a:endCxn id="24" idx="0"/>
+          </p:cNvCxnSpPr>
+          <p:nvPr/>
+        </p:nvCxnSpPr>
+        <p:spPr>
+          <a:xfrm>
+            <a:off x="9556629" y="2794958"/>
+            <a:ext cx="0" cy="1380225"/>
+          </a:xfrm>
+          <a:prstGeom prst="straightConnector1">
+            <a:avLst/>
+          </a:prstGeom>
+          <a:ln>
+            <a:headEnd type="triangle"/>
+            <a:tailEnd type="triangle"/>
+          </a:ln>
+        </p:spPr>
+        <p:style>
+          <a:lnRef idx="1">
+            <a:schemeClr val="accent1"/>
+          </a:lnRef>
+          <a:fillRef idx="0">
+            <a:schemeClr val="accent1"/>
+          </a:fillRef>
+          <a:effectRef idx="0">
+            <a:schemeClr val="accent1"/>
+          </a:effectRef>
+          <a:fontRef idx="minor">
+            <a:schemeClr val="tx1"/>
+          </a:fontRef>
+        </p:style>
+      </p:cxnSp>
+      <p:sp>
+        <p:nvSpPr>
+          <p:cNvPr id="29" name="文本框 28"/>
+          <p:cNvSpPr txBox="1"/>
+          <p:nvPr/>
+        </p:nvSpPr>
+        <p:spPr>
+          <a:xfrm>
+            <a:off x="2084642" y="3476442"/>
+            <a:ext cx="877163" cy="369332"/>
+          </a:xfrm>
+          <a:prstGeom prst="rect">
+            <a:avLst/>
+          </a:prstGeom>
+          <a:noFill/>
+        </p:spPr>
+        <p:txBody>
+          <a:bodyPr wrap="none" rtlCol="0">
+            <a:spAutoFit/>
+          </a:bodyPr>
+          <a:lstStyle/>
+          <a:p>
+            <a:r>
+              <a:rPr lang="zh-CN" altLang="en-US" dirty="0">
+                <a:solidFill>
+                  <a:schemeClr val="bg1"/>
+                </a:solidFill>
+              </a:rPr>
+              <a:t>视图层</a:t>
+            </a:r>
+          </a:p>
+        </p:txBody>
+      </p:sp>
+      <p:sp>
+        <p:nvSpPr>
+          <p:cNvPr id="31" name="文本框 30"/>
+          <p:cNvSpPr txBox="1"/>
+          <p:nvPr/>
+        </p:nvSpPr>
+        <p:spPr>
+          <a:xfrm>
+            <a:off x="5601345" y="3485070"/>
+            <a:ext cx="877163" cy="369332"/>
+          </a:xfrm>
+          <a:prstGeom prst="rect">
+            <a:avLst/>
+          </a:prstGeom>
+          <a:noFill/>
+        </p:spPr>
+        <p:txBody>
+          <a:bodyPr wrap="none" rtlCol="0">
+            <a:spAutoFit/>
+          </a:bodyPr>
+          <a:lstStyle/>
+          <a:p>
+            <a:r>
+              <a:rPr lang="zh-CN" altLang="en-US" dirty="0">
+                <a:solidFill>
+                  <a:schemeClr val="bg1"/>
+                </a:solidFill>
+              </a:rPr>
+              <a:t>业务层</a:t>
+            </a:r>
+          </a:p>
+        </p:txBody>
+      </p:sp>
+      <p:sp>
+        <p:nvSpPr>
+          <p:cNvPr id="32" name="文本框 31"/>
+          <p:cNvSpPr txBox="1"/>
+          <p:nvPr/>
+        </p:nvSpPr>
+        <p:spPr>
+          <a:xfrm>
+            <a:off x="8887214" y="3271014"/>
+            <a:ext cx="1338828" cy="369332"/>
+          </a:xfrm>
+          <a:prstGeom prst="rect">
+            <a:avLst/>
+          </a:prstGeom>
+          <a:noFill/>
+        </p:spPr>
+        <p:txBody>
+          <a:bodyPr wrap="none" rtlCol="0">
+            <a:spAutoFit/>
+          </a:bodyPr>
+          <a:lstStyle/>
+          <a:p>
+            <a:r>
+              <a:rPr lang="zh-CN" altLang="en-US" dirty="0">
+                <a:solidFill>
+                  <a:schemeClr val="bg1"/>
+                </a:solidFill>
+              </a:rPr>
+              <a:t>数据持久层</a:t>
+            </a:r>
+          </a:p>
+        </p:txBody>
+      </p:sp>
+      <p:grpSp>
+        <p:nvGrpSpPr>
+          <p:cNvPr id="14" name="组合 13">
+            <a:extLst>
+              <a:ext uri="{FF2B5EF4-FFF2-40B4-BE49-F238E27FC236}">
+                <a16:creationId xmlns:a16="http://schemas.microsoft.com/office/drawing/2014/main" id="{777E5E05-BC8A-4F39-BC1A-9A5ED8C054ED}"/>
+              </a:ext>
+            </a:extLst>
+          </p:cNvPr>
+          <p:cNvGrpSpPr/>
+          <p:nvPr/>
+        </p:nvGrpSpPr>
+        <p:grpSpPr>
+          <a:xfrm>
+            <a:off x="11063181" y="0"/>
+            <a:ext cx="1128819" cy="1057472"/>
+            <a:chOff x="11063181" y="0"/>
+            <a:chExt cx="1128819" cy="1057472"/>
+          </a:xfrm>
+        </p:grpSpPr>
+        <p:sp>
+          <p:nvSpPr>
+            <p:cNvPr id="17" name="矩形 16">
+              <a:extLst>
+                <a:ext uri="{FF2B5EF4-FFF2-40B4-BE49-F238E27FC236}">
+                  <a16:creationId xmlns:a16="http://schemas.microsoft.com/office/drawing/2014/main" id="{8E685BA3-2849-43F0-86C1-F841676759BE}"/>
+                </a:ext>
+              </a:extLst>
+            </p:cNvPr>
+            <p:cNvSpPr/>
+            <p:nvPr/>
+          </p:nvSpPr>
+          <p:spPr>
+            <a:xfrm>
+              <a:off x="11381387" y="246204"/>
+              <a:ext cx="492407" cy="492407"/>
+            </a:xfrm>
+            <a:prstGeom prst="rect">
+              <a:avLst/>
+            </a:prstGeom>
+            <a:noFill/>
+            <a:ln w="38100">
+              <a:solidFill>
+                <a:srgbClr val="DA2B89"/>
+              </a:solidFill>
+            </a:ln>
+          </p:spPr>
+          <p:style>
+            <a:lnRef idx="2">
+              <a:schemeClr val="accent1">
+                <a:shade val="50000"/>
+              </a:schemeClr>
+            </a:lnRef>
+            <a:fillRef idx="1">
+              <a:schemeClr val="accent1"/>
+            </a:fillRef>
+            <a:effectRef idx="0">
+              <a:schemeClr val="accent1"/>
+            </a:effectRef>
+            <a:fontRef idx="minor">
+              <a:schemeClr val="lt1"/>
+            </a:fontRef>
+          </p:style>
+          <p:txBody>
+            <a:bodyPr rtlCol="0" anchor="ctr"/>
+            <a:lstStyle/>
+            <a:p>
+              <a:pPr algn="ctr"/>
+              <a:endParaRPr lang="zh-CN" altLang="en-US"/>
+            </a:p>
+          </p:txBody>
+        </p:sp>
+        <p:sp>
+          <p:nvSpPr>
+            <p:cNvPr id="18" name="矩形 17">
+              <a:extLst>
+                <a:ext uri="{FF2B5EF4-FFF2-40B4-BE49-F238E27FC236}">
+                  <a16:creationId xmlns:a16="http://schemas.microsoft.com/office/drawing/2014/main" id="{B31AC13A-BABE-4F98-8CCF-D8FEF51DB8A1}"/>
+                </a:ext>
+              </a:extLst>
+            </p:cNvPr>
+            <p:cNvSpPr/>
+            <p:nvPr/>
+          </p:nvSpPr>
+          <p:spPr>
+            <a:xfrm>
+              <a:off x="11699593" y="0"/>
+              <a:ext cx="492407" cy="492407"/>
+            </a:xfrm>
+            <a:prstGeom prst="rect">
+              <a:avLst/>
+            </a:prstGeom>
+            <a:noFill/>
+            <a:ln w="38100">
+              <a:solidFill>
+                <a:schemeClr val="tx2">
+                  <a:lumMod val="60000"/>
+                  <a:lumOff val="40000"/>
+                </a:schemeClr>
+              </a:solidFill>
+            </a:ln>
+          </p:spPr>
+          <p:style>
+            <a:lnRef idx="2">
+              <a:schemeClr val="accent1">
+                <a:shade val="50000"/>
+              </a:schemeClr>
+            </a:lnRef>
+            <a:fillRef idx="1">
+              <a:schemeClr val="accent1"/>
+            </a:fillRef>
+            <a:effectRef idx="0">
+              <a:schemeClr val="accent1"/>
+            </a:effectRef>
+            <a:fontRef idx="minor">
+              <a:schemeClr val="lt1"/>
+            </a:fontRef>
+          </p:style>
+          <p:txBody>
+            <a:bodyPr rtlCol="0" anchor="ctr"/>
+            <a:lstStyle/>
+            <a:p>
+              <a:pPr algn="ctr"/>
+              <a:endParaRPr lang="zh-CN" altLang="en-US"/>
+            </a:p>
+          </p:txBody>
+        </p:sp>
+        <p:sp>
+          <p:nvSpPr>
+            <p:cNvPr id="19" name="矩形 18">
+              <a:extLst>
+                <a:ext uri="{FF2B5EF4-FFF2-40B4-BE49-F238E27FC236}">
+                  <a16:creationId xmlns:a16="http://schemas.microsoft.com/office/drawing/2014/main" id="{A057B609-ABFA-4BA5-83E3-3FC73EA7EF48}"/>
+                </a:ext>
+              </a:extLst>
+            </p:cNvPr>
+            <p:cNvSpPr/>
+            <p:nvPr/>
+          </p:nvSpPr>
+          <p:spPr>
+            <a:xfrm>
+              <a:off x="11063181" y="565065"/>
+              <a:ext cx="492407" cy="492407"/>
+            </a:xfrm>
+            <a:prstGeom prst="rect">
+              <a:avLst/>
+            </a:prstGeom>
+            <a:noFill/>
+            <a:ln w="38100">
+              <a:solidFill>
+                <a:schemeClr val="accent6"/>
+              </a:solidFill>
+            </a:ln>
+          </p:spPr>
+          <p:style>
+            <a:lnRef idx="2">
+              <a:schemeClr val="accent1">
+                <a:shade val="50000"/>
+              </a:schemeClr>
+            </a:lnRef>
+            <a:fillRef idx="1">
+              <a:schemeClr val="accent1"/>
+            </a:fillRef>
+            <a:effectRef idx="0">
+              <a:schemeClr val="accent1"/>
+            </a:effectRef>
+            <a:fontRef idx="minor">
+              <a:schemeClr val="lt1"/>
+            </a:fontRef>
+          </p:style>
+          <p:txBody>
+            <a:bodyPr rtlCol="0" anchor="ctr"/>
+            <a:lstStyle/>
+            <a:p>
+              <a:pPr algn="ctr"/>
+              <a:endParaRPr lang="zh-CN" altLang="en-US"/>
+            </a:p>
+          </p:txBody>
+        </p:sp>
+      </p:grpSp>
+    </p:spTree>
+    <p:extLst>
+      <p:ext uri="{BB962C8B-B14F-4D97-AF65-F5344CB8AC3E}">
+        <p14:creationId xmlns:p14="http://schemas.microsoft.com/office/powerpoint/2010/main" val="3581320984"/>
+      </p:ext>
+    </p:extLst>
+  </p:cSld>
+  <p:clrMapOvr>
+    <a:masterClrMapping/>
+  </p:clrMapOvr>
+  <p:transition spd="slow">
+    <p:wipe/>
+  </p:transition>
+</p:sld>
+</file>
+
+<file path=ppt/slides/slide13.xml><?xml version="1.0" encoding="utf-8"?>
+<p:sld xmlns:a="http://schemas.openxmlformats.org/drawingml/2006/main" xmlns:r="http://schemas.openxmlformats.org/officeDocument/2006/relationships" xmlns:p="http://schemas.openxmlformats.org/presentationml/2006/main">
+  <p:cSld>
+    <p:spTree>
+      <p:nvGrpSpPr>
+        <p:cNvPr id="1" name=""/>
+        <p:cNvGrpSpPr/>
+        <p:nvPr/>
+      </p:nvGrpSpPr>
+      <p:grpSpPr>
+        <a:xfrm>
+          <a:off x="0" y="0"/>
+          <a:ext cx="0" cy="0"/>
+          <a:chOff x="0" y="0"/>
+          <a:chExt cx="0" cy="0"/>
+        </a:xfrm>
+      </p:grpSpPr>
+      <p:sp>
+        <p:nvSpPr>
+          <p:cNvPr id="3" name="文本框 2"/>
+          <p:cNvSpPr txBox="1"/>
+          <p:nvPr/>
+        </p:nvSpPr>
+        <p:spPr>
+          <a:xfrm>
+            <a:off x="741871" y="543465"/>
+            <a:ext cx="1261884" cy="523220"/>
+          </a:xfrm>
+          <a:prstGeom prst="rect">
+            <a:avLst/>
+          </a:prstGeom>
+          <a:noFill/>
+        </p:spPr>
+        <p:txBody>
+          <a:bodyPr wrap="none" rtlCol="0">
+            <a:spAutoFit/>
+          </a:bodyPr>
+          <a:lstStyle/>
+          <a:p>
+            <a:r>
+              <a:rPr lang="zh-CN" altLang="en-US" sz="2800" dirty="0">
+                <a:solidFill>
+                  <a:schemeClr val="bg1"/>
+                </a:solidFill>
+              </a:rPr>
+              <a:t>视图层</a:t>
+            </a:r>
+          </a:p>
+        </p:txBody>
+      </p:sp>
+      <p:pic>
+        <p:nvPicPr>
+          <p:cNvPr id="5" name="图片 4"/>
+          <p:cNvPicPr>
+            <a:picLocks noChangeAspect="1"/>
+          </p:cNvPicPr>
+          <p:nvPr/>
+        </p:nvPicPr>
+        <p:blipFill>
+          <a:blip r:embed="rId2"/>
+          <a:stretch>
+            <a:fillRect/>
+          </a:stretch>
+        </p:blipFill>
+        <p:spPr>
+          <a:xfrm>
+            <a:off x="2356847" y="794515"/>
+            <a:ext cx="7392041" cy="4458086"/>
+          </a:xfrm>
+          <a:prstGeom prst="rect">
+            <a:avLst/>
+          </a:prstGeom>
+        </p:spPr>
+      </p:pic>
+      <p:cxnSp>
+        <p:nvCxnSpPr>
+          <p:cNvPr id="7" name="直接连接符 6"/>
+          <p:cNvCxnSpPr/>
+          <p:nvPr/>
+        </p:nvCxnSpPr>
+        <p:spPr>
+          <a:xfrm flipV="1">
+            <a:off x="2786332" y="931652"/>
+            <a:ext cx="5943600" cy="8627"/>
+          </a:xfrm>
+          <a:prstGeom prst="line">
+            <a:avLst/>
+          </a:prstGeom>
+          <a:ln>
+            <a:solidFill>
+              <a:srgbClr val="FF0000"/>
+            </a:solidFill>
+          </a:ln>
+        </p:spPr>
+        <p:style>
+          <a:lnRef idx="3">
+            <a:schemeClr val="accent2"/>
+          </a:lnRef>
+          <a:fillRef idx="0">
+            <a:schemeClr val="accent2"/>
+          </a:fillRef>
+          <a:effectRef idx="2">
+            <a:schemeClr val="accent2"/>
+          </a:effectRef>
+          <a:fontRef idx="minor">
+            <a:schemeClr val="tx1"/>
+          </a:fontRef>
+        </p:style>
+      </p:cxnSp>
+      <p:cxnSp>
+        <p:nvCxnSpPr>
+          <p:cNvPr id="22" name="直接连接符 21"/>
+          <p:cNvCxnSpPr/>
+          <p:nvPr/>
+        </p:nvCxnSpPr>
+        <p:spPr>
+          <a:xfrm flipV="1">
+            <a:off x="3154392" y="4905553"/>
+            <a:ext cx="5943600" cy="8627"/>
+          </a:xfrm>
+          <a:prstGeom prst="line">
+            <a:avLst/>
+          </a:prstGeom>
+          <a:ln>
+            <a:solidFill>
+              <a:srgbClr val="FF0000"/>
+            </a:solidFill>
+          </a:ln>
+        </p:spPr>
+        <p:style>
+          <a:lnRef idx="3">
+            <a:schemeClr val="accent2"/>
+          </a:lnRef>
+          <a:fillRef idx="0">
+            <a:schemeClr val="accent2"/>
+          </a:fillRef>
+          <a:effectRef idx="2">
+            <a:schemeClr val="accent2"/>
+          </a:effectRef>
+          <a:fontRef idx="minor">
+            <a:schemeClr val="tx1"/>
+          </a:fontRef>
+        </p:style>
+      </p:cxnSp>
+      <p:sp>
+        <p:nvSpPr>
+          <p:cNvPr id="9" name="文本框 8"/>
+          <p:cNvSpPr txBox="1"/>
+          <p:nvPr/>
+        </p:nvSpPr>
+        <p:spPr>
+          <a:xfrm>
+            <a:off x="5365629" y="5389738"/>
+            <a:ext cx="966931" cy="369332"/>
+          </a:xfrm>
+          <a:prstGeom prst="rect">
+            <a:avLst/>
+          </a:prstGeom>
+          <a:noFill/>
+        </p:spPr>
+        <p:txBody>
+          <a:bodyPr wrap="none" rtlCol="0">
+            <a:spAutoFit/>
+          </a:bodyPr>
+          <a:lstStyle/>
+          <a:p>
+            <a:r>
+              <a:rPr lang="en-US" altLang="zh-CN" dirty="0" err="1">
+                <a:solidFill>
+                  <a:schemeClr val="bg1"/>
+                </a:solidFill>
+              </a:rPr>
+              <a:t>login.jsp</a:t>
+            </a:r>
+            <a:endParaRPr lang="zh-CN" altLang="en-US" dirty="0">
+              <a:solidFill>
+                <a:schemeClr val="bg1"/>
+              </a:solidFill>
+            </a:endParaRPr>
+          </a:p>
+        </p:txBody>
+      </p:sp>
+      <p:grpSp>
+        <p:nvGrpSpPr>
+          <p:cNvPr id="8" name="组合 7">
+            <a:extLst>
+              <a:ext uri="{FF2B5EF4-FFF2-40B4-BE49-F238E27FC236}">
+                <a16:creationId xmlns:a16="http://schemas.microsoft.com/office/drawing/2014/main" id="{222F7A4D-BEC3-4AD8-85E8-1D2341CF1913}"/>
+              </a:ext>
+            </a:extLst>
+          </p:cNvPr>
+          <p:cNvGrpSpPr/>
+          <p:nvPr/>
+        </p:nvGrpSpPr>
+        <p:grpSpPr>
+          <a:xfrm>
+            <a:off x="11063181" y="0"/>
+            <a:ext cx="1128819" cy="1057472"/>
+            <a:chOff x="11063181" y="0"/>
+            <a:chExt cx="1128819" cy="1057472"/>
+          </a:xfrm>
+        </p:grpSpPr>
+        <p:sp>
+          <p:nvSpPr>
+            <p:cNvPr id="10" name="矩形 9">
+              <a:extLst>
+                <a:ext uri="{FF2B5EF4-FFF2-40B4-BE49-F238E27FC236}">
+                  <a16:creationId xmlns:a16="http://schemas.microsoft.com/office/drawing/2014/main" id="{36F1782F-5097-4420-95CA-61DEFA6AA330}"/>
+                </a:ext>
+              </a:extLst>
+            </p:cNvPr>
+            <p:cNvSpPr/>
+            <p:nvPr/>
+          </p:nvSpPr>
+          <p:spPr>
+            <a:xfrm>
+              <a:off x="11381387" y="246204"/>
+              <a:ext cx="492407" cy="492407"/>
+            </a:xfrm>
+            <a:prstGeom prst="rect">
+              <a:avLst/>
+            </a:prstGeom>
+            <a:noFill/>
+            <a:ln w="38100">
+              <a:solidFill>
+                <a:srgbClr val="DA2B89"/>
+              </a:solidFill>
+            </a:ln>
+          </p:spPr>
+          <p:style>
+            <a:lnRef idx="2">
+              <a:schemeClr val="accent1">
+                <a:shade val="50000"/>
+              </a:schemeClr>
+            </a:lnRef>
+            <a:fillRef idx="1">
+              <a:schemeClr val="accent1"/>
+            </a:fillRef>
+            <a:effectRef idx="0">
+              <a:schemeClr val="accent1"/>
+            </a:effectRef>
+            <a:fontRef idx="minor">
+              <a:schemeClr val="lt1"/>
+            </a:fontRef>
+          </p:style>
+          <p:txBody>
+            <a:bodyPr rtlCol="0" anchor="ctr"/>
+            <a:lstStyle/>
+            <a:p>
+              <a:pPr algn="ctr"/>
+              <a:endParaRPr lang="zh-CN" altLang="en-US"/>
+            </a:p>
+          </p:txBody>
+        </p:sp>
+        <p:sp>
+          <p:nvSpPr>
+            <p:cNvPr id="11" name="矩形 10">
+              <a:extLst>
+                <a:ext uri="{FF2B5EF4-FFF2-40B4-BE49-F238E27FC236}">
+                  <a16:creationId xmlns:a16="http://schemas.microsoft.com/office/drawing/2014/main" id="{D0F52116-0FED-4E83-A60E-EB7D7458B430}"/>
+                </a:ext>
+              </a:extLst>
+            </p:cNvPr>
+            <p:cNvSpPr/>
+            <p:nvPr/>
+          </p:nvSpPr>
+          <p:spPr>
+            <a:xfrm>
+              <a:off x="11699593" y="0"/>
+              <a:ext cx="492407" cy="492407"/>
+            </a:xfrm>
+            <a:prstGeom prst="rect">
+              <a:avLst/>
+            </a:prstGeom>
+            <a:noFill/>
+            <a:ln w="38100">
+              <a:solidFill>
+                <a:schemeClr val="tx2">
+                  <a:lumMod val="60000"/>
+                  <a:lumOff val="40000"/>
+                </a:schemeClr>
+              </a:solidFill>
+            </a:ln>
+          </p:spPr>
+          <p:style>
+            <a:lnRef idx="2">
+              <a:schemeClr val="accent1">
+                <a:shade val="50000"/>
+              </a:schemeClr>
+            </a:lnRef>
+            <a:fillRef idx="1">
+              <a:schemeClr val="accent1"/>
+            </a:fillRef>
+            <a:effectRef idx="0">
+              <a:schemeClr val="accent1"/>
+            </a:effectRef>
+            <a:fontRef idx="minor">
+              <a:schemeClr val="lt1"/>
+            </a:fontRef>
+          </p:style>
+          <p:txBody>
+            <a:bodyPr rtlCol="0" anchor="ctr"/>
+            <a:lstStyle/>
+            <a:p>
+              <a:pPr algn="ctr"/>
+              <a:endParaRPr lang="zh-CN" altLang="en-US"/>
+            </a:p>
+          </p:txBody>
+        </p:sp>
+        <p:sp>
+          <p:nvSpPr>
+            <p:cNvPr id="12" name="矩形 11">
+              <a:extLst>
+                <a:ext uri="{FF2B5EF4-FFF2-40B4-BE49-F238E27FC236}">
+                  <a16:creationId xmlns:a16="http://schemas.microsoft.com/office/drawing/2014/main" id="{84E3BDA0-D1AC-40B8-829D-BF1A427017B7}"/>
+                </a:ext>
+              </a:extLst>
+            </p:cNvPr>
+            <p:cNvSpPr/>
+            <p:nvPr/>
+          </p:nvSpPr>
+          <p:spPr>
+            <a:xfrm>
+              <a:off x="11063181" y="565065"/>
+              <a:ext cx="492407" cy="492407"/>
+            </a:xfrm>
+            <a:prstGeom prst="rect">
+              <a:avLst/>
+            </a:prstGeom>
+            <a:noFill/>
+            <a:ln w="38100">
+              <a:solidFill>
+                <a:schemeClr val="accent6"/>
+              </a:solidFill>
+            </a:ln>
+          </p:spPr>
+          <p:style>
+            <a:lnRef idx="2">
+              <a:schemeClr val="accent1">
+                <a:shade val="50000"/>
+              </a:schemeClr>
+            </a:lnRef>
+            <a:fillRef idx="1">
+              <a:schemeClr val="accent1"/>
+            </a:fillRef>
+            <a:effectRef idx="0">
+              <a:schemeClr val="accent1"/>
+            </a:effectRef>
+            <a:fontRef idx="minor">
+              <a:schemeClr val="lt1"/>
+            </a:fontRef>
+          </p:style>
+          <p:txBody>
+            <a:bodyPr rtlCol="0" anchor="ctr"/>
+            <a:lstStyle/>
+            <a:p>
+              <a:pPr algn="ctr"/>
+              <a:endParaRPr lang="zh-CN" altLang="en-US"/>
+            </a:p>
+          </p:txBody>
+        </p:sp>
+      </p:grpSp>
+    </p:spTree>
+    <p:extLst>
+      <p:ext uri="{BB962C8B-B14F-4D97-AF65-F5344CB8AC3E}">
+        <p14:creationId xmlns:p14="http://schemas.microsoft.com/office/powerpoint/2010/main" val="2006188045"/>
+      </p:ext>
+    </p:extLst>
+  </p:cSld>
+  <p:clrMapOvr>
+    <a:masterClrMapping/>
+  </p:clrMapOvr>
+  <p:transition spd="slow">
+    <p:wipe/>
+  </p:transition>
+</p:sld>
+</file>
+
+<file path=ppt/slides/slide14.xml><?xml version="1.0" encoding="utf-8"?>
+<p:sld xmlns:a="http://schemas.openxmlformats.org/drawingml/2006/main" xmlns:r="http://schemas.openxmlformats.org/officeDocument/2006/relationships" xmlns:p="http://schemas.openxmlformats.org/presentationml/2006/main">
+  <p:cSld>
+    <p:spTree>
+      <p:nvGrpSpPr>
+        <p:cNvPr id="1" name=""/>
+        <p:cNvGrpSpPr/>
+        <p:nvPr/>
+      </p:nvGrpSpPr>
+      <p:grpSpPr>
+        <a:xfrm>
+          <a:off x="0" y="0"/>
+          <a:ext cx="0" cy="0"/>
+          <a:chOff x="0" y="0"/>
+          <a:chExt cx="0" cy="0"/>
+        </a:xfrm>
+      </p:grpSpPr>
+      <p:sp>
+        <p:nvSpPr>
+          <p:cNvPr id="3" name="文本框 2"/>
+          <p:cNvSpPr txBox="1"/>
+          <p:nvPr/>
+        </p:nvSpPr>
+        <p:spPr>
+          <a:xfrm>
+            <a:off x="741871" y="543465"/>
+            <a:ext cx="1261884" cy="523220"/>
+          </a:xfrm>
+          <a:prstGeom prst="rect">
+            <a:avLst/>
+          </a:prstGeom>
+          <a:noFill/>
+        </p:spPr>
+        <p:txBody>
+          <a:bodyPr wrap="none" rtlCol="0">
+            <a:spAutoFit/>
+          </a:bodyPr>
+          <a:lstStyle/>
+          <a:p>
+            <a:r>
+              <a:rPr lang="zh-CN" altLang="en-US" sz="2800" dirty="0">
+                <a:solidFill>
+                  <a:schemeClr val="bg1"/>
+                </a:solidFill>
+              </a:rPr>
+              <a:t>视图层</a:t>
+            </a:r>
+          </a:p>
+        </p:txBody>
+      </p:sp>
+      <p:pic>
+        <p:nvPicPr>
+          <p:cNvPr id="2" name="图片 1"/>
+          <p:cNvPicPr>
+            <a:picLocks noChangeAspect="1"/>
+          </p:cNvPicPr>
+          <p:nvPr/>
+        </p:nvPicPr>
+        <p:blipFill>
+          <a:blip r:embed="rId2"/>
+          <a:stretch>
+            <a:fillRect/>
+          </a:stretch>
+        </p:blipFill>
+        <p:spPr>
+          <a:xfrm>
+            <a:off x="3420240" y="709105"/>
+            <a:ext cx="4747671" cy="1333616"/>
+          </a:xfrm>
+          <a:prstGeom prst="rect">
+            <a:avLst/>
+          </a:prstGeom>
+        </p:spPr>
+      </p:pic>
+      <p:sp>
+        <p:nvSpPr>
+          <p:cNvPr id="4" name="文本框 3"/>
+          <p:cNvSpPr txBox="1"/>
+          <p:nvPr/>
+        </p:nvSpPr>
+        <p:spPr>
+          <a:xfrm>
+            <a:off x="4666890" y="2182483"/>
+            <a:ext cx="1474634" cy="369332"/>
+          </a:xfrm>
+          <a:prstGeom prst="rect">
+            <a:avLst/>
+          </a:prstGeom>
+          <a:noFill/>
+        </p:spPr>
+        <p:txBody>
+          <a:bodyPr wrap="none" rtlCol="0">
+            <a:spAutoFit/>
+          </a:bodyPr>
+          <a:lstStyle/>
+          <a:p>
+            <a:r>
+              <a:rPr lang="en-US" altLang="zh-CN" dirty="0">
+                <a:solidFill>
+                  <a:schemeClr val="bg1"/>
+                </a:solidFill>
+              </a:rPr>
+              <a:t>Web.xml</a:t>
+            </a:r>
+            <a:r>
+              <a:rPr lang="zh-CN" altLang="en-US" dirty="0">
+                <a:solidFill>
+                  <a:schemeClr val="bg1"/>
+                </a:solidFill>
+              </a:rPr>
+              <a:t>配置</a:t>
+            </a:r>
+          </a:p>
+        </p:txBody>
+      </p:sp>
+      <p:pic>
+        <p:nvPicPr>
+          <p:cNvPr id="6" name="图片 5"/>
+          <p:cNvPicPr>
+            <a:picLocks noChangeAspect="1"/>
+          </p:cNvPicPr>
+          <p:nvPr/>
+        </p:nvPicPr>
+        <p:blipFill>
+          <a:blip r:embed="rId3"/>
+          <a:stretch>
+            <a:fillRect/>
+          </a:stretch>
+        </p:blipFill>
+        <p:spPr>
+          <a:xfrm>
+            <a:off x="1953262" y="2984875"/>
+            <a:ext cx="7681626" cy="2911092"/>
+          </a:xfrm>
+          <a:prstGeom prst="rect">
+            <a:avLst/>
+          </a:prstGeom>
+        </p:spPr>
+      </p:pic>
+      <p:sp>
+        <p:nvSpPr>
+          <p:cNvPr id="10" name="文本框 9"/>
+          <p:cNvSpPr txBox="1"/>
+          <p:nvPr/>
+        </p:nvSpPr>
+        <p:spPr>
+          <a:xfrm>
+            <a:off x="4666890" y="5976948"/>
+            <a:ext cx="2298321" cy="369332"/>
+          </a:xfrm>
+          <a:prstGeom prst="rect">
+            <a:avLst/>
+          </a:prstGeom>
+          <a:noFill/>
+        </p:spPr>
+        <p:txBody>
+          <a:bodyPr wrap="none" rtlCol="0">
+            <a:spAutoFit/>
+          </a:bodyPr>
+          <a:lstStyle/>
+          <a:p>
+            <a:r>
+              <a:rPr lang="en-US" altLang="zh-CN" dirty="0" err="1">
+                <a:solidFill>
+                  <a:schemeClr val="bg1"/>
+                </a:solidFill>
+              </a:rPr>
+              <a:t>LoginServlet</a:t>
+            </a:r>
+            <a:r>
+              <a:rPr lang="zh-CN" altLang="en-US" dirty="0">
+                <a:solidFill>
+                  <a:schemeClr val="bg1"/>
+                </a:solidFill>
+              </a:rPr>
+              <a:t>的</a:t>
+            </a:r>
+            <a:r>
+              <a:rPr lang="en-US" altLang="zh-CN" dirty="0" err="1">
+                <a:solidFill>
+                  <a:schemeClr val="bg1"/>
+                </a:solidFill>
+              </a:rPr>
+              <a:t>doPost</a:t>
+            </a:r>
+            <a:endParaRPr lang="zh-CN" altLang="en-US" dirty="0">
+              <a:solidFill>
+                <a:schemeClr val="bg1"/>
+              </a:solidFill>
+            </a:endParaRPr>
+          </a:p>
+        </p:txBody>
+      </p:sp>
+      <p:grpSp>
+        <p:nvGrpSpPr>
+          <p:cNvPr id="7" name="组合 6">
+            <a:extLst>
+              <a:ext uri="{FF2B5EF4-FFF2-40B4-BE49-F238E27FC236}">
+                <a16:creationId xmlns:a16="http://schemas.microsoft.com/office/drawing/2014/main" id="{74652A3D-0BB7-4315-8AD7-D8D44EE15FDC}"/>
+              </a:ext>
+            </a:extLst>
+          </p:cNvPr>
+          <p:cNvGrpSpPr/>
+          <p:nvPr/>
+        </p:nvGrpSpPr>
+        <p:grpSpPr>
+          <a:xfrm>
+            <a:off x="11063181" y="0"/>
+            <a:ext cx="1128819" cy="1057472"/>
+            <a:chOff x="11063181" y="0"/>
+            <a:chExt cx="1128819" cy="1057472"/>
+          </a:xfrm>
+        </p:grpSpPr>
+        <p:sp>
+          <p:nvSpPr>
+            <p:cNvPr id="8" name="矩形 7">
+              <a:extLst>
+                <a:ext uri="{FF2B5EF4-FFF2-40B4-BE49-F238E27FC236}">
+                  <a16:creationId xmlns:a16="http://schemas.microsoft.com/office/drawing/2014/main" id="{0B20F687-F8D3-4CCC-A7DE-78CB06EEB64D}"/>
+                </a:ext>
+              </a:extLst>
+            </p:cNvPr>
+            <p:cNvSpPr/>
+            <p:nvPr/>
+          </p:nvSpPr>
+          <p:spPr>
+            <a:xfrm>
+              <a:off x="11381387" y="246204"/>
+              <a:ext cx="492407" cy="492407"/>
+            </a:xfrm>
+            <a:prstGeom prst="rect">
+              <a:avLst/>
+            </a:prstGeom>
+            <a:noFill/>
+            <a:ln w="38100">
+              <a:solidFill>
+                <a:srgbClr val="DA2B89"/>
+              </a:solidFill>
+            </a:ln>
+          </p:spPr>
+          <p:style>
+            <a:lnRef idx="2">
+              <a:schemeClr val="accent1">
+                <a:shade val="50000"/>
+              </a:schemeClr>
+            </a:lnRef>
+            <a:fillRef idx="1">
+              <a:schemeClr val="accent1"/>
+            </a:fillRef>
+            <a:effectRef idx="0">
+              <a:schemeClr val="accent1"/>
+            </a:effectRef>
+            <a:fontRef idx="minor">
+              <a:schemeClr val="lt1"/>
+            </a:fontRef>
+          </p:style>
+          <p:txBody>
+            <a:bodyPr rtlCol="0" anchor="ctr"/>
+            <a:lstStyle/>
+            <a:p>
+              <a:pPr algn="ctr"/>
+              <a:endParaRPr lang="zh-CN" altLang="en-US"/>
+            </a:p>
+          </p:txBody>
+        </p:sp>
+        <p:sp>
+          <p:nvSpPr>
+            <p:cNvPr id="9" name="矩形 8">
+              <a:extLst>
+                <a:ext uri="{FF2B5EF4-FFF2-40B4-BE49-F238E27FC236}">
+                  <a16:creationId xmlns:a16="http://schemas.microsoft.com/office/drawing/2014/main" id="{292FB4CD-083E-4770-A58A-46C9E0E237E8}"/>
+                </a:ext>
+              </a:extLst>
+            </p:cNvPr>
+            <p:cNvSpPr/>
+            <p:nvPr/>
+          </p:nvSpPr>
+          <p:spPr>
+            <a:xfrm>
+              <a:off x="11699593" y="0"/>
+              <a:ext cx="492407" cy="492407"/>
+            </a:xfrm>
+            <a:prstGeom prst="rect">
+              <a:avLst/>
+            </a:prstGeom>
+            <a:noFill/>
+            <a:ln w="38100">
+              <a:solidFill>
+                <a:schemeClr val="tx2">
+                  <a:lumMod val="60000"/>
+                  <a:lumOff val="40000"/>
+                </a:schemeClr>
+              </a:solidFill>
+            </a:ln>
+          </p:spPr>
+          <p:style>
+            <a:lnRef idx="2">
+              <a:schemeClr val="accent1">
+                <a:shade val="50000"/>
+              </a:schemeClr>
+            </a:lnRef>
+            <a:fillRef idx="1">
+              <a:schemeClr val="accent1"/>
+            </a:fillRef>
+            <a:effectRef idx="0">
+              <a:schemeClr val="accent1"/>
+            </a:effectRef>
+            <a:fontRef idx="minor">
+              <a:schemeClr val="lt1"/>
+            </a:fontRef>
+          </p:style>
+          <p:txBody>
+            <a:bodyPr rtlCol="0" anchor="ctr"/>
+            <a:lstStyle/>
+            <a:p>
+              <a:pPr algn="ctr"/>
+              <a:endParaRPr lang="zh-CN" altLang="en-US"/>
+            </a:p>
+          </p:txBody>
+        </p:sp>
+        <p:sp>
+          <p:nvSpPr>
+            <p:cNvPr id="11" name="矩形 10">
+              <a:extLst>
+                <a:ext uri="{FF2B5EF4-FFF2-40B4-BE49-F238E27FC236}">
+                  <a16:creationId xmlns:a16="http://schemas.microsoft.com/office/drawing/2014/main" id="{2850BD3F-E6A4-4397-8326-0FB338936331}"/>
+                </a:ext>
+              </a:extLst>
+            </p:cNvPr>
+            <p:cNvSpPr/>
+            <p:nvPr/>
+          </p:nvSpPr>
+          <p:spPr>
+            <a:xfrm>
+              <a:off x="11063181" y="565065"/>
+              <a:ext cx="492407" cy="492407"/>
+            </a:xfrm>
+            <a:prstGeom prst="rect">
+              <a:avLst/>
+            </a:prstGeom>
+            <a:noFill/>
+            <a:ln w="38100">
+              <a:solidFill>
+                <a:schemeClr val="accent6"/>
+              </a:solidFill>
+            </a:ln>
+          </p:spPr>
+          <p:style>
+            <a:lnRef idx="2">
+              <a:schemeClr val="accent1">
+                <a:shade val="50000"/>
+              </a:schemeClr>
+            </a:lnRef>
+            <a:fillRef idx="1">
+              <a:schemeClr val="accent1"/>
+            </a:fillRef>
+            <a:effectRef idx="0">
+              <a:schemeClr val="accent1"/>
+            </a:effectRef>
+            <a:fontRef idx="minor">
+              <a:schemeClr val="lt1"/>
+            </a:fontRef>
+          </p:style>
+          <p:txBody>
+            <a:bodyPr rtlCol="0" anchor="ctr"/>
+            <a:lstStyle/>
+            <a:p>
+              <a:pPr algn="ctr"/>
+              <a:endParaRPr lang="zh-CN" altLang="en-US"/>
+            </a:p>
+          </p:txBody>
+        </p:sp>
+      </p:grpSp>
+    </p:spTree>
+    <p:extLst>
+      <p:ext uri="{BB962C8B-B14F-4D97-AF65-F5344CB8AC3E}">
+        <p14:creationId xmlns:p14="http://schemas.microsoft.com/office/powerpoint/2010/main" val="1185121647"/>
+      </p:ext>
+    </p:extLst>
+  </p:cSld>
+  <p:clrMapOvr>
+    <a:masterClrMapping/>
+  </p:clrMapOvr>
+  <p:transition spd="slow">
+    <p:wipe/>
+  </p:transition>
+</p:sld>
+</file>
+
+<file path=ppt/slides/slide15.xml><?xml version="1.0" encoding="utf-8"?>
+<p:sld xmlns:a="http://schemas.openxmlformats.org/drawingml/2006/main" xmlns:r="http://schemas.openxmlformats.org/officeDocument/2006/relationships" xmlns:p="http://schemas.openxmlformats.org/presentationml/2006/main">
+  <p:cSld>
+    <p:spTree>
+      <p:nvGrpSpPr>
+        <p:cNvPr id="1" name=""/>
+        <p:cNvGrpSpPr/>
+        <p:nvPr/>
+      </p:nvGrpSpPr>
+      <p:grpSpPr>
+        <a:xfrm>
+          <a:off x="0" y="0"/>
+          <a:ext cx="0" cy="0"/>
+          <a:chOff x="0" y="0"/>
+          <a:chExt cx="0" cy="0"/>
+        </a:xfrm>
+      </p:grpSpPr>
+      <p:sp>
+        <p:nvSpPr>
+          <p:cNvPr id="3" name="文本框 2"/>
+          <p:cNvSpPr txBox="1"/>
+          <p:nvPr/>
+        </p:nvSpPr>
+        <p:spPr>
+          <a:xfrm>
+            <a:off x="741871" y="543465"/>
+            <a:ext cx="1589025" cy="523220"/>
+          </a:xfrm>
+          <a:prstGeom prst="rect">
+            <a:avLst/>
+          </a:prstGeom>
+          <a:noFill/>
+        </p:spPr>
+        <p:txBody>
+          <a:bodyPr wrap="none" rtlCol="0">
+            <a:spAutoFit/>
+          </a:bodyPr>
+          <a:lstStyle/>
+          <a:p>
+            <a:r>
+              <a:rPr lang="en-US" altLang="zh-CN" sz="2800" dirty="0">
+                <a:solidFill>
+                  <a:schemeClr val="bg1"/>
+                </a:solidFill>
+              </a:rPr>
+              <a:t>Service</a:t>
+            </a:r>
+            <a:r>
+              <a:rPr lang="zh-CN" altLang="en-US" sz="2800" dirty="0">
+                <a:solidFill>
+                  <a:schemeClr val="bg1"/>
+                </a:solidFill>
+              </a:rPr>
+              <a:t>层</a:t>
+            </a:r>
+          </a:p>
+        </p:txBody>
+      </p:sp>
+      <p:sp>
+        <p:nvSpPr>
+          <p:cNvPr id="10" name="文本框 9"/>
+          <p:cNvSpPr txBox="1"/>
+          <p:nvPr/>
+        </p:nvSpPr>
+        <p:spPr>
+          <a:xfrm>
+            <a:off x="4451230" y="5321340"/>
+            <a:ext cx="2515945" cy="369332"/>
+          </a:xfrm>
+          <a:prstGeom prst="rect">
+            <a:avLst/>
+          </a:prstGeom>
+          <a:noFill/>
+        </p:spPr>
+        <p:txBody>
+          <a:bodyPr wrap="none" rtlCol="0">
+            <a:spAutoFit/>
+          </a:bodyPr>
+          <a:lstStyle/>
+          <a:p>
+            <a:r>
+              <a:rPr lang="en-US" altLang="zh-CN" dirty="0" err="1">
+                <a:solidFill>
+                  <a:schemeClr val="bg1"/>
+                </a:solidFill>
+              </a:rPr>
+              <a:t>LoginService</a:t>
+            </a:r>
+            <a:r>
+              <a:rPr lang="zh-CN" altLang="en-US" dirty="0">
+                <a:solidFill>
+                  <a:schemeClr val="bg1"/>
+                </a:solidFill>
+              </a:rPr>
+              <a:t>的业务逻辑</a:t>
+            </a:r>
+          </a:p>
+        </p:txBody>
+      </p:sp>
+      <p:pic>
+        <p:nvPicPr>
+          <p:cNvPr id="5" name="图片 4"/>
+          <p:cNvPicPr>
+            <a:picLocks noChangeAspect="1"/>
+          </p:cNvPicPr>
+          <p:nvPr/>
+        </p:nvPicPr>
+        <p:blipFill>
+          <a:blip r:embed="rId2"/>
+          <a:stretch>
+            <a:fillRect/>
+          </a:stretch>
+        </p:blipFill>
+        <p:spPr>
+          <a:xfrm>
+            <a:off x="2634424" y="932055"/>
+            <a:ext cx="6363251" cy="3993226"/>
+          </a:xfrm>
+          <a:prstGeom prst="rect">
+            <a:avLst/>
+          </a:prstGeom>
+        </p:spPr>
+      </p:pic>
+      <p:grpSp>
+        <p:nvGrpSpPr>
+          <p:cNvPr id="6" name="组合 5">
+            <a:extLst>
+              <a:ext uri="{FF2B5EF4-FFF2-40B4-BE49-F238E27FC236}">
+                <a16:creationId xmlns:a16="http://schemas.microsoft.com/office/drawing/2014/main" id="{08411EF1-B22A-4B47-A88D-0C55CFE1C423}"/>
+              </a:ext>
+            </a:extLst>
+          </p:cNvPr>
+          <p:cNvGrpSpPr/>
+          <p:nvPr/>
+        </p:nvGrpSpPr>
+        <p:grpSpPr>
+          <a:xfrm>
+            <a:off x="11063181" y="0"/>
+            <a:ext cx="1128819" cy="1057472"/>
+            <a:chOff x="11063181" y="0"/>
+            <a:chExt cx="1128819" cy="1057472"/>
+          </a:xfrm>
+        </p:grpSpPr>
+        <p:sp>
+          <p:nvSpPr>
+            <p:cNvPr id="7" name="矩形 6">
+              <a:extLst>
+                <a:ext uri="{FF2B5EF4-FFF2-40B4-BE49-F238E27FC236}">
+                  <a16:creationId xmlns:a16="http://schemas.microsoft.com/office/drawing/2014/main" id="{17181156-765E-47CE-9B8E-7F744E4D1606}"/>
+                </a:ext>
+              </a:extLst>
+            </p:cNvPr>
+            <p:cNvSpPr/>
+            <p:nvPr/>
+          </p:nvSpPr>
+          <p:spPr>
+            <a:xfrm>
+              <a:off x="11381387" y="246204"/>
+              <a:ext cx="492407" cy="492407"/>
+            </a:xfrm>
+            <a:prstGeom prst="rect">
+              <a:avLst/>
+            </a:prstGeom>
+            <a:noFill/>
+            <a:ln w="38100">
+              <a:solidFill>
+                <a:srgbClr val="DA2B89"/>
+              </a:solidFill>
+            </a:ln>
+          </p:spPr>
+          <p:style>
+            <a:lnRef idx="2">
+              <a:schemeClr val="accent1">
+                <a:shade val="50000"/>
+              </a:schemeClr>
+            </a:lnRef>
+            <a:fillRef idx="1">
+              <a:schemeClr val="accent1"/>
+            </a:fillRef>
+            <a:effectRef idx="0">
+              <a:schemeClr val="accent1"/>
+            </a:effectRef>
+            <a:fontRef idx="minor">
+              <a:schemeClr val="lt1"/>
+            </a:fontRef>
+          </p:style>
+          <p:txBody>
+            <a:bodyPr rtlCol="0" anchor="ctr"/>
+            <a:lstStyle/>
+            <a:p>
+              <a:pPr algn="ctr"/>
+              <a:endParaRPr lang="zh-CN" altLang="en-US"/>
+            </a:p>
+          </p:txBody>
+        </p:sp>
+        <p:sp>
+          <p:nvSpPr>
+            <p:cNvPr id="8" name="矩形 7">
+              <a:extLst>
+                <a:ext uri="{FF2B5EF4-FFF2-40B4-BE49-F238E27FC236}">
+                  <a16:creationId xmlns:a16="http://schemas.microsoft.com/office/drawing/2014/main" id="{DD3207FA-281B-45B7-B3A3-1DA326BD45FD}"/>
+                </a:ext>
+              </a:extLst>
+            </p:cNvPr>
+            <p:cNvSpPr/>
+            <p:nvPr/>
+          </p:nvSpPr>
+          <p:spPr>
+            <a:xfrm>
+              <a:off x="11699593" y="0"/>
+              <a:ext cx="492407" cy="492407"/>
+            </a:xfrm>
+            <a:prstGeom prst="rect">
+              <a:avLst/>
+            </a:prstGeom>
+            <a:noFill/>
+            <a:ln w="38100">
+              <a:solidFill>
+                <a:schemeClr val="tx2">
+                  <a:lumMod val="60000"/>
+                  <a:lumOff val="40000"/>
+                </a:schemeClr>
+              </a:solidFill>
+            </a:ln>
+          </p:spPr>
+          <p:style>
+            <a:lnRef idx="2">
+              <a:schemeClr val="accent1">
+                <a:shade val="50000"/>
+              </a:schemeClr>
+            </a:lnRef>
+            <a:fillRef idx="1">
+              <a:schemeClr val="accent1"/>
+            </a:fillRef>
+            <a:effectRef idx="0">
+              <a:schemeClr val="accent1"/>
+            </a:effectRef>
+            <a:fontRef idx="minor">
+              <a:schemeClr val="lt1"/>
+            </a:fontRef>
+          </p:style>
+          <p:txBody>
+            <a:bodyPr rtlCol="0" anchor="ctr"/>
+            <a:lstStyle/>
+            <a:p>
+              <a:pPr algn="ctr"/>
+              <a:endParaRPr lang="zh-CN" altLang="en-US"/>
+            </a:p>
+          </p:txBody>
+        </p:sp>
+        <p:sp>
+          <p:nvSpPr>
+            <p:cNvPr id="9" name="矩形 8">
+              <a:extLst>
+                <a:ext uri="{FF2B5EF4-FFF2-40B4-BE49-F238E27FC236}">
+                  <a16:creationId xmlns:a16="http://schemas.microsoft.com/office/drawing/2014/main" id="{8C95EC1D-9A32-4EC4-BCB1-BAA946C2E5CE}"/>
+                </a:ext>
+              </a:extLst>
+            </p:cNvPr>
+            <p:cNvSpPr/>
+            <p:nvPr/>
+          </p:nvSpPr>
+          <p:spPr>
+            <a:xfrm>
+              <a:off x="11063181" y="565065"/>
+              <a:ext cx="492407" cy="492407"/>
+            </a:xfrm>
+            <a:prstGeom prst="rect">
+              <a:avLst/>
+            </a:prstGeom>
+            <a:noFill/>
+            <a:ln w="38100">
+              <a:solidFill>
+                <a:schemeClr val="accent6"/>
+              </a:solidFill>
+            </a:ln>
+          </p:spPr>
+          <p:style>
+            <a:lnRef idx="2">
+              <a:schemeClr val="accent1">
+                <a:shade val="50000"/>
+              </a:schemeClr>
+            </a:lnRef>
+            <a:fillRef idx="1">
+              <a:schemeClr val="accent1"/>
+            </a:fillRef>
+            <a:effectRef idx="0">
+              <a:schemeClr val="accent1"/>
+            </a:effectRef>
+            <a:fontRef idx="minor">
+              <a:schemeClr val="lt1"/>
+            </a:fontRef>
+          </p:style>
+          <p:txBody>
+            <a:bodyPr rtlCol="0" anchor="ctr"/>
+            <a:lstStyle/>
+            <a:p>
+              <a:pPr algn="ctr"/>
+              <a:endParaRPr lang="zh-CN" altLang="en-US"/>
+            </a:p>
+          </p:txBody>
+        </p:sp>
+      </p:grpSp>
+    </p:spTree>
+    <p:extLst>
+      <p:ext uri="{BB962C8B-B14F-4D97-AF65-F5344CB8AC3E}">
+        <p14:creationId xmlns:p14="http://schemas.microsoft.com/office/powerpoint/2010/main" val="1657075441"/>
+      </p:ext>
+    </p:extLst>
+  </p:cSld>
+  <p:clrMapOvr>
+    <a:masterClrMapping/>
+  </p:clrMapOvr>
+  <p:transition spd="slow">
+    <p:wipe/>
+  </p:transition>
+</p:sld>
+</file>
+
+<file path=ppt/slides/slide16.xml><?xml version="1.0" encoding="utf-8"?>
+<p:sld xmlns:a="http://schemas.openxmlformats.org/drawingml/2006/main" xmlns:r="http://schemas.openxmlformats.org/officeDocument/2006/relationships" xmlns:p="http://schemas.openxmlformats.org/presentationml/2006/main">
+  <p:cSld>
+    <p:spTree>
+      <p:nvGrpSpPr>
+        <p:cNvPr id="1" name=""/>
+        <p:cNvGrpSpPr/>
+        <p:nvPr/>
+      </p:nvGrpSpPr>
+      <p:grpSpPr>
+        <a:xfrm>
+          <a:off x="0" y="0"/>
+          <a:ext cx="0" cy="0"/>
+          <a:chOff x="0" y="0"/>
+          <a:chExt cx="0" cy="0"/>
+        </a:xfrm>
+      </p:grpSpPr>
+      <p:sp>
+        <p:nvSpPr>
+          <p:cNvPr id="3" name="文本框 2"/>
+          <p:cNvSpPr txBox="1"/>
+          <p:nvPr/>
+        </p:nvSpPr>
+        <p:spPr>
+          <a:xfrm>
+            <a:off x="741871" y="543465"/>
+            <a:ext cx="1201291" cy="523220"/>
+          </a:xfrm>
+          <a:prstGeom prst="rect">
+            <a:avLst/>
+          </a:prstGeom>
+          <a:noFill/>
+        </p:spPr>
+        <p:txBody>
+          <a:bodyPr wrap="none" rtlCol="0">
+            <a:spAutoFit/>
+          </a:bodyPr>
+          <a:lstStyle/>
+          <a:p>
+            <a:r>
+              <a:rPr lang="en-US" altLang="zh-CN" sz="2800" dirty="0">
+                <a:solidFill>
+                  <a:schemeClr val="bg1"/>
+                </a:solidFill>
+              </a:rPr>
+              <a:t>DAO</a:t>
+            </a:r>
+            <a:r>
+              <a:rPr lang="zh-CN" altLang="en-US" sz="2800" dirty="0">
+                <a:solidFill>
+                  <a:schemeClr val="bg1"/>
+                </a:solidFill>
+              </a:rPr>
+              <a:t>层</a:t>
+            </a:r>
+          </a:p>
+        </p:txBody>
+      </p:sp>
+      <p:sp>
+        <p:nvSpPr>
+          <p:cNvPr id="10" name="文本框 9"/>
+          <p:cNvSpPr txBox="1"/>
+          <p:nvPr/>
+        </p:nvSpPr>
+        <p:spPr>
+          <a:xfrm>
+            <a:off x="4313207" y="4475951"/>
+            <a:ext cx="2526654" cy="369332"/>
+          </a:xfrm>
+          <a:prstGeom prst="rect">
+            <a:avLst/>
+          </a:prstGeom>
+          <a:noFill/>
+        </p:spPr>
+        <p:txBody>
+          <a:bodyPr wrap="none" rtlCol="0">
+            <a:spAutoFit/>
+          </a:bodyPr>
+          <a:lstStyle/>
+          <a:p>
+            <a:r>
+              <a:rPr lang="en-US" altLang="zh-CN" dirty="0">
+                <a:solidFill>
+                  <a:schemeClr val="bg1"/>
+                </a:solidFill>
+              </a:rPr>
+              <a:t>Dao</a:t>
+            </a:r>
+            <a:r>
+              <a:rPr lang="zh-CN" altLang="en-US" dirty="0">
+                <a:solidFill>
+                  <a:schemeClr val="bg1"/>
+                </a:solidFill>
+              </a:rPr>
+              <a:t>的访问</a:t>
+            </a:r>
+            <a:r>
+              <a:rPr lang="en-US" altLang="zh-CN" dirty="0" err="1">
+                <a:solidFill>
+                  <a:schemeClr val="bg1"/>
+                </a:solidFill>
+              </a:rPr>
+              <a:t>MySql</a:t>
+            </a:r>
+            <a:r>
+              <a:rPr lang="zh-CN" altLang="en-US" dirty="0">
+                <a:solidFill>
+                  <a:schemeClr val="bg1"/>
+                </a:solidFill>
+              </a:rPr>
+              <a:t>的封装</a:t>
+            </a:r>
+          </a:p>
+        </p:txBody>
+      </p:sp>
+      <p:pic>
+        <p:nvPicPr>
+          <p:cNvPr id="2" name="图片 1"/>
+          <p:cNvPicPr>
+            <a:picLocks noChangeAspect="1"/>
+          </p:cNvPicPr>
+          <p:nvPr/>
+        </p:nvPicPr>
+        <p:blipFill>
+          <a:blip r:embed="rId2"/>
+          <a:stretch>
+            <a:fillRect/>
+          </a:stretch>
+        </p:blipFill>
+        <p:spPr>
+          <a:xfrm>
+            <a:off x="2118284" y="2658036"/>
+            <a:ext cx="7285351" cy="1127858"/>
+          </a:xfrm>
+          <a:prstGeom prst="rect">
+            <a:avLst/>
+          </a:prstGeom>
+        </p:spPr>
+      </p:pic>
+      <p:grpSp>
+        <p:nvGrpSpPr>
+          <p:cNvPr id="5" name="组合 4">
+            <a:extLst>
+              <a:ext uri="{FF2B5EF4-FFF2-40B4-BE49-F238E27FC236}">
+                <a16:creationId xmlns:a16="http://schemas.microsoft.com/office/drawing/2014/main" id="{B7A9E425-2E2E-4878-B248-46884D71E3F0}"/>
+              </a:ext>
+            </a:extLst>
+          </p:cNvPr>
+          <p:cNvGrpSpPr/>
+          <p:nvPr/>
+        </p:nvGrpSpPr>
+        <p:grpSpPr>
+          <a:xfrm>
+            <a:off x="11063181" y="0"/>
+            <a:ext cx="1128819" cy="1057472"/>
+            <a:chOff x="11063181" y="0"/>
+            <a:chExt cx="1128819" cy="1057472"/>
+          </a:xfrm>
+        </p:grpSpPr>
+        <p:sp>
+          <p:nvSpPr>
+            <p:cNvPr id="6" name="矩形 5">
+              <a:extLst>
+                <a:ext uri="{FF2B5EF4-FFF2-40B4-BE49-F238E27FC236}">
+                  <a16:creationId xmlns:a16="http://schemas.microsoft.com/office/drawing/2014/main" id="{859B53C5-283D-4BA9-B1C8-0C2CF25F9C88}"/>
+                </a:ext>
+              </a:extLst>
+            </p:cNvPr>
+            <p:cNvSpPr/>
+            <p:nvPr/>
+          </p:nvSpPr>
+          <p:spPr>
+            <a:xfrm>
+              <a:off x="11381387" y="246204"/>
+              <a:ext cx="492407" cy="492407"/>
+            </a:xfrm>
+            <a:prstGeom prst="rect">
+              <a:avLst/>
+            </a:prstGeom>
+            <a:noFill/>
+            <a:ln w="38100">
+              <a:solidFill>
+                <a:srgbClr val="DA2B89"/>
+              </a:solidFill>
+            </a:ln>
+          </p:spPr>
+          <p:style>
+            <a:lnRef idx="2">
+              <a:schemeClr val="accent1">
+                <a:shade val="50000"/>
+              </a:schemeClr>
+            </a:lnRef>
+            <a:fillRef idx="1">
+              <a:schemeClr val="accent1"/>
+            </a:fillRef>
+            <a:effectRef idx="0">
+              <a:schemeClr val="accent1"/>
+            </a:effectRef>
+            <a:fontRef idx="minor">
+              <a:schemeClr val="lt1"/>
+            </a:fontRef>
+          </p:style>
+          <p:txBody>
+            <a:bodyPr rtlCol="0" anchor="ctr"/>
+            <a:lstStyle/>
+            <a:p>
+              <a:pPr algn="ctr"/>
+              <a:endParaRPr lang="zh-CN" altLang="en-US"/>
+            </a:p>
+          </p:txBody>
+        </p:sp>
+        <p:sp>
+          <p:nvSpPr>
+            <p:cNvPr id="7" name="矩形 6">
+              <a:extLst>
+                <a:ext uri="{FF2B5EF4-FFF2-40B4-BE49-F238E27FC236}">
+                  <a16:creationId xmlns:a16="http://schemas.microsoft.com/office/drawing/2014/main" id="{C2B0333F-754E-4557-A4B8-1207B1677B25}"/>
+                </a:ext>
+              </a:extLst>
+            </p:cNvPr>
+            <p:cNvSpPr/>
+            <p:nvPr/>
+          </p:nvSpPr>
+          <p:spPr>
+            <a:xfrm>
+              <a:off x="11699593" y="0"/>
+              <a:ext cx="492407" cy="492407"/>
+            </a:xfrm>
+            <a:prstGeom prst="rect">
+              <a:avLst/>
+            </a:prstGeom>
+            <a:noFill/>
+            <a:ln w="38100">
+              <a:solidFill>
+                <a:schemeClr val="tx2">
+                  <a:lumMod val="60000"/>
+                  <a:lumOff val="40000"/>
+                </a:schemeClr>
+              </a:solidFill>
+            </a:ln>
+          </p:spPr>
+          <p:style>
+            <a:lnRef idx="2">
+              <a:schemeClr val="accent1">
+                <a:shade val="50000"/>
+              </a:schemeClr>
+            </a:lnRef>
+            <a:fillRef idx="1">
+              <a:schemeClr val="accent1"/>
+            </a:fillRef>
+            <a:effectRef idx="0">
+              <a:schemeClr val="accent1"/>
+            </a:effectRef>
+            <a:fontRef idx="minor">
+              <a:schemeClr val="lt1"/>
+            </a:fontRef>
+          </p:style>
+          <p:txBody>
+            <a:bodyPr rtlCol="0" anchor="ctr"/>
+            <a:lstStyle/>
+            <a:p>
+              <a:pPr algn="ctr"/>
+              <a:endParaRPr lang="zh-CN" altLang="en-US"/>
+            </a:p>
+          </p:txBody>
+        </p:sp>
+        <p:sp>
+          <p:nvSpPr>
+            <p:cNvPr id="8" name="矩形 7">
+              <a:extLst>
+                <a:ext uri="{FF2B5EF4-FFF2-40B4-BE49-F238E27FC236}">
+                  <a16:creationId xmlns:a16="http://schemas.microsoft.com/office/drawing/2014/main" id="{FB2E26A8-F799-4BC6-A956-56801ADCCF81}"/>
+                </a:ext>
+              </a:extLst>
+            </p:cNvPr>
+            <p:cNvSpPr/>
+            <p:nvPr/>
+          </p:nvSpPr>
+          <p:spPr>
+            <a:xfrm>
+              <a:off x="11063181" y="565065"/>
+              <a:ext cx="492407" cy="492407"/>
+            </a:xfrm>
+            <a:prstGeom prst="rect">
+              <a:avLst/>
+            </a:prstGeom>
+            <a:noFill/>
+            <a:ln w="38100">
+              <a:solidFill>
+                <a:schemeClr val="accent6"/>
+              </a:solidFill>
+            </a:ln>
+          </p:spPr>
+          <p:style>
+            <a:lnRef idx="2">
+              <a:schemeClr val="accent1">
+                <a:shade val="50000"/>
+              </a:schemeClr>
+            </a:lnRef>
+            <a:fillRef idx="1">
+              <a:schemeClr val="accent1"/>
+            </a:fillRef>
+            <a:effectRef idx="0">
+              <a:schemeClr val="accent1"/>
+            </a:effectRef>
+            <a:fontRef idx="minor">
+              <a:schemeClr val="lt1"/>
+            </a:fontRef>
+          </p:style>
+          <p:txBody>
+            <a:bodyPr rtlCol="0" anchor="ctr"/>
+            <a:lstStyle/>
+            <a:p>
+              <a:pPr algn="ctr"/>
+              <a:endParaRPr lang="zh-CN" altLang="en-US"/>
+            </a:p>
+          </p:txBody>
+        </p:sp>
+      </p:grpSp>
+    </p:spTree>
+    <p:extLst>
+      <p:ext uri="{BB962C8B-B14F-4D97-AF65-F5344CB8AC3E}">
+        <p14:creationId xmlns:p14="http://schemas.microsoft.com/office/powerpoint/2010/main" val="2505934373"/>
+      </p:ext>
+    </p:extLst>
+  </p:cSld>
+  <p:clrMapOvr>
+    <a:masterClrMapping/>
+  </p:clrMapOvr>
+  <p:transition spd="slow">
+    <p:wipe/>
+  </p:transition>
+</p:sld>
+</file>
+
+<file path=ppt/slides/slide17.xml><?xml version="1.0" encoding="utf-8"?>
 <p:sld xmlns:a="http://schemas.openxmlformats.org/drawingml/2006/main" xmlns:r="http://schemas.openxmlformats.org/officeDocument/2006/relationships" xmlns:p="http://schemas.openxmlformats.org/presentationml/2006/main">
   <p:cSld>
     <p:spTree>
@@ -5448,7 +7902,7 @@
     </p:spTree>
     <p:extLst>
       <p:ext uri="{BB962C8B-B14F-4D97-AF65-F5344CB8AC3E}">
-        <p14:creationId xmlns:p14="http://schemas.microsoft.com/office/powerpoint/2010/main" val="2428456380"/>
+        <p14:creationId xmlns:p14="http://schemas.microsoft.com/office/powerpoint/2010/main" val="1308248873"/>
       </p:ext>
     </p:extLst>
   </p:cSld>
@@ -5461,7 +7915,2026 @@
 </p:sld>
 </file>
 
-<file path=ppt/slides/slide12.xml><?xml version="1.0" encoding="utf-8"?>
+<file path=ppt/slides/slide18.xml><?xml version="1.0" encoding="utf-8"?>
+<p:sld xmlns:a="http://schemas.openxmlformats.org/drawingml/2006/main" xmlns:r="http://schemas.openxmlformats.org/officeDocument/2006/relationships" xmlns:p="http://schemas.openxmlformats.org/presentationml/2006/main">
+  <p:cSld>
+    <p:spTree>
+      <p:nvGrpSpPr>
+        <p:cNvPr id="1" name=""/>
+        <p:cNvGrpSpPr/>
+        <p:nvPr/>
+      </p:nvGrpSpPr>
+      <p:grpSpPr>
+        <a:xfrm>
+          <a:off x="0" y="0"/>
+          <a:ext cx="0" cy="0"/>
+          <a:chOff x="0" y="0"/>
+          <a:chExt cx="0" cy="0"/>
+        </a:xfrm>
+      </p:grpSpPr>
+      <p:pic>
+        <p:nvPicPr>
+          <p:cNvPr id="2" name="图片 1"/>
+          <p:cNvPicPr>
+            <a:picLocks noChangeAspect="1"/>
+          </p:cNvPicPr>
+          <p:nvPr/>
+        </p:nvPicPr>
+        <p:blipFill>
+          <a:blip r:embed="rId2"/>
+          <a:stretch>
+            <a:fillRect/>
+          </a:stretch>
+        </p:blipFill>
+        <p:spPr>
+          <a:xfrm>
+            <a:off x="2830431" y="1472560"/>
+            <a:ext cx="5875529" cy="4275190"/>
+          </a:xfrm>
+          <a:prstGeom prst="rect">
+            <a:avLst/>
+          </a:prstGeom>
+        </p:spPr>
+      </p:pic>
+      <p:sp>
+        <p:nvSpPr>
+          <p:cNvPr id="18" name="文本框 17"/>
+          <p:cNvSpPr txBox="1"/>
+          <p:nvPr/>
+        </p:nvSpPr>
+        <p:spPr>
+          <a:xfrm>
+            <a:off x="741871" y="543465"/>
+            <a:ext cx="2400016" cy="523220"/>
+          </a:xfrm>
+          <a:prstGeom prst="rect">
+            <a:avLst/>
+          </a:prstGeom>
+          <a:noFill/>
+        </p:spPr>
+        <p:txBody>
+          <a:bodyPr wrap="none" rtlCol="0">
+            <a:spAutoFit/>
+          </a:bodyPr>
+          <a:lstStyle/>
+          <a:p>
+            <a:r>
+              <a:rPr lang="en-US" altLang="zh-CN" sz="2800" dirty="0">
+                <a:solidFill>
+                  <a:schemeClr val="bg1"/>
+                </a:solidFill>
+              </a:rPr>
+              <a:t>Login</a:t>
+            </a:r>
+            <a:r>
+              <a:rPr lang="zh-CN" altLang="en-US" sz="2800" dirty="0">
+                <a:solidFill>
+                  <a:schemeClr val="bg1"/>
+                </a:solidFill>
+              </a:rPr>
+              <a:t>页面展示</a:t>
+            </a:r>
+          </a:p>
+        </p:txBody>
+      </p:sp>
+      <p:grpSp>
+        <p:nvGrpSpPr>
+          <p:cNvPr id="4" name="组合 3">
+            <a:extLst>
+              <a:ext uri="{FF2B5EF4-FFF2-40B4-BE49-F238E27FC236}">
+                <a16:creationId xmlns:a16="http://schemas.microsoft.com/office/drawing/2014/main" id="{6385D73B-77D9-499F-A987-3232C4290A81}"/>
+              </a:ext>
+            </a:extLst>
+          </p:cNvPr>
+          <p:cNvGrpSpPr/>
+          <p:nvPr/>
+        </p:nvGrpSpPr>
+        <p:grpSpPr>
+          <a:xfrm>
+            <a:off x="11063181" y="0"/>
+            <a:ext cx="1128819" cy="1057472"/>
+            <a:chOff x="11063181" y="0"/>
+            <a:chExt cx="1128819" cy="1057472"/>
+          </a:xfrm>
+        </p:grpSpPr>
+        <p:sp>
+          <p:nvSpPr>
+            <p:cNvPr id="5" name="矩形 4">
+              <a:extLst>
+                <a:ext uri="{FF2B5EF4-FFF2-40B4-BE49-F238E27FC236}">
+                  <a16:creationId xmlns:a16="http://schemas.microsoft.com/office/drawing/2014/main" id="{E349EA06-DB76-47A4-ABCF-9075F8466F14}"/>
+                </a:ext>
+              </a:extLst>
+            </p:cNvPr>
+            <p:cNvSpPr/>
+            <p:nvPr/>
+          </p:nvSpPr>
+          <p:spPr>
+            <a:xfrm>
+              <a:off x="11381387" y="246204"/>
+              <a:ext cx="492407" cy="492407"/>
+            </a:xfrm>
+            <a:prstGeom prst="rect">
+              <a:avLst/>
+            </a:prstGeom>
+            <a:noFill/>
+            <a:ln w="38100">
+              <a:solidFill>
+                <a:srgbClr val="DA2B89"/>
+              </a:solidFill>
+            </a:ln>
+          </p:spPr>
+          <p:style>
+            <a:lnRef idx="2">
+              <a:schemeClr val="accent1">
+                <a:shade val="50000"/>
+              </a:schemeClr>
+            </a:lnRef>
+            <a:fillRef idx="1">
+              <a:schemeClr val="accent1"/>
+            </a:fillRef>
+            <a:effectRef idx="0">
+              <a:schemeClr val="accent1"/>
+            </a:effectRef>
+            <a:fontRef idx="minor">
+              <a:schemeClr val="lt1"/>
+            </a:fontRef>
+          </p:style>
+          <p:txBody>
+            <a:bodyPr rtlCol="0" anchor="ctr"/>
+            <a:lstStyle/>
+            <a:p>
+              <a:pPr algn="ctr"/>
+              <a:endParaRPr lang="zh-CN" altLang="en-US"/>
+            </a:p>
+          </p:txBody>
+        </p:sp>
+        <p:sp>
+          <p:nvSpPr>
+            <p:cNvPr id="6" name="矩形 5">
+              <a:extLst>
+                <a:ext uri="{FF2B5EF4-FFF2-40B4-BE49-F238E27FC236}">
+                  <a16:creationId xmlns:a16="http://schemas.microsoft.com/office/drawing/2014/main" id="{4A969DB7-D5CF-44ED-A91B-16EB83C00CFC}"/>
+                </a:ext>
+              </a:extLst>
+            </p:cNvPr>
+            <p:cNvSpPr/>
+            <p:nvPr/>
+          </p:nvSpPr>
+          <p:spPr>
+            <a:xfrm>
+              <a:off x="11699593" y="0"/>
+              <a:ext cx="492407" cy="492407"/>
+            </a:xfrm>
+            <a:prstGeom prst="rect">
+              <a:avLst/>
+            </a:prstGeom>
+            <a:noFill/>
+            <a:ln w="38100">
+              <a:solidFill>
+                <a:schemeClr val="tx2">
+                  <a:lumMod val="60000"/>
+                  <a:lumOff val="40000"/>
+                </a:schemeClr>
+              </a:solidFill>
+            </a:ln>
+          </p:spPr>
+          <p:style>
+            <a:lnRef idx="2">
+              <a:schemeClr val="accent1">
+                <a:shade val="50000"/>
+              </a:schemeClr>
+            </a:lnRef>
+            <a:fillRef idx="1">
+              <a:schemeClr val="accent1"/>
+            </a:fillRef>
+            <a:effectRef idx="0">
+              <a:schemeClr val="accent1"/>
+            </a:effectRef>
+            <a:fontRef idx="minor">
+              <a:schemeClr val="lt1"/>
+            </a:fontRef>
+          </p:style>
+          <p:txBody>
+            <a:bodyPr rtlCol="0" anchor="ctr"/>
+            <a:lstStyle/>
+            <a:p>
+              <a:pPr algn="ctr"/>
+              <a:endParaRPr lang="zh-CN" altLang="en-US"/>
+            </a:p>
+          </p:txBody>
+        </p:sp>
+        <p:sp>
+          <p:nvSpPr>
+            <p:cNvPr id="7" name="矩形 6">
+              <a:extLst>
+                <a:ext uri="{FF2B5EF4-FFF2-40B4-BE49-F238E27FC236}">
+                  <a16:creationId xmlns:a16="http://schemas.microsoft.com/office/drawing/2014/main" id="{2B7D4A3D-C861-4CCF-9FF8-EA2C44A0CB42}"/>
+                </a:ext>
+              </a:extLst>
+            </p:cNvPr>
+            <p:cNvSpPr/>
+            <p:nvPr/>
+          </p:nvSpPr>
+          <p:spPr>
+            <a:xfrm>
+              <a:off x="11063181" y="565065"/>
+              <a:ext cx="492407" cy="492407"/>
+            </a:xfrm>
+            <a:prstGeom prst="rect">
+              <a:avLst/>
+            </a:prstGeom>
+            <a:noFill/>
+            <a:ln w="38100">
+              <a:solidFill>
+                <a:schemeClr val="accent6"/>
+              </a:solidFill>
+            </a:ln>
+          </p:spPr>
+          <p:style>
+            <a:lnRef idx="2">
+              <a:schemeClr val="accent1">
+                <a:shade val="50000"/>
+              </a:schemeClr>
+            </a:lnRef>
+            <a:fillRef idx="1">
+              <a:schemeClr val="accent1"/>
+            </a:fillRef>
+            <a:effectRef idx="0">
+              <a:schemeClr val="accent1"/>
+            </a:effectRef>
+            <a:fontRef idx="minor">
+              <a:schemeClr val="lt1"/>
+            </a:fontRef>
+          </p:style>
+          <p:txBody>
+            <a:bodyPr rtlCol="0" anchor="ctr"/>
+            <a:lstStyle/>
+            <a:p>
+              <a:pPr algn="ctr"/>
+              <a:endParaRPr lang="zh-CN" altLang="en-US"/>
+            </a:p>
+          </p:txBody>
+        </p:sp>
+      </p:grpSp>
+    </p:spTree>
+    <p:extLst>
+      <p:ext uri="{BB962C8B-B14F-4D97-AF65-F5344CB8AC3E}">
+        <p14:creationId xmlns:p14="http://schemas.microsoft.com/office/powerpoint/2010/main" val="1986226153"/>
+      </p:ext>
+    </p:extLst>
+  </p:cSld>
+  <p:clrMapOvr>
+    <a:masterClrMapping/>
+  </p:clrMapOvr>
+  <p:transition spd="slow">
+    <p:wipe/>
+  </p:transition>
+</p:sld>
+</file>
+
+<file path=ppt/slides/slide19.xml><?xml version="1.0" encoding="utf-8"?>
+<p:sld xmlns:a="http://schemas.openxmlformats.org/drawingml/2006/main" xmlns:r="http://schemas.openxmlformats.org/officeDocument/2006/relationships" xmlns:p="http://schemas.openxmlformats.org/presentationml/2006/main">
+  <p:cSld>
+    <p:spTree>
+      <p:nvGrpSpPr>
+        <p:cNvPr id="1" name=""/>
+        <p:cNvGrpSpPr/>
+        <p:nvPr/>
+      </p:nvGrpSpPr>
+      <p:grpSpPr>
+        <a:xfrm>
+          <a:off x="0" y="0"/>
+          <a:ext cx="0" cy="0"/>
+          <a:chOff x="0" y="0"/>
+          <a:chExt cx="0" cy="0"/>
+        </a:xfrm>
+      </p:grpSpPr>
+      <p:grpSp>
+        <p:nvGrpSpPr>
+          <p:cNvPr id="4" name="组合 3">
+            <a:extLst>
+              <a:ext uri="{FF2B5EF4-FFF2-40B4-BE49-F238E27FC236}">
+                <a16:creationId xmlns:a16="http://schemas.microsoft.com/office/drawing/2014/main" id="{6385D73B-77D9-499F-A987-3232C4290A81}"/>
+              </a:ext>
+            </a:extLst>
+          </p:cNvPr>
+          <p:cNvGrpSpPr/>
+          <p:nvPr/>
+        </p:nvGrpSpPr>
+        <p:grpSpPr>
+          <a:xfrm>
+            <a:off x="11063181" y="0"/>
+            <a:ext cx="1128819" cy="1057472"/>
+            <a:chOff x="11063181" y="0"/>
+            <a:chExt cx="1128819" cy="1057472"/>
+          </a:xfrm>
+        </p:grpSpPr>
+        <p:sp>
+          <p:nvSpPr>
+            <p:cNvPr id="5" name="矩形 4">
+              <a:extLst>
+                <a:ext uri="{FF2B5EF4-FFF2-40B4-BE49-F238E27FC236}">
+                  <a16:creationId xmlns:a16="http://schemas.microsoft.com/office/drawing/2014/main" id="{E349EA06-DB76-47A4-ABCF-9075F8466F14}"/>
+                </a:ext>
+              </a:extLst>
+            </p:cNvPr>
+            <p:cNvSpPr/>
+            <p:nvPr/>
+          </p:nvSpPr>
+          <p:spPr>
+            <a:xfrm>
+              <a:off x="11381387" y="246204"/>
+              <a:ext cx="492407" cy="492407"/>
+            </a:xfrm>
+            <a:prstGeom prst="rect">
+              <a:avLst/>
+            </a:prstGeom>
+            <a:noFill/>
+            <a:ln w="38100">
+              <a:solidFill>
+                <a:srgbClr val="DA2B89"/>
+              </a:solidFill>
+            </a:ln>
+          </p:spPr>
+          <p:style>
+            <a:lnRef idx="2">
+              <a:schemeClr val="accent1">
+                <a:shade val="50000"/>
+              </a:schemeClr>
+            </a:lnRef>
+            <a:fillRef idx="1">
+              <a:schemeClr val="accent1"/>
+            </a:fillRef>
+            <a:effectRef idx="0">
+              <a:schemeClr val="accent1"/>
+            </a:effectRef>
+            <a:fontRef idx="minor">
+              <a:schemeClr val="lt1"/>
+            </a:fontRef>
+          </p:style>
+          <p:txBody>
+            <a:bodyPr rtlCol="0" anchor="ctr"/>
+            <a:lstStyle/>
+            <a:p>
+              <a:pPr algn="ctr"/>
+              <a:endParaRPr lang="zh-CN" altLang="en-US"/>
+            </a:p>
+          </p:txBody>
+        </p:sp>
+        <p:sp>
+          <p:nvSpPr>
+            <p:cNvPr id="6" name="矩形 5">
+              <a:extLst>
+                <a:ext uri="{FF2B5EF4-FFF2-40B4-BE49-F238E27FC236}">
+                  <a16:creationId xmlns:a16="http://schemas.microsoft.com/office/drawing/2014/main" id="{4A969DB7-D5CF-44ED-A91B-16EB83C00CFC}"/>
+                </a:ext>
+              </a:extLst>
+            </p:cNvPr>
+            <p:cNvSpPr/>
+            <p:nvPr/>
+          </p:nvSpPr>
+          <p:spPr>
+            <a:xfrm>
+              <a:off x="11699593" y="0"/>
+              <a:ext cx="492407" cy="492407"/>
+            </a:xfrm>
+            <a:prstGeom prst="rect">
+              <a:avLst/>
+            </a:prstGeom>
+            <a:noFill/>
+            <a:ln w="38100">
+              <a:solidFill>
+                <a:schemeClr val="tx2">
+                  <a:lumMod val="60000"/>
+                  <a:lumOff val="40000"/>
+                </a:schemeClr>
+              </a:solidFill>
+            </a:ln>
+          </p:spPr>
+          <p:style>
+            <a:lnRef idx="2">
+              <a:schemeClr val="accent1">
+                <a:shade val="50000"/>
+              </a:schemeClr>
+            </a:lnRef>
+            <a:fillRef idx="1">
+              <a:schemeClr val="accent1"/>
+            </a:fillRef>
+            <a:effectRef idx="0">
+              <a:schemeClr val="accent1"/>
+            </a:effectRef>
+            <a:fontRef idx="minor">
+              <a:schemeClr val="lt1"/>
+            </a:fontRef>
+          </p:style>
+          <p:txBody>
+            <a:bodyPr rtlCol="0" anchor="ctr"/>
+            <a:lstStyle/>
+            <a:p>
+              <a:pPr algn="ctr"/>
+              <a:endParaRPr lang="zh-CN" altLang="en-US"/>
+            </a:p>
+          </p:txBody>
+        </p:sp>
+        <p:sp>
+          <p:nvSpPr>
+            <p:cNvPr id="7" name="矩形 6">
+              <a:extLst>
+                <a:ext uri="{FF2B5EF4-FFF2-40B4-BE49-F238E27FC236}">
+                  <a16:creationId xmlns:a16="http://schemas.microsoft.com/office/drawing/2014/main" id="{2B7D4A3D-C861-4CCF-9FF8-EA2C44A0CB42}"/>
+                </a:ext>
+              </a:extLst>
+            </p:cNvPr>
+            <p:cNvSpPr/>
+            <p:nvPr/>
+          </p:nvSpPr>
+          <p:spPr>
+            <a:xfrm>
+              <a:off x="11063181" y="565065"/>
+              <a:ext cx="492407" cy="492407"/>
+            </a:xfrm>
+            <a:prstGeom prst="rect">
+              <a:avLst/>
+            </a:prstGeom>
+            <a:noFill/>
+            <a:ln w="38100">
+              <a:solidFill>
+                <a:schemeClr val="accent6"/>
+              </a:solidFill>
+            </a:ln>
+          </p:spPr>
+          <p:style>
+            <a:lnRef idx="2">
+              <a:schemeClr val="accent1">
+                <a:shade val="50000"/>
+              </a:schemeClr>
+            </a:lnRef>
+            <a:fillRef idx="1">
+              <a:schemeClr val="accent1"/>
+            </a:fillRef>
+            <a:effectRef idx="0">
+              <a:schemeClr val="accent1"/>
+            </a:effectRef>
+            <a:fontRef idx="minor">
+              <a:schemeClr val="lt1"/>
+            </a:fontRef>
+          </p:style>
+          <p:txBody>
+            <a:bodyPr rtlCol="0" anchor="ctr"/>
+            <a:lstStyle/>
+            <a:p>
+              <a:pPr algn="ctr"/>
+              <a:endParaRPr lang="zh-CN" altLang="en-US"/>
+            </a:p>
+          </p:txBody>
+        </p:sp>
+      </p:grpSp>
+      <p:pic>
+        <p:nvPicPr>
+          <p:cNvPr id="3" name="图片 2">
+            <a:extLst>
+              <a:ext uri="{FF2B5EF4-FFF2-40B4-BE49-F238E27FC236}">
+                <a16:creationId xmlns:a16="http://schemas.microsoft.com/office/drawing/2014/main" id="{410FDF51-B883-4477-9574-86616773A8A0}"/>
+              </a:ext>
+            </a:extLst>
+          </p:cNvPr>
+          <p:cNvPicPr>
+            <a:picLocks noChangeAspect="1"/>
+          </p:cNvPicPr>
+          <p:nvPr/>
+        </p:nvPicPr>
+        <p:blipFill>
+          <a:blip r:embed="rId2">
+            <a:extLst>
+              <a:ext uri="{28A0092B-C50C-407E-A947-70E740481C1C}">
+                <a14:useLocalDpi xmlns:a14="http://schemas.microsoft.com/office/drawing/2010/main" val="0"/>
+              </a:ext>
+            </a:extLst>
+          </a:blip>
+          <a:stretch>
+            <a:fillRect/>
+          </a:stretch>
+        </p:blipFill>
+        <p:spPr>
+          <a:xfrm>
+            <a:off x="3379043" y="246204"/>
+            <a:ext cx="4724354" cy="5360631"/>
+          </a:xfrm>
+          <a:prstGeom prst="rect">
+            <a:avLst/>
+          </a:prstGeom>
+        </p:spPr>
+      </p:pic>
+      <p:sp>
+        <p:nvSpPr>
+          <p:cNvPr id="8" name="文本框 7">
+            <a:extLst>
+              <a:ext uri="{FF2B5EF4-FFF2-40B4-BE49-F238E27FC236}">
+                <a16:creationId xmlns:a16="http://schemas.microsoft.com/office/drawing/2014/main" id="{88758905-FA72-4A3D-A34C-8DE7A6D7A752}"/>
+              </a:ext>
+            </a:extLst>
+          </p:cNvPr>
+          <p:cNvSpPr txBox="1"/>
+          <p:nvPr/>
+        </p:nvSpPr>
+        <p:spPr>
+          <a:xfrm>
+            <a:off x="4930741" y="5945889"/>
+            <a:ext cx="1620957" cy="523220"/>
+          </a:xfrm>
+          <a:prstGeom prst="rect">
+            <a:avLst/>
+          </a:prstGeom>
+          <a:noFill/>
+        </p:spPr>
+        <p:txBody>
+          <a:bodyPr wrap="none" rtlCol="0">
+            <a:spAutoFit/>
+          </a:bodyPr>
+          <a:lstStyle/>
+          <a:p>
+            <a:r>
+              <a:rPr lang="zh-CN" altLang="en-US" sz="2800" dirty="0">
+                <a:solidFill>
+                  <a:schemeClr val="bg1"/>
+                </a:solidFill>
+              </a:rPr>
+              <a:t>注册页面</a:t>
+            </a:r>
+          </a:p>
+        </p:txBody>
+      </p:sp>
+    </p:spTree>
+    <p:extLst>
+      <p:ext uri="{BB962C8B-B14F-4D97-AF65-F5344CB8AC3E}">
+        <p14:creationId xmlns:p14="http://schemas.microsoft.com/office/powerpoint/2010/main" val="2757508048"/>
+      </p:ext>
+    </p:extLst>
+  </p:cSld>
+  <p:clrMapOvr>
+    <a:masterClrMapping/>
+  </p:clrMapOvr>
+  <p:transition spd="slow">
+    <p:wipe/>
+  </p:transition>
+</p:sld>
+</file>
+
+<file path=ppt/slides/slide2.xml><?xml version="1.0" encoding="utf-8"?>
+<p:sld xmlns:a="http://schemas.openxmlformats.org/drawingml/2006/main" xmlns:r="http://schemas.openxmlformats.org/officeDocument/2006/relationships" xmlns:p="http://schemas.openxmlformats.org/presentationml/2006/main">
+  <p:cSld>
+    <p:spTree>
+      <p:nvGrpSpPr>
+        <p:cNvPr id="1" name=""/>
+        <p:cNvGrpSpPr/>
+        <p:nvPr/>
+      </p:nvGrpSpPr>
+      <p:grpSpPr>
+        <a:xfrm>
+          <a:off x="0" y="0"/>
+          <a:ext cx="0" cy="0"/>
+          <a:chOff x="0" y="0"/>
+          <a:chExt cx="0" cy="0"/>
+        </a:xfrm>
+      </p:grpSpPr>
+      <p:sp>
+        <p:nvSpPr>
+          <p:cNvPr id="6" name="文本框 5"/>
+          <p:cNvSpPr txBox="1"/>
+          <p:nvPr/>
+        </p:nvSpPr>
+        <p:spPr>
+          <a:xfrm>
+            <a:off x="4073149" y="1844601"/>
+            <a:ext cx="7705584" cy="3477875"/>
+          </a:xfrm>
+          <a:prstGeom prst="rect">
+            <a:avLst/>
+          </a:prstGeom>
+          <a:noFill/>
+        </p:spPr>
+        <p:txBody>
+          <a:bodyPr wrap="square" rtlCol="0">
+            <a:spAutoFit/>
+          </a:bodyPr>
+          <a:lstStyle/>
+          <a:p>
+            <a:r>
+              <a:rPr lang="en-US" altLang="zh-CN" sz="8800" b="1" dirty="0">
+                <a:solidFill>
+                  <a:schemeClr val="bg1"/>
+                </a:solidFill>
+              </a:rPr>
+              <a:t>Part one</a:t>
+            </a:r>
+          </a:p>
+          <a:p>
+            <a:r>
+              <a:rPr lang="zh-CN" altLang="en-US" sz="6600" b="1" dirty="0">
+                <a:solidFill>
+                  <a:schemeClr val="bg1"/>
+                </a:solidFill>
+              </a:rPr>
+              <a:t>需求分析</a:t>
+            </a:r>
+            <a:endParaRPr lang="en-US" altLang="zh-CN" sz="6600" b="1" dirty="0">
+              <a:solidFill>
+                <a:schemeClr val="bg1"/>
+              </a:solidFill>
+            </a:endParaRPr>
+          </a:p>
+          <a:p>
+            <a:r>
+              <a:rPr lang="en-US" altLang="zh-CN" sz="6600" b="1" dirty="0">
+                <a:solidFill>
+                  <a:schemeClr val="bg1"/>
+                </a:solidFill>
+              </a:rPr>
+              <a:t>&amp;</a:t>
+            </a:r>
+            <a:r>
+              <a:rPr lang="zh-CN" altLang="en-US" sz="6600" b="1" dirty="0">
+                <a:solidFill>
+                  <a:schemeClr val="bg1"/>
+                </a:solidFill>
+              </a:rPr>
+              <a:t>项目计划书</a:t>
+            </a:r>
+          </a:p>
+        </p:txBody>
+      </p:sp>
+      <p:grpSp>
+        <p:nvGrpSpPr>
+          <p:cNvPr id="7" name="组合 6"/>
+          <p:cNvGrpSpPr/>
+          <p:nvPr/>
+        </p:nvGrpSpPr>
+        <p:grpSpPr>
+          <a:xfrm rot="18969064">
+            <a:off x="2512582" y="2477952"/>
+            <a:ext cx="1424079" cy="1432678"/>
+            <a:chOff x="11063181" y="-389332"/>
+            <a:chExt cx="1438119" cy="1446804"/>
+          </a:xfrm>
+        </p:grpSpPr>
+        <p:sp>
+          <p:nvSpPr>
+            <p:cNvPr id="8" name="矩形 7"/>
+            <p:cNvSpPr/>
+            <p:nvPr/>
+          </p:nvSpPr>
+          <p:spPr>
+            <a:xfrm>
+              <a:off x="11381387" y="246204"/>
+              <a:ext cx="492407" cy="492407"/>
+            </a:xfrm>
+            <a:prstGeom prst="rect">
+              <a:avLst/>
+            </a:prstGeom>
+            <a:noFill/>
+            <a:ln w="38100">
+              <a:solidFill>
+                <a:schemeClr val="accent3"/>
+              </a:solidFill>
+            </a:ln>
+          </p:spPr>
+          <p:style>
+            <a:lnRef idx="2">
+              <a:schemeClr val="accent1">
+                <a:shade val="50000"/>
+              </a:schemeClr>
+            </a:lnRef>
+            <a:fillRef idx="1">
+              <a:schemeClr val="accent1"/>
+            </a:fillRef>
+            <a:effectRef idx="0">
+              <a:schemeClr val="accent1"/>
+            </a:effectRef>
+            <a:fontRef idx="minor">
+              <a:schemeClr val="lt1"/>
+            </a:fontRef>
+          </p:style>
+          <p:txBody>
+            <a:bodyPr rtlCol="0" anchor="ctr"/>
+            <a:lstStyle/>
+            <a:p>
+              <a:pPr algn="ctr"/>
+              <a:endParaRPr lang="zh-CN" altLang="en-US"/>
+            </a:p>
+          </p:txBody>
+        </p:sp>
+        <p:sp>
+          <p:nvSpPr>
+            <p:cNvPr id="9" name="矩形 8"/>
+            <p:cNvSpPr/>
+            <p:nvPr/>
+          </p:nvSpPr>
+          <p:spPr>
+            <a:xfrm>
+              <a:off x="11698526" y="-62392"/>
+              <a:ext cx="492407" cy="492407"/>
+            </a:xfrm>
+            <a:prstGeom prst="rect">
+              <a:avLst/>
+            </a:prstGeom>
+            <a:noFill/>
+            <a:ln w="38100">
+              <a:solidFill>
+                <a:schemeClr val="tx2">
+                  <a:lumMod val="60000"/>
+                  <a:lumOff val="40000"/>
+                </a:schemeClr>
+              </a:solidFill>
+            </a:ln>
+          </p:spPr>
+          <p:style>
+            <a:lnRef idx="2">
+              <a:schemeClr val="accent1">
+                <a:shade val="50000"/>
+              </a:schemeClr>
+            </a:lnRef>
+            <a:fillRef idx="1">
+              <a:schemeClr val="accent1"/>
+            </a:fillRef>
+            <a:effectRef idx="0">
+              <a:schemeClr val="accent1"/>
+            </a:effectRef>
+            <a:fontRef idx="minor">
+              <a:schemeClr val="lt1"/>
+            </a:fontRef>
+          </p:style>
+          <p:txBody>
+            <a:bodyPr rtlCol="0" anchor="ctr"/>
+            <a:lstStyle/>
+            <a:p>
+              <a:pPr algn="ctr"/>
+              <a:endParaRPr lang="zh-CN" altLang="en-US"/>
+            </a:p>
+          </p:txBody>
+        </p:sp>
+        <p:sp>
+          <p:nvSpPr>
+            <p:cNvPr id="10" name="矩形 9"/>
+            <p:cNvSpPr/>
+            <p:nvPr/>
+          </p:nvSpPr>
+          <p:spPr>
+            <a:xfrm>
+              <a:off x="11063181" y="565065"/>
+              <a:ext cx="492407" cy="492407"/>
+            </a:xfrm>
+            <a:prstGeom prst="rect">
+              <a:avLst/>
+            </a:prstGeom>
+            <a:noFill/>
+            <a:ln w="38100">
+              <a:solidFill>
+                <a:schemeClr val="accent4"/>
+              </a:solidFill>
+            </a:ln>
+          </p:spPr>
+          <p:style>
+            <a:lnRef idx="2">
+              <a:schemeClr val="accent1">
+                <a:shade val="50000"/>
+              </a:schemeClr>
+            </a:lnRef>
+            <a:fillRef idx="1">
+              <a:schemeClr val="accent1"/>
+            </a:fillRef>
+            <a:effectRef idx="0">
+              <a:schemeClr val="accent1"/>
+            </a:effectRef>
+            <a:fontRef idx="minor">
+              <a:schemeClr val="lt1"/>
+            </a:fontRef>
+          </p:style>
+          <p:txBody>
+            <a:bodyPr rtlCol="0" anchor="ctr"/>
+            <a:lstStyle/>
+            <a:p>
+              <a:pPr algn="ctr"/>
+              <a:endParaRPr lang="zh-CN" altLang="en-US"/>
+            </a:p>
+          </p:txBody>
+        </p:sp>
+        <p:sp>
+          <p:nvSpPr>
+            <p:cNvPr id="11" name="矩形 10"/>
+            <p:cNvSpPr/>
+            <p:nvPr/>
+          </p:nvSpPr>
+          <p:spPr>
+            <a:xfrm>
+              <a:off x="12008893" y="-389332"/>
+              <a:ext cx="492407" cy="492407"/>
+            </a:xfrm>
+            <a:prstGeom prst="rect">
+              <a:avLst/>
+            </a:prstGeom>
+            <a:noFill/>
+            <a:ln w="38100">
+              <a:solidFill>
+                <a:schemeClr val="accent6"/>
+              </a:solidFill>
+            </a:ln>
+          </p:spPr>
+          <p:style>
+            <a:lnRef idx="2">
+              <a:schemeClr val="accent1">
+                <a:shade val="50000"/>
+              </a:schemeClr>
+            </a:lnRef>
+            <a:fillRef idx="1">
+              <a:schemeClr val="accent1"/>
+            </a:fillRef>
+            <a:effectRef idx="0">
+              <a:schemeClr val="accent1"/>
+            </a:effectRef>
+            <a:fontRef idx="minor">
+              <a:schemeClr val="lt1"/>
+            </a:fontRef>
+          </p:style>
+          <p:txBody>
+            <a:bodyPr rtlCol="0" anchor="ctr"/>
+            <a:lstStyle/>
+            <a:p>
+              <a:pPr algn="ctr"/>
+              <a:endParaRPr lang="zh-CN" altLang="en-US"/>
+            </a:p>
+          </p:txBody>
+        </p:sp>
+      </p:grpSp>
+    </p:spTree>
+    <p:extLst>
+      <p:ext uri="{BB962C8B-B14F-4D97-AF65-F5344CB8AC3E}">
+        <p14:creationId xmlns:p14="http://schemas.microsoft.com/office/powerpoint/2010/main" val="388203165"/>
+      </p:ext>
+    </p:extLst>
+  </p:cSld>
+  <p:clrMapOvr>
+    <a:masterClrMapping/>
+  </p:clrMapOvr>
+  <p:transition spd="slow">
+    <p:wipe/>
+  </p:transition>
+</p:sld>
+</file>
+
+<file path=ppt/slides/slide20.xml><?xml version="1.0" encoding="utf-8"?>
+<p:sld xmlns:a="http://schemas.openxmlformats.org/drawingml/2006/main" xmlns:r="http://schemas.openxmlformats.org/officeDocument/2006/relationships" xmlns:p="http://schemas.openxmlformats.org/presentationml/2006/main">
+  <p:cSld>
+    <p:spTree>
+      <p:nvGrpSpPr>
+        <p:cNvPr id="1" name=""/>
+        <p:cNvGrpSpPr/>
+        <p:nvPr/>
+      </p:nvGrpSpPr>
+      <p:grpSpPr>
+        <a:xfrm>
+          <a:off x="0" y="0"/>
+          <a:ext cx="0" cy="0"/>
+          <a:chOff x="0" y="0"/>
+          <a:chExt cx="0" cy="0"/>
+        </a:xfrm>
+      </p:grpSpPr>
+      <p:grpSp>
+        <p:nvGrpSpPr>
+          <p:cNvPr id="4" name="组合 3">
+            <a:extLst>
+              <a:ext uri="{FF2B5EF4-FFF2-40B4-BE49-F238E27FC236}">
+                <a16:creationId xmlns:a16="http://schemas.microsoft.com/office/drawing/2014/main" id="{6385D73B-77D9-499F-A987-3232C4290A81}"/>
+              </a:ext>
+            </a:extLst>
+          </p:cNvPr>
+          <p:cNvGrpSpPr/>
+          <p:nvPr/>
+        </p:nvGrpSpPr>
+        <p:grpSpPr>
+          <a:xfrm>
+            <a:off x="11063181" y="0"/>
+            <a:ext cx="1128819" cy="1057472"/>
+            <a:chOff x="11063181" y="0"/>
+            <a:chExt cx="1128819" cy="1057472"/>
+          </a:xfrm>
+        </p:grpSpPr>
+        <p:sp>
+          <p:nvSpPr>
+            <p:cNvPr id="5" name="矩形 4">
+              <a:extLst>
+                <a:ext uri="{FF2B5EF4-FFF2-40B4-BE49-F238E27FC236}">
+                  <a16:creationId xmlns:a16="http://schemas.microsoft.com/office/drawing/2014/main" id="{E349EA06-DB76-47A4-ABCF-9075F8466F14}"/>
+                </a:ext>
+              </a:extLst>
+            </p:cNvPr>
+            <p:cNvSpPr/>
+            <p:nvPr/>
+          </p:nvSpPr>
+          <p:spPr>
+            <a:xfrm>
+              <a:off x="11381387" y="246204"/>
+              <a:ext cx="492407" cy="492407"/>
+            </a:xfrm>
+            <a:prstGeom prst="rect">
+              <a:avLst/>
+            </a:prstGeom>
+            <a:noFill/>
+            <a:ln w="38100">
+              <a:solidFill>
+                <a:srgbClr val="DA2B89"/>
+              </a:solidFill>
+            </a:ln>
+          </p:spPr>
+          <p:style>
+            <a:lnRef idx="2">
+              <a:schemeClr val="accent1">
+                <a:shade val="50000"/>
+              </a:schemeClr>
+            </a:lnRef>
+            <a:fillRef idx="1">
+              <a:schemeClr val="accent1"/>
+            </a:fillRef>
+            <a:effectRef idx="0">
+              <a:schemeClr val="accent1"/>
+            </a:effectRef>
+            <a:fontRef idx="minor">
+              <a:schemeClr val="lt1"/>
+            </a:fontRef>
+          </p:style>
+          <p:txBody>
+            <a:bodyPr rtlCol="0" anchor="ctr"/>
+            <a:lstStyle/>
+            <a:p>
+              <a:pPr algn="ctr"/>
+              <a:endParaRPr lang="zh-CN" altLang="en-US"/>
+            </a:p>
+          </p:txBody>
+        </p:sp>
+        <p:sp>
+          <p:nvSpPr>
+            <p:cNvPr id="6" name="矩形 5">
+              <a:extLst>
+                <a:ext uri="{FF2B5EF4-FFF2-40B4-BE49-F238E27FC236}">
+                  <a16:creationId xmlns:a16="http://schemas.microsoft.com/office/drawing/2014/main" id="{4A969DB7-D5CF-44ED-A91B-16EB83C00CFC}"/>
+                </a:ext>
+              </a:extLst>
+            </p:cNvPr>
+            <p:cNvSpPr/>
+            <p:nvPr/>
+          </p:nvSpPr>
+          <p:spPr>
+            <a:xfrm>
+              <a:off x="11699593" y="0"/>
+              <a:ext cx="492407" cy="492407"/>
+            </a:xfrm>
+            <a:prstGeom prst="rect">
+              <a:avLst/>
+            </a:prstGeom>
+            <a:noFill/>
+            <a:ln w="38100">
+              <a:solidFill>
+                <a:schemeClr val="tx2">
+                  <a:lumMod val="60000"/>
+                  <a:lumOff val="40000"/>
+                </a:schemeClr>
+              </a:solidFill>
+            </a:ln>
+          </p:spPr>
+          <p:style>
+            <a:lnRef idx="2">
+              <a:schemeClr val="accent1">
+                <a:shade val="50000"/>
+              </a:schemeClr>
+            </a:lnRef>
+            <a:fillRef idx="1">
+              <a:schemeClr val="accent1"/>
+            </a:fillRef>
+            <a:effectRef idx="0">
+              <a:schemeClr val="accent1"/>
+            </a:effectRef>
+            <a:fontRef idx="minor">
+              <a:schemeClr val="lt1"/>
+            </a:fontRef>
+          </p:style>
+          <p:txBody>
+            <a:bodyPr rtlCol="0" anchor="ctr"/>
+            <a:lstStyle/>
+            <a:p>
+              <a:pPr algn="ctr"/>
+              <a:endParaRPr lang="zh-CN" altLang="en-US"/>
+            </a:p>
+          </p:txBody>
+        </p:sp>
+        <p:sp>
+          <p:nvSpPr>
+            <p:cNvPr id="7" name="矩形 6">
+              <a:extLst>
+                <a:ext uri="{FF2B5EF4-FFF2-40B4-BE49-F238E27FC236}">
+                  <a16:creationId xmlns:a16="http://schemas.microsoft.com/office/drawing/2014/main" id="{2B7D4A3D-C861-4CCF-9FF8-EA2C44A0CB42}"/>
+                </a:ext>
+              </a:extLst>
+            </p:cNvPr>
+            <p:cNvSpPr/>
+            <p:nvPr/>
+          </p:nvSpPr>
+          <p:spPr>
+            <a:xfrm>
+              <a:off x="11063181" y="565065"/>
+              <a:ext cx="492407" cy="492407"/>
+            </a:xfrm>
+            <a:prstGeom prst="rect">
+              <a:avLst/>
+            </a:prstGeom>
+            <a:noFill/>
+            <a:ln w="38100">
+              <a:solidFill>
+                <a:schemeClr val="accent6"/>
+              </a:solidFill>
+            </a:ln>
+          </p:spPr>
+          <p:style>
+            <a:lnRef idx="2">
+              <a:schemeClr val="accent1">
+                <a:shade val="50000"/>
+              </a:schemeClr>
+            </a:lnRef>
+            <a:fillRef idx="1">
+              <a:schemeClr val="accent1"/>
+            </a:fillRef>
+            <a:effectRef idx="0">
+              <a:schemeClr val="accent1"/>
+            </a:effectRef>
+            <a:fontRef idx="minor">
+              <a:schemeClr val="lt1"/>
+            </a:fontRef>
+          </p:style>
+          <p:txBody>
+            <a:bodyPr rtlCol="0" anchor="ctr"/>
+            <a:lstStyle/>
+            <a:p>
+              <a:pPr algn="ctr"/>
+              <a:endParaRPr lang="zh-CN" altLang="en-US"/>
+            </a:p>
+          </p:txBody>
+        </p:sp>
+      </p:grpSp>
+      <p:pic>
+        <p:nvPicPr>
+          <p:cNvPr id="8" name="图片 7">
+            <a:extLst>
+              <a:ext uri="{FF2B5EF4-FFF2-40B4-BE49-F238E27FC236}">
+                <a16:creationId xmlns:a16="http://schemas.microsoft.com/office/drawing/2014/main" id="{BE591F9D-2538-4ED4-ACAC-22AA26CF339B}"/>
+              </a:ext>
+            </a:extLst>
+          </p:cNvPr>
+          <p:cNvPicPr>
+            <a:picLocks noChangeAspect="1"/>
+          </p:cNvPicPr>
+          <p:nvPr/>
+        </p:nvPicPr>
+        <p:blipFill>
+          <a:blip r:embed="rId2">
+            <a:extLst>
+              <a:ext uri="{28A0092B-C50C-407E-A947-70E740481C1C}">
+                <a14:useLocalDpi xmlns:a14="http://schemas.microsoft.com/office/drawing/2010/main" val="0"/>
+              </a:ext>
+            </a:extLst>
+          </a:blip>
+          <a:stretch>
+            <a:fillRect/>
+          </a:stretch>
+        </p:blipFill>
+        <p:spPr>
+          <a:xfrm>
+            <a:off x="1315616" y="811268"/>
+            <a:ext cx="9663404" cy="5044287"/>
+          </a:xfrm>
+          <a:prstGeom prst="rect">
+            <a:avLst/>
+          </a:prstGeom>
+        </p:spPr>
+      </p:pic>
+      <p:sp>
+        <p:nvSpPr>
+          <p:cNvPr id="10" name="文本框 9">
+            <a:extLst>
+              <a:ext uri="{FF2B5EF4-FFF2-40B4-BE49-F238E27FC236}">
+                <a16:creationId xmlns:a16="http://schemas.microsoft.com/office/drawing/2014/main" id="{0109026B-563D-480B-AD36-54420C2BA706}"/>
+              </a:ext>
+            </a:extLst>
+          </p:cNvPr>
+          <p:cNvSpPr txBox="1"/>
+          <p:nvPr/>
+        </p:nvSpPr>
+        <p:spPr>
+          <a:xfrm>
+            <a:off x="5173912" y="5964550"/>
+            <a:ext cx="1620957" cy="523220"/>
+          </a:xfrm>
+          <a:prstGeom prst="rect">
+            <a:avLst/>
+          </a:prstGeom>
+          <a:noFill/>
+        </p:spPr>
+        <p:txBody>
+          <a:bodyPr wrap="none" rtlCol="0">
+            <a:spAutoFit/>
+          </a:bodyPr>
+          <a:lstStyle/>
+          <a:p>
+            <a:r>
+              <a:rPr lang="zh-CN" altLang="en-US" sz="2800" dirty="0">
+                <a:solidFill>
+                  <a:schemeClr val="bg1"/>
+                </a:solidFill>
+              </a:rPr>
+              <a:t>选择页面</a:t>
+            </a:r>
+          </a:p>
+        </p:txBody>
+      </p:sp>
+    </p:spTree>
+    <p:extLst>
+      <p:ext uri="{BB962C8B-B14F-4D97-AF65-F5344CB8AC3E}">
+        <p14:creationId xmlns:p14="http://schemas.microsoft.com/office/powerpoint/2010/main" val="2176881127"/>
+      </p:ext>
+    </p:extLst>
+  </p:cSld>
+  <p:clrMapOvr>
+    <a:masterClrMapping/>
+  </p:clrMapOvr>
+  <p:transition spd="slow">
+    <p:wipe/>
+  </p:transition>
+</p:sld>
+</file>
+
+<file path=ppt/slides/slide21.xml><?xml version="1.0" encoding="utf-8"?>
+<p:sld xmlns:a="http://schemas.openxmlformats.org/drawingml/2006/main" xmlns:r="http://schemas.openxmlformats.org/officeDocument/2006/relationships" xmlns:p="http://schemas.openxmlformats.org/presentationml/2006/main">
+  <p:cSld>
+    <p:spTree>
+      <p:nvGrpSpPr>
+        <p:cNvPr id="1" name=""/>
+        <p:cNvGrpSpPr/>
+        <p:nvPr/>
+      </p:nvGrpSpPr>
+      <p:grpSpPr>
+        <a:xfrm>
+          <a:off x="0" y="0"/>
+          <a:ext cx="0" cy="0"/>
+          <a:chOff x="0" y="0"/>
+          <a:chExt cx="0" cy="0"/>
+        </a:xfrm>
+      </p:grpSpPr>
+      <p:grpSp>
+        <p:nvGrpSpPr>
+          <p:cNvPr id="4" name="组合 3">
+            <a:extLst>
+              <a:ext uri="{FF2B5EF4-FFF2-40B4-BE49-F238E27FC236}">
+                <a16:creationId xmlns:a16="http://schemas.microsoft.com/office/drawing/2014/main" id="{6385D73B-77D9-499F-A987-3232C4290A81}"/>
+              </a:ext>
+            </a:extLst>
+          </p:cNvPr>
+          <p:cNvGrpSpPr/>
+          <p:nvPr/>
+        </p:nvGrpSpPr>
+        <p:grpSpPr>
+          <a:xfrm>
+            <a:off x="11063181" y="0"/>
+            <a:ext cx="1128819" cy="1057472"/>
+            <a:chOff x="11063181" y="0"/>
+            <a:chExt cx="1128819" cy="1057472"/>
+          </a:xfrm>
+        </p:grpSpPr>
+        <p:sp>
+          <p:nvSpPr>
+            <p:cNvPr id="5" name="矩形 4">
+              <a:extLst>
+                <a:ext uri="{FF2B5EF4-FFF2-40B4-BE49-F238E27FC236}">
+                  <a16:creationId xmlns:a16="http://schemas.microsoft.com/office/drawing/2014/main" id="{E349EA06-DB76-47A4-ABCF-9075F8466F14}"/>
+                </a:ext>
+              </a:extLst>
+            </p:cNvPr>
+            <p:cNvSpPr/>
+            <p:nvPr/>
+          </p:nvSpPr>
+          <p:spPr>
+            <a:xfrm>
+              <a:off x="11381387" y="246204"/>
+              <a:ext cx="492407" cy="492407"/>
+            </a:xfrm>
+            <a:prstGeom prst="rect">
+              <a:avLst/>
+            </a:prstGeom>
+            <a:noFill/>
+            <a:ln w="38100">
+              <a:solidFill>
+                <a:srgbClr val="DA2B89"/>
+              </a:solidFill>
+            </a:ln>
+          </p:spPr>
+          <p:style>
+            <a:lnRef idx="2">
+              <a:schemeClr val="accent1">
+                <a:shade val="50000"/>
+              </a:schemeClr>
+            </a:lnRef>
+            <a:fillRef idx="1">
+              <a:schemeClr val="accent1"/>
+            </a:fillRef>
+            <a:effectRef idx="0">
+              <a:schemeClr val="accent1"/>
+            </a:effectRef>
+            <a:fontRef idx="minor">
+              <a:schemeClr val="lt1"/>
+            </a:fontRef>
+          </p:style>
+          <p:txBody>
+            <a:bodyPr rtlCol="0" anchor="ctr"/>
+            <a:lstStyle/>
+            <a:p>
+              <a:pPr algn="ctr"/>
+              <a:endParaRPr lang="zh-CN" altLang="en-US"/>
+            </a:p>
+          </p:txBody>
+        </p:sp>
+        <p:sp>
+          <p:nvSpPr>
+            <p:cNvPr id="6" name="矩形 5">
+              <a:extLst>
+                <a:ext uri="{FF2B5EF4-FFF2-40B4-BE49-F238E27FC236}">
+                  <a16:creationId xmlns:a16="http://schemas.microsoft.com/office/drawing/2014/main" id="{4A969DB7-D5CF-44ED-A91B-16EB83C00CFC}"/>
+                </a:ext>
+              </a:extLst>
+            </p:cNvPr>
+            <p:cNvSpPr/>
+            <p:nvPr/>
+          </p:nvSpPr>
+          <p:spPr>
+            <a:xfrm>
+              <a:off x="11699593" y="0"/>
+              <a:ext cx="492407" cy="492407"/>
+            </a:xfrm>
+            <a:prstGeom prst="rect">
+              <a:avLst/>
+            </a:prstGeom>
+            <a:noFill/>
+            <a:ln w="38100">
+              <a:solidFill>
+                <a:schemeClr val="tx2">
+                  <a:lumMod val="60000"/>
+                  <a:lumOff val="40000"/>
+                </a:schemeClr>
+              </a:solidFill>
+            </a:ln>
+          </p:spPr>
+          <p:style>
+            <a:lnRef idx="2">
+              <a:schemeClr val="accent1">
+                <a:shade val="50000"/>
+              </a:schemeClr>
+            </a:lnRef>
+            <a:fillRef idx="1">
+              <a:schemeClr val="accent1"/>
+            </a:fillRef>
+            <a:effectRef idx="0">
+              <a:schemeClr val="accent1"/>
+            </a:effectRef>
+            <a:fontRef idx="minor">
+              <a:schemeClr val="lt1"/>
+            </a:fontRef>
+          </p:style>
+          <p:txBody>
+            <a:bodyPr rtlCol="0" anchor="ctr"/>
+            <a:lstStyle/>
+            <a:p>
+              <a:pPr algn="ctr"/>
+              <a:endParaRPr lang="zh-CN" altLang="en-US"/>
+            </a:p>
+          </p:txBody>
+        </p:sp>
+        <p:sp>
+          <p:nvSpPr>
+            <p:cNvPr id="7" name="矩形 6">
+              <a:extLst>
+                <a:ext uri="{FF2B5EF4-FFF2-40B4-BE49-F238E27FC236}">
+                  <a16:creationId xmlns:a16="http://schemas.microsoft.com/office/drawing/2014/main" id="{2B7D4A3D-C861-4CCF-9FF8-EA2C44A0CB42}"/>
+                </a:ext>
+              </a:extLst>
+            </p:cNvPr>
+            <p:cNvSpPr/>
+            <p:nvPr/>
+          </p:nvSpPr>
+          <p:spPr>
+            <a:xfrm>
+              <a:off x="11063181" y="565065"/>
+              <a:ext cx="492407" cy="492407"/>
+            </a:xfrm>
+            <a:prstGeom prst="rect">
+              <a:avLst/>
+            </a:prstGeom>
+            <a:noFill/>
+            <a:ln w="38100">
+              <a:solidFill>
+                <a:schemeClr val="accent6"/>
+              </a:solidFill>
+            </a:ln>
+          </p:spPr>
+          <p:style>
+            <a:lnRef idx="2">
+              <a:schemeClr val="accent1">
+                <a:shade val="50000"/>
+              </a:schemeClr>
+            </a:lnRef>
+            <a:fillRef idx="1">
+              <a:schemeClr val="accent1"/>
+            </a:fillRef>
+            <a:effectRef idx="0">
+              <a:schemeClr val="accent1"/>
+            </a:effectRef>
+            <a:fontRef idx="minor">
+              <a:schemeClr val="lt1"/>
+            </a:fontRef>
+          </p:style>
+          <p:txBody>
+            <a:bodyPr rtlCol="0" anchor="ctr"/>
+            <a:lstStyle/>
+            <a:p>
+              <a:pPr algn="ctr"/>
+              <a:endParaRPr lang="zh-CN" altLang="en-US"/>
+            </a:p>
+          </p:txBody>
+        </p:sp>
+      </p:grpSp>
+      <p:pic>
+        <p:nvPicPr>
+          <p:cNvPr id="3" name="图片 2">
+            <a:extLst>
+              <a:ext uri="{FF2B5EF4-FFF2-40B4-BE49-F238E27FC236}">
+                <a16:creationId xmlns:a16="http://schemas.microsoft.com/office/drawing/2014/main" id="{BB7002EA-FF92-411A-A26F-A6D8E9F732EC}"/>
+              </a:ext>
+            </a:extLst>
+          </p:cNvPr>
+          <p:cNvPicPr>
+            <a:picLocks noChangeAspect="1"/>
+          </p:cNvPicPr>
+          <p:nvPr/>
+        </p:nvPicPr>
+        <p:blipFill>
+          <a:blip r:embed="rId2">
+            <a:extLst>
+              <a:ext uri="{28A0092B-C50C-407E-A947-70E740481C1C}">
+                <a14:useLocalDpi xmlns:a14="http://schemas.microsoft.com/office/drawing/2010/main" val="0"/>
+              </a:ext>
+            </a:extLst>
+          </a:blip>
+          <a:stretch>
+            <a:fillRect/>
+          </a:stretch>
+        </p:blipFill>
+        <p:spPr>
+          <a:xfrm>
+            <a:off x="1122446" y="492407"/>
+            <a:ext cx="10028319" cy="5234772"/>
+          </a:xfrm>
+          <a:prstGeom prst="rect">
+            <a:avLst/>
+          </a:prstGeom>
+        </p:spPr>
+      </p:pic>
+      <p:sp>
+        <p:nvSpPr>
+          <p:cNvPr id="8" name="文本框 7">
+            <a:extLst>
+              <a:ext uri="{FF2B5EF4-FFF2-40B4-BE49-F238E27FC236}">
+                <a16:creationId xmlns:a16="http://schemas.microsoft.com/office/drawing/2014/main" id="{C2DE4845-7E57-4BE3-8E08-E3B7AC763AF3}"/>
+              </a:ext>
+            </a:extLst>
+          </p:cNvPr>
+          <p:cNvSpPr txBox="1"/>
+          <p:nvPr/>
+        </p:nvSpPr>
+        <p:spPr>
+          <a:xfrm>
+            <a:off x="5173912" y="5964550"/>
+            <a:ext cx="2339102" cy="523220"/>
+          </a:xfrm>
+          <a:prstGeom prst="rect">
+            <a:avLst/>
+          </a:prstGeom>
+          <a:noFill/>
+        </p:spPr>
+        <p:txBody>
+          <a:bodyPr wrap="none" rtlCol="0">
+            <a:spAutoFit/>
+          </a:bodyPr>
+          <a:lstStyle/>
+          <a:p>
+            <a:r>
+              <a:rPr lang="zh-CN" altLang="en-US" sz="2800" dirty="0">
+                <a:solidFill>
+                  <a:schemeClr val="bg1"/>
+                </a:solidFill>
+              </a:rPr>
+              <a:t>美食推荐页面</a:t>
+            </a:r>
+          </a:p>
+        </p:txBody>
+      </p:sp>
+    </p:spTree>
+    <p:extLst>
+      <p:ext uri="{BB962C8B-B14F-4D97-AF65-F5344CB8AC3E}">
+        <p14:creationId xmlns:p14="http://schemas.microsoft.com/office/powerpoint/2010/main" val="2516529358"/>
+      </p:ext>
+    </p:extLst>
+  </p:cSld>
+  <p:clrMapOvr>
+    <a:masterClrMapping/>
+  </p:clrMapOvr>
+  <p:transition spd="slow">
+    <p:wipe/>
+  </p:transition>
+</p:sld>
+</file>
+
+<file path=ppt/slides/slide22.xml><?xml version="1.0" encoding="utf-8"?>
+<p:sld xmlns:a="http://schemas.openxmlformats.org/drawingml/2006/main" xmlns:r="http://schemas.openxmlformats.org/officeDocument/2006/relationships" xmlns:p="http://schemas.openxmlformats.org/presentationml/2006/main">
+  <p:cSld>
+    <p:spTree>
+      <p:nvGrpSpPr>
+        <p:cNvPr id="1" name=""/>
+        <p:cNvGrpSpPr/>
+        <p:nvPr/>
+      </p:nvGrpSpPr>
+      <p:grpSpPr>
+        <a:xfrm>
+          <a:off x="0" y="0"/>
+          <a:ext cx="0" cy="0"/>
+          <a:chOff x="0" y="0"/>
+          <a:chExt cx="0" cy="0"/>
+        </a:xfrm>
+      </p:grpSpPr>
+      <p:grpSp>
+        <p:nvGrpSpPr>
+          <p:cNvPr id="4" name="组合 3">
+            <a:extLst>
+              <a:ext uri="{FF2B5EF4-FFF2-40B4-BE49-F238E27FC236}">
+                <a16:creationId xmlns:a16="http://schemas.microsoft.com/office/drawing/2014/main" id="{6385D73B-77D9-499F-A987-3232C4290A81}"/>
+              </a:ext>
+            </a:extLst>
+          </p:cNvPr>
+          <p:cNvGrpSpPr/>
+          <p:nvPr/>
+        </p:nvGrpSpPr>
+        <p:grpSpPr>
+          <a:xfrm>
+            <a:off x="11063181" y="0"/>
+            <a:ext cx="1128819" cy="1057472"/>
+            <a:chOff x="11063181" y="0"/>
+            <a:chExt cx="1128819" cy="1057472"/>
+          </a:xfrm>
+        </p:grpSpPr>
+        <p:sp>
+          <p:nvSpPr>
+            <p:cNvPr id="5" name="矩形 4">
+              <a:extLst>
+                <a:ext uri="{FF2B5EF4-FFF2-40B4-BE49-F238E27FC236}">
+                  <a16:creationId xmlns:a16="http://schemas.microsoft.com/office/drawing/2014/main" id="{E349EA06-DB76-47A4-ABCF-9075F8466F14}"/>
+                </a:ext>
+              </a:extLst>
+            </p:cNvPr>
+            <p:cNvSpPr/>
+            <p:nvPr/>
+          </p:nvSpPr>
+          <p:spPr>
+            <a:xfrm>
+              <a:off x="11381387" y="246204"/>
+              <a:ext cx="492407" cy="492407"/>
+            </a:xfrm>
+            <a:prstGeom prst="rect">
+              <a:avLst/>
+            </a:prstGeom>
+            <a:noFill/>
+            <a:ln w="38100">
+              <a:solidFill>
+                <a:srgbClr val="DA2B89"/>
+              </a:solidFill>
+            </a:ln>
+          </p:spPr>
+          <p:style>
+            <a:lnRef idx="2">
+              <a:schemeClr val="accent1">
+                <a:shade val="50000"/>
+              </a:schemeClr>
+            </a:lnRef>
+            <a:fillRef idx="1">
+              <a:schemeClr val="accent1"/>
+            </a:fillRef>
+            <a:effectRef idx="0">
+              <a:schemeClr val="accent1"/>
+            </a:effectRef>
+            <a:fontRef idx="minor">
+              <a:schemeClr val="lt1"/>
+            </a:fontRef>
+          </p:style>
+          <p:txBody>
+            <a:bodyPr rtlCol="0" anchor="ctr"/>
+            <a:lstStyle/>
+            <a:p>
+              <a:pPr algn="ctr"/>
+              <a:endParaRPr lang="zh-CN" altLang="en-US"/>
+            </a:p>
+          </p:txBody>
+        </p:sp>
+        <p:sp>
+          <p:nvSpPr>
+            <p:cNvPr id="6" name="矩形 5">
+              <a:extLst>
+                <a:ext uri="{FF2B5EF4-FFF2-40B4-BE49-F238E27FC236}">
+                  <a16:creationId xmlns:a16="http://schemas.microsoft.com/office/drawing/2014/main" id="{4A969DB7-D5CF-44ED-A91B-16EB83C00CFC}"/>
+                </a:ext>
+              </a:extLst>
+            </p:cNvPr>
+            <p:cNvSpPr/>
+            <p:nvPr/>
+          </p:nvSpPr>
+          <p:spPr>
+            <a:xfrm>
+              <a:off x="11699593" y="0"/>
+              <a:ext cx="492407" cy="492407"/>
+            </a:xfrm>
+            <a:prstGeom prst="rect">
+              <a:avLst/>
+            </a:prstGeom>
+            <a:noFill/>
+            <a:ln w="38100">
+              <a:solidFill>
+                <a:schemeClr val="tx2">
+                  <a:lumMod val="60000"/>
+                  <a:lumOff val="40000"/>
+                </a:schemeClr>
+              </a:solidFill>
+            </a:ln>
+          </p:spPr>
+          <p:style>
+            <a:lnRef idx="2">
+              <a:schemeClr val="accent1">
+                <a:shade val="50000"/>
+              </a:schemeClr>
+            </a:lnRef>
+            <a:fillRef idx="1">
+              <a:schemeClr val="accent1"/>
+            </a:fillRef>
+            <a:effectRef idx="0">
+              <a:schemeClr val="accent1"/>
+            </a:effectRef>
+            <a:fontRef idx="minor">
+              <a:schemeClr val="lt1"/>
+            </a:fontRef>
+          </p:style>
+          <p:txBody>
+            <a:bodyPr rtlCol="0" anchor="ctr"/>
+            <a:lstStyle/>
+            <a:p>
+              <a:pPr algn="ctr"/>
+              <a:endParaRPr lang="zh-CN" altLang="en-US"/>
+            </a:p>
+          </p:txBody>
+        </p:sp>
+        <p:sp>
+          <p:nvSpPr>
+            <p:cNvPr id="7" name="矩形 6">
+              <a:extLst>
+                <a:ext uri="{FF2B5EF4-FFF2-40B4-BE49-F238E27FC236}">
+                  <a16:creationId xmlns:a16="http://schemas.microsoft.com/office/drawing/2014/main" id="{2B7D4A3D-C861-4CCF-9FF8-EA2C44A0CB42}"/>
+                </a:ext>
+              </a:extLst>
+            </p:cNvPr>
+            <p:cNvSpPr/>
+            <p:nvPr/>
+          </p:nvSpPr>
+          <p:spPr>
+            <a:xfrm>
+              <a:off x="11063181" y="565065"/>
+              <a:ext cx="492407" cy="492407"/>
+            </a:xfrm>
+            <a:prstGeom prst="rect">
+              <a:avLst/>
+            </a:prstGeom>
+            <a:noFill/>
+            <a:ln w="38100">
+              <a:solidFill>
+                <a:schemeClr val="accent6"/>
+              </a:solidFill>
+            </a:ln>
+          </p:spPr>
+          <p:style>
+            <a:lnRef idx="2">
+              <a:schemeClr val="accent1">
+                <a:shade val="50000"/>
+              </a:schemeClr>
+            </a:lnRef>
+            <a:fillRef idx="1">
+              <a:schemeClr val="accent1"/>
+            </a:fillRef>
+            <a:effectRef idx="0">
+              <a:schemeClr val="accent1"/>
+            </a:effectRef>
+            <a:fontRef idx="minor">
+              <a:schemeClr val="lt1"/>
+            </a:fontRef>
+          </p:style>
+          <p:txBody>
+            <a:bodyPr rtlCol="0" anchor="ctr"/>
+            <a:lstStyle/>
+            <a:p>
+              <a:pPr algn="ctr"/>
+              <a:endParaRPr lang="zh-CN" altLang="en-US"/>
+            </a:p>
+          </p:txBody>
+        </p:sp>
+      </p:grpSp>
+      <p:pic>
+        <p:nvPicPr>
+          <p:cNvPr id="3" name="图片 2">
+            <a:extLst>
+              <a:ext uri="{FF2B5EF4-FFF2-40B4-BE49-F238E27FC236}">
+                <a16:creationId xmlns:a16="http://schemas.microsoft.com/office/drawing/2014/main" id="{6F4185D1-F6F8-40D4-A4AC-4986B2931BF6}"/>
+              </a:ext>
+            </a:extLst>
+          </p:cNvPr>
+          <p:cNvPicPr>
+            <a:picLocks noChangeAspect="1"/>
+          </p:cNvPicPr>
+          <p:nvPr/>
+        </p:nvPicPr>
+        <p:blipFill>
+          <a:blip r:embed="rId2">
+            <a:extLst>
+              <a:ext uri="{28A0092B-C50C-407E-A947-70E740481C1C}">
+                <a14:useLocalDpi xmlns:a14="http://schemas.microsoft.com/office/drawing/2010/main" val="0"/>
+              </a:ext>
+            </a:extLst>
+          </a:blip>
+          <a:stretch>
+            <a:fillRect/>
+          </a:stretch>
+        </p:blipFill>
+        <p:spPr>
+          <a:xfrm>
+            <a:off x="911130" y="492407"/>
+            <a:ext cx="9992948" cy="5216308"/>
+          </a:xfrm>
+          <a:prstGeom prst="rect">
+            <a:avLst/>
+          </a:prstGeom>
+        </p:spPr>
+      </p:pic>
+      <p:sp>
+        <p:nvSpPr>
+          <p:cNvPr id="8" name="文本框 7">
+            <a:extLst>
+              <a:ext uri="{FF2B5EF4-FFF2-40B4-BE49-F238E27FC236}">
+                <a16:creationId xmlns:a16="http://schemas.microsoft.com/office/drawing/2014/main" id="{9EF514CE-76C0-49B3-9B00-DE35DA77F969}"/>
+              </a:ext>
+            </a:extLst>
+          </p:cNvPr>
+          <p:cNvSpPr txBox="1"/>
+          <p:nvPr/>
+        </p:nvSpPr>
+        <p:spPr>
+          <a:xfrm>
+            <a:off x="4738053" y="5927228"/>
+            <a:ext cx="2339102" cy="523220"/>
+          </a:xfrm>
+          <a:prstGeom prst="rect">
+            <a:avLst/>
+          </a:prstGeom>
+          <a:noFill/>
+        </p:spPr>
+        <p:txBody>
+          <a:bodyPr wrap="none" rtlCol="0">
+            <a:spAutoFit/>
+          </a:bodyPr>
+          <a:lstStyle/>
+          <a:p>
+            <a:r>
+              <a:rPr lang="zh-CN" altLang="en-US" sz="2800" dirty="0">
+                <a:solidFill>
+                  <a:schemeClr val="bg1"/>
+                </a:solidFill>
+              </a:rPr>
+              <a:t>查询返回页面</a:t>
+            </a:r>
+          </a:p>
+        </p:txBody>
+      </p:sp>
+    </p:spTree>
+    <p:extLst>
+      <p:ext uri="{BB962C8B-B14F-4D97-AF65-F5344CB8AC3E}">
+        <p14:creationId xmlns:p14="http://schemas.microsoft.com/office/powerpoint/2010/main" val="612030360"/>
+      </p:ext>
+    </p:extLst>
+  </p:cSld>
+  <p:clrMapOvr>
+    <a:masterClrMapping/>
+  </p:clrMapOvr>
+  <p:transition spd="slow">
+    <p:wipe/>
+  </p:transition>
+</p:sld>
+</file>
+
+<file path=ppt/slides/slide23.xml><?xml version="1.0" encoding="utf-8"?>
+<p:sld xmlns:a="http://schemas.openxmlformats.org/drawingml/2006/main" xmlns:r="http://schemas.openxmlformats.org/officeDocument/2006/relationships" xmlns:p="http://schemas.openxmlformats.org/presentationml/2006/main">
+  <p:cSld>
+    <p:spTree>
+      <p:nvGrpSpPr>
+        <p:cNvPr id="1" name=""/>
+        <p:cNvGrpSpPr/>
+        <p:nvPr/>
+      </p:nvGrpSpPr>
+      <p:grpSpPr>
+        <a:xfrm>
+          <a:off x="0" y="0"/>
+          <a:ext cx="0" cy="0"/>
+          <a:chOff x="0" y="0"/>
+          <a:chExt cx="0" cy="0"/>
+        </a:xfrm>
+      </p:grpSpPr>
+      <p:grpSp>
+        <p:nvGrpSpPr>
+          <p:cNvPr id="4" name="组合 3">
+            <a:extLst>
+              <a:ext uri="{FF2B5EF4-FFF2-40B4-BE49-F238E27FC236}">
+                <a16:creationId xmlns:a16="http://schemas.microsoft.com/office/drawing/2014/main" id="{6385D73B-77D9-499F-A987-3232C4290A81}"/>
+              </a:ext>
+            </a:extLst>
+          </p:cNvPr>
+          <p:cNvGrpSpPr/>
+          <p:nvPr/>
+        </p:nvGrpSpPr>
+        <p:grpSpPr>
+          <a:xfrm>
+            <a:off x="11063181" y="0"/>
+            <a:ext cx="1128819" cy="1057472"/>
+            <a:chOff x="11063181" y="0"/>
+            <a:chExt cx="1128819" cy="1057472"/>
+          </a:xfrm>
+        </p:grpSpPr>
+        <p:sp>
+          <p:nvSpPr>
+            <p:cNvPr id="5" name="矩形 4">
+              <a:extLst>
+                <a:ext uri="{FF2B5EF4-FFF2-40B4-BE49-F238E27FC236}">
+                  <a16:creationId xmlns:a16="http://schemas.microsoft.com/office/drawing/2014/main" id="{E349EA06-DB76-47A4-ABCF-9075F8466F14}"/>
+                </a:ext>
+              </a:extLst>
+            </p:cNvPr>
+            <p:cNvSpPr/>
+            <p:nvPr/>
+          </p:nvSpPr>
+          <p:spPr>
+            <a:xfrm>
+              <a:off x="11381387" y="246204"/>
+              <a:ext cx="492407" cy="492407"/>
+            </a:xfrm>
+            <a:prstGeom prst="rect">
+              <a:avLst/>
+            </a:prstGeom>
+            <a:noFill/>
+            <a:ln w="38100">
+              <a:solidFill>
+                <a:srgbClr val="DA2B89"/>
+              </a:solidFill>
+            </a:ln>
+          </p:spPr>
+          <p:style>
+            <a:lnRef idx="2">
+              <a:schemeClr val="accent1">
+                <a:shade val="50000"/>
+              </a:schemeClr>
+            </a:lnRef>
+            <a:fillRef idx="1">
+              <a:schemeClr val="accent1"/>
+            </a:fillRef>
+            <a:effectRef idx="0">
+              <a:schemeClr val="accent1"/>
+            </a:effectRef>
+            <a:fontRef idx="minor">
+              <a:schemeClr val="lt1"/>
+            </a:fontRef>
+          </p:style>
+          <p:txBody>
+            <a:bodyPr rtlCol="0" anchor="ctr"/>
+            <a:lstStyle/>
+            <a:p>
+              <a:pPr algn="ctr"/>
+              <a:endParaRPr lang="zh-CN" altLang="en-US"/>
+            </a:p>
+          </p:txBody>
+        </p:sp>
+        <p:sp>
+          <p:nvSpPr>
+            <p:cNvPr id="6" name="矩形 5">
+              <a:extLst>
+                <a:ext uri="{FF2B5EF4-FFF2-40B4-BE49-F238E27FC236}">
+                  <a16:creationId xmlns:a16="http://schemas.microsoft.com/office/drawing/2014/main" id="{4A969DB7-D5CF-44ED-A91B-16EB83C00CFC}"/>
+                </a:ext>
+              </a:extLst>
+            </p:cNvPr>
+            <p:cNvSpPr/>
+            <p:nvPr/>
+          </p:nvSpPr>
+          <p:spPr>
+            <a:xfrm>
+              <a:off x="11699593" y="0"/>
+              <a:ext cx="492407" cy="492407"/>
+            </a:xfrm>
+            <a:prstGeom prst="rect">
+              <a:avLst/>
+            </a:prstGeom>
+            <a:noFill/>
+            <a:ln w="38100">
+              <a:solidFill>
+                <a:schemeClr val="tx2">
+                  <a:lumMod val="60000"/>
+                  <a:lumOff val="40000"/>
+                </a:schemeClr>
+              </a:solidFill>
+            </a:ln>
+          </p:spPr>
+          <p:style>
+            <a:lnRef idx="2">
+              <a:schemeClr val="accent1">
+                <a:shade val="50000"/>
+              </a:schemeClr>
+            </a:lnRef>
+            <a:fillRef idx="1">
+              <a:schemeClr val="accent1"/>
+            </a:fillRef>
+            <a:effectRef idx="0">
+              <a:schemeClr val="accent1"/>
+            </a:effectRef>
+            <a:fontRef idx="minor">
+              <a:schemeClr val="lt1"/>
+            </a:fontRef>
+          </p:style>
+          <p:txBody>
+            <a:bodyPr rtlCol="0" anchor="ctr"/>
+            <a:lstStyle/>
+            <a:p>
+              <a:pPr algn="ctr"/>
+              <a:endParaRPr lang="zh-CN" altLang="en-US"/>
+            </a:p>
+          </p:txBody>
+        </p:sp>
+        <p:sp>
+          <p:nvSpPr>
+            <p:cNvPr id="7" name="矩形 6">
+              <a:extLst>
+                <a:ext uri="{FF2B5EF4-FFF2-40B4-BE49-F238E27FC236}">
+                  <a16:creationId xmlns:a16="http://schemas.microsoft.com/office/drawing/2014/main" id="{2B7D4A3D-C861-4CCF-9FF8-EA2C44A0CB42}"/>
+                </a:ext>
+              </a:extLst>
+            </p:cNvPr>
+            <p:cNvSpPr/>
+            <p:nvPr/>
+          </p:nvSpPr>
+          <p:spPr>
+            <a:xfrm>
+              <a:off x="11063181" y="565065"/>
+              <a:ext cx="492407" cy="492407"/>
+            </a:xfrm>
+            <a:prstGeom prst="rect">
+              <a:avLst/>
+            </a:prstGeom>
+            <a:noFill/>
+            <a:ln w="38100">
+              <a:solidFill>
+                <a:schemeClr val="accent6"/>
+              </a:solidFill>
+            </a:ln>
+          </p:spPr>
+          <p:style>
+            <a:lnRef idx="2">
+              <a:schemeClr val="accent1">
+                <a:shade val="50000"/>
+              </a:schemeClr>
+            </a:lnRef>
+            <a:fillRef idx="1">
+              <a:schemeClr val="accent1"/>
+            </a:fillRef>
+            <a:effectRef idx="0">
+              <a:schemeClr val="accent1"/>
+            </a:effectRef>
+            <a:fontRef idx="minor">
+              <a:schemeClr val="lt1"/>
+            </a:fontRef>
+          </p:style>
+          <p:txBody>
+            <a:bodyPr rtlCol="0" anchor="ctr"/>
+            <a:lstStyle/>
+            <a:p>
+              <a:pPr algn="ctr"/>
+              <a:endParaRPr lang="zh-CN" altLang="en-US"/>
+            </a:p>
+          </p:txBody>
+        </p:sp>
+      </p:grpSp>
+      <p:pic>
+        <p:nvPicPr>
+          <p:cNvPr id="3" name="图片 2">
+            <a:extLst>
+              <a:ext uri="{FF2B5EF4-FFF2-40B4-BE49-F238E27FC236}">
+                <a16:creationId xmlns:a16="http://schemas.microsoft.com/office/drawing/2014/main" id="{A413DB3C-8BC1-4FDE-892D-4E54D754BB6E}"/>
+              </a:ext>
+            </a:extLst>
+          </p:cNvPr>
+          <p:cNvPicPr>
+            <a:picLocks noChangeAspect="1"/>
+          </p:cNvPicPr>
+          <p:nvPr/>
+        </p:nvPicPr>
+        <p:blipFill>
+          <a:blip r:embed="rId2">
+            <a:extLst>
+              <a:ext uri="{28A0092B-C50C-407E-A947-70E740481C1C}">
+                <a14:useLocalDpi xmlns:a14="http://schemas.microsoft.com/office/drawing/2010/main" val="0"/>
+              </a:ext>
+            </a:extLst>
+          </a:blip>
+          <a:stretch>
+            <a:fillRect/>
+          </a:stretch>
+        </p:blipFill>
+        <p:spPr>
+          <a:xfrm>
+            <a:off x="1138652" y="492407"/>
+            <a:ext cx="9606323" cy="5014491"/>
+          </a:xfrm>
+          <a:prstGeom prst="rect">
+            <a:avLst/>
+          </a:prstGeom>
+        </p:spPr>
+      </p:pic>
+      <p:sp>
+        <p:nvSpPr>
+          <p:cNvPr id="9" name="文本框 8">
+            <a:extLst>
+              <a:ext uri="{FF2B5EF4-FFF2-40B4-BE49-F238E27FC236}">
+                <a16:creationId xmlns:a16="http://schemas.microsoft.com/office/drawing/2014/main" id="{C001C1D1-FC69-42EB-98E9-4EB09F9C6880}"/>
+              </a:ext>
+            </a:extLst>
+          </p:cNvPr>
+          <p:cNvSpPr txBox="1"/>
+          <p:nvPr/>
+        </p:nvSpPr>
+        <p:spPr>
+          <a:xfrm>
+            <a:off x="4738053" y="5927228"/>
+            <a:ext cx="2339102" cy="523220"/>
+          </a:xfrm>
+          <a:prstGeom prst="rect">
+            <a:avLst/>
+          </a:prstGeom>
+          <a:noFill/>
+        </p:spPr>
+        <p:txBody>
+          <a:bodyPr wrap="none" rtlCol="0">
+            <a:spAutoFit/>
+          </a:bodyPr>
+          <a:lstStyle/>
+          <a:p>
+            <a:r>
+              <a:rPr lang="zh-CN" altLang="en-US" sz="2800" dirty="0">
+                <a:solidFill>
+                  <a:schemeClr val="bg1"/>
+                </a:solidFill>
+              </a:rPr>
+              <a:t>旅游推荐页面</a:t>
+            </a:r>
+          </a:p>
+        </p:txBody>
+      </p:sp>
+    </p:spTree>
+    <p:extLst>
+      <p:ext uri="{BB962C8B-B14F-4D97-AF65-F5344CB8AC3E}">
+        <p14:creationId xmlns:p14="http://schemas.microsoft.com/office/powerpoint/2010/main" val="3312619657"/>
+      </p:ext>
+    </p:extLst>
+  </p:cSld>
+  <p:clrMapOvr>
+    <a:masterClrMapping/>
+  </p:clrMapOvr>
+  <p:transition spd="slow">
+    <p:wipe/>
+  </p:transition>
+</p:sld>
+</file>
+
+<file path=ppt/slides/slide24.xml><?xml version="1.0" encoding="utf-8"?>
 <p:sld xmlns:a="http://schemas.openxmlformats.org/drawingml/2006/main" xmlns:r="http://schemas.openxmlformats.org/officeDocument/2006/relationships" xmlns:p="http://schemas.openxmlformats.org/presentationml/2006/main">
   <p:cSld>
     <p:spTree>
@@ -6014,7 +10487,7 @@
     </p:spTree>
     <p:extLst>
       <p:ext uri="{BB962C8B-B14F-4D97-AF65-F5344CB8AC3E}">
-        <p14:creationId xmlns:p14="http://schemas.microsoft.com/office/powerpoint/2010/main" val="2863641257"/>
+        <p14:creationId xmlns:p14="http://schemas.microsoft.com/office/powerpoint/2010/main" val="1560857997"/>
       </p:ext>
     </p:extLst>
   </p:cSld>
@@ -6027,7 +10500,7 @@
 </p:sld>
 </file>
 
-<file path=ppt/slides/slide2.xml><?xml version="1.0" encoding="utf-8"?>
+<file path=ppt/slides/slide25.xml><?xml version="1.0" encoding="utf-8"?>
 <p:sld xmlns:a="http://schemas.openxmlformats.org/drawingml/2006/main" xmlns:r="http://schemas.openxmlformats.org/officeDocument/2006/relationships" xmlns:p="http://schemas.openxmlformats.org/presentationml/2006/main">
   <p:cSld>
     <p:spTree>
@@ -6044,16 +10517,40 @@
           <a:chExt cx="0" cy="0"/>
         </a:xfrm>
       </p:grpSpPr>
+      <p:pic>
+        <p:nvPicPr>
+          <p:cNvPr id="2" name="图片 1"/>
+          <p:cNvPicPr>
+            <a:picLocks noChangeAspect="1"/>
+          </p:cNvPicPr>
+          <p:nvPr/>
+        </p:nvPicPr>
+        <p:blipFill>
+          <a:blip r:embed="rId3"/>
+          <a:stretch>
+            <a:fillRect/>
+          </a:stretch>
+        </p:blipFill>
+        <p:spPr>
+          <a:xfrm>
+            <a:off x="1897810" y="1339676"/>
+            <a:ext cx="3726503" cy="3787468"/>
+          </a:xfrm>
+          <a:prstGeom prst="rect">
+            <a:avLst/>
+          </a:prstGeom>
+        </p:spPr>
+      </p:pic>
       <p:sp>
         <p:nvSpPr>
-          <p:cNvPr id="6" name="文本框 5"/>
+          <p:cNvPr id="4" name="文本框 3"/>
           <p:cNvSpPr txBox="1"/>
           <p:nvPr/>
         </p:nvSpPr>
         <p:spPr>
           <a:xfrm>
-            <a:off x="4073149" y="1844601"/>
-            <a:ext cx="7705584" cy="3477875"/>
+            <a:off x="741871" y="543465"/>
+            <a:ext cx="1620957" cy="523220"/>
           </a:xfrm>
           <a:prstGeom prst="rect">
             <a:avLst/>
@@ -6061,72 +10558,209 @@
           <a:noFill/>
         </p:spPr>
         <p:txBody>
-          <a:bodyPr wrap="square" rtlCol="0">
+          <a:bodyPr wrap="none" rtlCol="0">
             <a:spAutoFit/>
           </a:bodyPr>
           <a:lstStyle/>
           <a:p>
             <a:r>
-              <a:rPr lang="en-US" altLang="zh-CN" sz="8800" b="1" dirty="0">
+              <a:rPr lang="zh-CN" altLang="en-US" sz="2800" dirty="0">
                 <a:solidFill>
                   <a:schemeClr val="bg1"/>
                 </a:solidFill>
               </a:rPr>
-              <a:t>Part one</a:t>
-            </a:r>
-          </a:p>
-          <a:p>
-            <a:r>
-              <a:rPr lang="zh-CN" altLang="en-US" sz="6600" b="1" dirty="0">
+              <a:t>登陆测试</a:t>
+            </a:r>
+          </a:p>
+        </p:txBody>
+      </p:sp>
+      <p:sp>
+        <p:nvSpPr>
+          <p:cNvPr id="8" name="文本框 7"/>
+          <p:cNvSpPr txBox="1"/>
+          <p:nvPr/>
+        </p:nvSpPr>
+        <p:spPr>
+          <a:xfrm>
+            <a:off x="1897810" y="5305245"/>
+            <a:ext cx="3318537" cy="646331"/>
+          </a:xfrm>
+          <a:prstGeom prst="rect">
+            <a:avLst/>
+          </a:prstGeom>
+          <a:noFill/>
+        </p:spPr>
+        <p:txBody>
+          <a:bodyPr wrap="none" rtlCol="0">
+            <a:spAutoFit/>
+          </a:bodyPr>
+          <a:lstStyle/>
+          <a:p>
+            <a:r>
+              <a:rPr lang="zh-CN" altLang="en-US" dirty="0">
                 <a:solidFill>
                   <a:schemeClr val="bg1"/>
                 </a:solidFill>
               </a:rPr>
-              <a:t>需求分析</a:t>
-            </a:r>
-            <a:endParaRPr lang="en-US" altLang="zh-CN" sz="6600" b="1" dirty="0">
-              <a:solidFill>
-                <a:schemeClr val="bg1"/>
-              </a:solidFill>
-            </a:endParaRPr>
-          </a:p>
-          <a:p>
-            <a:r>
-              <a:rPr lang="en-US" altLang="zh-CN" sz="6600" b="1" dirty="0">
+              <a:t>输入用户名</a:t>
+            </a:r>
+            <a:r>
+              <a:rPr lang="en-US" altLang="zh-CN" dirty="0">
                 <a:solidFill>
                   <a:schemeClr val="bg1"/>
                 </a:solidFill>
               </a:rPr>
-              <a:t>&amp;</a:t>
-            </a:r>
-            <a:r>
-              <a:rPr lang="zh-CN" altLang="en-US" sz="6600" b="1" dirty="0">
+              <a:t>123456</a:t>
+            </a:r>
+            <a:r>
+              <a:rPr lang="zh-CN" altLang="en-US" dirty="0">
                 <a:solidFill>
                   <a:schemeClr val="bg1"/>
                 </a:solidFill>
               </a:rPr>
-              <a:t>项目计划书</a:t>
+              <a:t>，密码</a:t>
+            </a:r>
+            <a:r>
+              <a:rPr lang="en-US" altLang="zh-CN" dirty="0">
+                <a:solidFill>
+                  <a:schemeClr val="bg1"/>
+                </a:solidFill>
+              </a:rPr>
+              <a:t>12346</a:t>
+            </a:r>
+          </a:p>
+          <a:p>
+            <a:r>
+              <a:rPr lang="zh-CN" altLang="en-US" dirty="0">
+                <a:solidFill>
+                  <a:schemeClr val="bg1"/>
+                </a:solidFill>
+              </a:rPr>
+              <a:t>正确登陆</a:t>
+            </a:r>
+          </a:p>
+        </p:txBody>
+      </p:sp>
+      <p:pic>
+        <p:nvPicPr>
+          <p:cNvPr id="9" name="图片 8"/>
+          <p:cNvPicPr>
+            <a:picLocks noChangeAspect="1"/>
+          </p:cNvPicPr>
+          <p:nvPr/>
+        </p:nvPicPr>
+        <p:blipFill>
+          <a:blip r:embed="rId4"/>
+          <a:stretch>
+            <a:fillRect/>
+          </a:stretch>
+        </p:blipFill>
+        <p:spPr>
+          <a:xfrm>
+            <a:off x="6657564" y="1339676"/>
+            <a:ext cx="3673158" cy="3528366"/>
+          </a:xfrm>
+          <a:prstGeom prst="rect">
+            <a:avLst/>
+          </a:prstGeom>
+        </p:spPr>
+      </p:pic>
+      <p:sp>
+        <p:nvSpPr>
+          <p:cNvPr id="10" name="文本框 9"/>
+          <p:cNvSpPr txBox="1"/>
+          <p:nvPr/>
+        </p:nvSpPr>
+        <p:spPr>
+          <a:xfrm>
+            <a:off x="6657564" y="5305244"/>
+            <a:ext cx="3435556" cy="646331"/>
+          </a:xfrm>
+          <a:prstGeom prst="rect">
+            <a:avLst/>
+          </a:prstGeom>
+          <a:noFill/>
+        </p:spPr>
+        <p:txBody>
+          <a:bodyPr wrap="none" rtlCol="0">
+            <a:spAutoFit/>
+          </a:bodyPr>
+          <a:lstStyle/>
+          <a:p>
+            <a:r>
+              <a:rPr lang="zh-CN" altLang="en-US" dirty="0">
+                <a:solidFill>
+                  <a:schemeClr val="bg1"/>
+                </a:solidFill>
+              </a:rPr>
+              <a:t>输入用户名</a:t>
+            </a:r>
+            <a:r>
+              <a:rPr lang="en-US" altLang="zh-CN" dirty="0">
+                <a:solidFill>
+                  <a:schemeClr val="bg1"/>
+                </a:solidFill>
+              </a:rPr>
+              <a:t>1234567</a:t>
+            </a:r>
+            <a:r>
+              <a:rPr lang="zh-CN" altLang="en-US" dirty="0">
+                <a:solidFill>
+                  <a:schemeClr val="bg1"/>
+                </a:solidFill>
+              </a:rPr>
+              <a:t>，密码</a:t>
+            </a:r>
+            <a:r>
+              <a:rPr lang="en-US" altLang="zh-CN" dirty="0">
+                <a:solidFill>
+                  <a:schemeClr val="bg1"/>
+                </a:solidFill>
+              </a:rPr>
+              <a:t>12346</a:t>
+            </a:r>
+          </a:p>
+          <a:p>
+            <a:r>
+              <a:rPr lang="zh-CN" altLang="en-US" dirty="0">
+                <a:solidFill>
+                  <a:schemeClr val="bg1"/>
+                </a:solidFill>
+              </a:rPr>
+              <a:t>登陆失败</a:t>
             </a:r>
           </a:p>
         </p:txBody>
       </p:sp>
       <p:grpSp>
         <p:nvGrpSpPr>
-          <p:cNvPr id="7" name="组合 6"/>
+          <p:cNvPr id="7" name="组合 6">
+            <a:extLst>
+              <a:ext uri="{FF2B5EF4-FFF2-40B4-BE49-F238E27FC236}">
+                <a16:creationId xmlns:a16="http://schemas.microsoft.com/office/drawing/2014/main" id="{06F99315-4059-4274-9AD1-42AD1208A792}"/>
+              </a:ext>
+            </a:extLst>
+          </p:cNvPr>
           <p:cNvGrpSpPr/>
           <p:nvPr/>
         </p:nvGrpSpPr>
         <p:grpSpPr>
-          <a:xfrm rot="18969064">
-            <a:off x="2512582" y="2477952"/>
-            <a:ext cx="1424079" cy="1432678"/>
-            <a:chOff x="11063181" y="-389332"/>
-            <a:chExt cx="1438119" cy="1446804"/>
+          <a:xfrm>
+            <a:off x="11063181" y="0"/>
+            <a:ext cx="1128819" cy="1057472"/>
+            <a:chOff x="11063181" y="0"/>
+            <a:chExt cx="1128819" cy="1057472"/>
           </a:xfrm>
         </p:grpSpPr>
         <p:sp>
           <p:nvSpPr>
-            <p:cNvPr id="8" name="矩形 7"/>
+            <p:cNvPr id="11" name="矩形 10">
+              <a:extLst>
+                <a:ext uri="{FF2B5EF4-FFF2-40B4-BE49-F238E27FC236}">
+                  <a16:creationId xmlns:a16="http://schemas.microsoft.com/office/drawing/2014/main" id="{FD83D31F-2F7A-4A3D-9F5D-F9C2976EE874}"/>
+                </a:ext>
+              </a:extLst>
+            </p:cNvPr>
             <p:cNvSpPr/>
             <p:nvPr/>
           </p:nvSpPr>
@@ -6141,7 +10775,7 @@
             <a:noFill/>
             <a:ln w="38100">
               <a:solidFill>
-                <a:schemeClr val="accent3"/>
+                <a:srgbClr val="DA2B89"/>
               </a:solidFill>
             </a:ln>
           </p:spPr>
@@ -6172,13 +10806,19 @@
         </p:sp>
         <p:sp>
           <p:nvSpPr>
-            <p:cNvPr id="9" name="矩形 8"/>
+            <p:cNvPr id="12" name="矩形 11">
+              <a:extLst>
+                <a:ext uri="{FF2B5EF4-FFF2-40B4-BE49-F238E27FC236}">
+                  <a16:creationId xmlns:a16="http://schemas.microsoft.com/office/drawing/2014/main" id="{382AB4BE-702A-4721-937D-D160F1E87D5D}"/>
+                </a:ext>
+              </a:extLst>
+            </p:cNvPr>
             <p:cNvSpPr/>
             <p:nvPr/>
           </p:nvSpPr>
           <p:spPr>
             <a:xfrm>
-              <a:off x="11698526" y="-62392"/>
+              <a:off x="11699593" y="0"/>
               <a:ext cx="492407" cy="492407"/>
             </a:xfrm>
             <a:prstGeom prst="rect">
@@ -6221,59 +10861,19 @@
         </p:sp>
         <p:sp>
           <p:nvSpPr>
-            <p:cNvPr id="10" name="矩形 9"/>
+            <p:cNvPr id="13" name="矩形 12">
+              <a:extLst>
+                <a:ext uri="{FF2B5EF4-FFF2-40B4-BE49-F238E27FC236}">
+                  <a16:creationId xmlns:a16="http://schemas.microsoft.com/office/drawing/2014/main" id="{688B727E-D147-46A2-9E8A-1E9AD5FC93E1}"/>
+                </a:ext>
+              </a:extLst>
+            </p:cNvPr>
             <p:cNvSpPr/>
             <p:nvPr/>
           </p:nvSpPr>
           <p:spPr>
             <a:xfrm>
               <a:off x="11063181" y="565065"/>
-              <a:ext cx="492407" cy="492407"/>
-            </a:xfrm>
-            <a:prstGeom prst="rect">
-              <a:avLst/>
-            </a:prstGeom>
-            <a:noFill/>
-            <a:ln w="38100">
-              <a:solidFill>
-                <a:schemeClr val="accent4"/>
-              </a:solidFill>
-            </a:ln>
-          </p:spPr>
-          <p:style>
-            <a:lnRef idx="2">
-              <a:schemeClr val="accent1">
-                <a:shade val="50000"/>
-              </a:schemeClr>
-            </a:lnRef>
-            <a:fillRef idx="1">
-              <a:schemeClr val="accent1"/>
-            </a:fillRef>
-            <a:effectRef idx="0">
-              <a:schemeClr val="accent1"/>
-            </a:effectRef>
-            <a:fontRef idx="minor">
-              <a:schemeClr val="lt1"/>
-            </a:fontRef>
-          </p:style>
-          <p:txBody>
-            <a:bodyPr rtlCol="0" anchor="ctr"/>
-            <a:lstStyle/>
-            <a:p>
-              <a:pPr algn="ctr"/>
-              <a:endParaRPr lang="zh-CN" altLang="en-US"/>
-            </a:p>
-          </p:txBody>
-        </p:sp>
-        <p:sp>
-          <p:nvSpPr>
-            <p:cNvPr id="11" name="矩形 10"/>
-            <p:cNvSpPr/>
-            <p:nvPr/>
-          </p:nvSpPr>
-          <p:spPr>
-            <a:xfrm>
-              <a:off x="12008893" y="-389332"/>
               <a:ext cx="492407" cy="492407"/>
             </a:xfrm>
             <a:prstGeom prst="rect">
@@ -6315,7 +10915,393 @@
     </p:spTree>
     <p:extLst>
       <p:ext uri="{BB962C8B-B14F-4D97-AF65-F5344CB8AC3E}">
-        <p14:creationId xmlns:p14="http://schemas.microsoft.com/office/powerpoint/2010/main" val="388203165"/>
+        <p14:creationId xmlns:p14="http://schemas.microsoft.com/office/powerpoint/2010/main" val="2885042872"/>
+      </p:ext>
+    </p:extLst>
+  </p:cSld>
+  <p:clrMapOvr>
+    <a:masterClrMapping/>
+  </p:clrMapOvr>
+  <p:transition spd="slow">
+    <p:wipe/>
+  </p:transition>
+</p:sld>
+</file>
+
+<file path=ppt/slides/slide26.xml><?xml version="1.0" encoding="utf-8"?>
+<p:sld xmlns:a="http://schemas.openxmlformats.org/drawingml/2006/main" xmlns:r="http://schemas.openxmlformats.org/officeDocument/2006/relationships" xmlns:p="http://schemas.openxmlformats.org/presentationml/2006/main">
+  <p:cSld>
+    <p:spTree>
+      <p:nvGrpSpPr>
+        <p:cNvPr id="1" name=""/>
+        <p:cNvGrpSpPr/>
+        <p:nvPr/>
+      </p:nvGrpSpPr>
+      <p:grpSpPr>
+        <a:xfrm>
+          <a:off x="0" y="0"/>
+          <a:ext cx="0" cy="0"/>
+          <a:chOff x="0" y="0"/>
+          <a:chExt cx="0" cy="0"/>
+        </a:xfrm>
+      </p:grpSpPr>
+      <p:sp>
+        <p:nvSpPr>
+          <p:cNvPr id="2" name="文本框 1"/>
+          <p:cNvSpPr txBox="1"/>
+          <p:nvPr/>
+        </p:nvSpPr>
+        <p:spPr>
+          <a:xfrm>
+            <a:off x="741871" y="543465"/>
+            <a:ext cx="2178802" cy="523220"/>
+          </a:xfrm>
+          <a:prstGeom prst="rect">
+            <a:avLst/>
+          </a:prstGeom>
+          <a:noFill/>
+        </p:spPr>
+        <p:txBody>
+          <a:bodyPr wrap="none" rtlCol="0">
+            <a:spAutoFit/>
+          </a:bodyPr>
+          <a:lstStyle/>
+          <a:p>
+            <a:r>
+              <a:rPr lang="en-US" altLang="zh-CN" sz="2800" dirty="0">
+                <a:solidFill>
+                  <a:schemeClr val="bg1"/>
+                </a:solidFill>
+              </a:rPr>
+              <a:t>SQL</a:t>
+            </a:r>
+            <a:r>
+              <a:rPr lang="zh-CN" altLang="en-US" sz="2800" dirty="0">
+                <a:solidFill>
+                  <a:schemeClr val="bg1"/>
+                </a:solidFill>
+              </a:rPr>
+              <a:t>注入测试</a:t>
+            </a:r>
+          </a:p>
+        </p:txBody>
+      </p:sp>
+      <p:sp>
+        <p:nvSpPr>
+          <p:cNvPr id="4" name="文本框 3"/>
+          <p:cNvSpPr txBox="1"/>
+          <p:nvPr/>
+        </p:nvSpPr>
+        <p:spPr>
+          <a:xfrm>
+            <a:off x="1769257" y="5366153"/>
+            <a:ext cx="2492990" cy="646331"/>
+          </a:xfrm>
+          <a:prstGeom prst="rect">
+            <a:avLst/>
+          </a:prstGeom>
+          <a:noFill/>
+        </p:spPr>
+        <p:txBody>
+          <a:bodyPr wrap="none" rtlCol="0">
+            <a:spAutoFit/>
+          </a:bodyPr>
+          <a:lstStyle/>
+          <a:p>
+            <a:r>
+              <a:rPr lang="zh-CN" altLang="en-US" dirty="0">
+                <a:solidFill>
+                  <a:schemeClr val="bg1"/>
+                </a:solidFill>
+              </a:rPr>
+              <a:t>输入用户名：</a:t>
+            </a:r>
+            <a:r>
+              <a:rPr lang="en-US" altLang="zh-CN" dirty="0">
+                <a:solidFill>
+                  <a:schemeClr val="bg1"/>
+                </a:solidFill>
+              </a:rPr>
+              <a:t>’ or 1=1—</a:t>
+            </a:r>
+          </a:p>
+          <a:p>
+            <a:r>
+              <a:rPr lang="zh-CN" altLang="en-US" dirty="0">
+                <a:solidFill>
+                  <a:schemeClr val="bg1"/>
+                </a:solidFill>
+              </a:rPr>
+              <a:t>密码随便输入，测试</a:t>
+            </a:r>
+          </a:p>
+        </p:txBody>
+      </p:sp>
+      <p:pic>
+        <p:nvPicPr>
+          <p:cNvPr id="5" name="图片 4"/>
+          <p:cNvPicPr>
+            <a:picLocks noChangeAspect="1"/>
+          </p:cNvPicPr>
+          <p:nvPr/>
+        </p:nvPicPr>
+        <p:blipFill>
+          <a:blip r:embed="rId2"/>
+          <a:stretch>
+            <a:fillRect/>
+          </a:stretch>
+        </p:blipFill>
+        <p:spPr>
+          <a:xfrm>
+            <a:off x="843864" y="1413857"/>
+            <a:ext cx="4343776" cy="3635055"/>
+          </a:xfrm>
+          <a:prstGeom prst="rect">
+            <a:avLst/>
+          </a:prstGeom>
+        </p:spPr>
+      </p:pic>
+      <p:pic>
+        <p:nvPicPr>
+          <p:cNvPr id="6" name="图片 5"/>
+          <p:cNvPicPr>
+            <a:picLocks noChangeAspect="1"/>
+          </p:cNvPicPr>
+          <p:nvPr/>
+        </p:nvPicPr>
+        <p:blipFill>
+          <a:blip r:embed="rId3"/>
+          <a:stretch>
+            <a:fillRect/>
+          </a:stretch>
+        </p:blipFill>
+        <p:spPr>
+          <a:xfrm>
+            <a:off x="7240408" y="1413857"/>
+            <a:ext cx="4008467" cy="3581710"/>
+          </a:xfrm>
+          <a:prstGeom prst="rect">
+            <a:avLst/>
+          </a:prstGeom>
+        </p:spPr>
+      </p:pic>
+      <p:sp>
+        <p:nvSpPr>
+          <p:cNvPr id="7" name="文本框 6"/>
+          <p:cNvSpPr txBox="1"/>
+          <p:nvPr/>
+        </p:nvSpPr>
+        <p:spPr>
+          <a:xfrm>
+            <a:off x="7899763" y="5366153"/>
+            <a:ext cx="2262158" cy="369332"/>
+          </a:xfrm>
+          <a:prstGeom prst="rect">
+            <a:avLst/>
+          </a:prstGeom>
+          <a:noFill/>
+        </p:spPr>
+        <p:txBody>
+          <a:bodyPr wrap="none" rtlCol="0">
+            <a:spAutoFit/>
+          </a:bodyPr>
+          <a:lstStyle/>
+          <a:p>
+            <a:r>
+              <a:rPr lang="zh-CN" altLang="en-US" dirty="0">
+                <a:solidFill>
+                  <a:schemeClr val="bg1"/>
+                </a:solidFill>
+              </a:rPr>
+              <a:t>登陆失败，测试成功</a:t>
+            </a:r>
+          </a:p>
+        </p:txBody>
+      </p:sp>
+      <p:grpSp>
+        <p:nvGrpSpPr>
+          <p:cNvPr id="8" name="组合 7">
+            <a:extLst>
+              <a:ext uri="{FF2B5EF4-FFF2-40B4-BE49-F238E27FC236}">
+                <a16:creationId xmlns:a16="http://schemas.microsoft.com/office/drawing/2014/main" id="{82C67927-6D6B-4336-86EE-8809A5E34C4B}"/>
+              </a:ext>
+            </a:extLst>
+          </p:cNvPr>
+          <p:cNvGrpSpPr/>
+          <p:nvPr/>
+        </p:nvGrpSpPr>
+        <p:grpSpPr>
+          <a:xfrm>
+            <a:off x="11063181" y="0"/>
+            <a:ext cx="1128819" cy="1057472"/>
+            <a:chOff x="11063181" y="0"/>
+            <a:chExt cx="1128819" cy="1057472"/>
+          </a:xfrm>
+        </p:grpSpPr>
+        <p:sp>
+          <p:nvSpPr>
+            <p:cNvPr id="9" name="矩形 8">
+              <a:extLst>
+                <a:ext uri="{FF2B5EF4-FFF2-40B4-BE49-F238E27FC236}">
+                  <a16:creationId xmlns:a16="http://schemas.microsoft.com/office/drawing/2014/main" id="{8F8CD972-D81D-4120-8ABC-5C373E26D903}"/>
+                </a:ext>
+              </a:extLst>
+            </p:cNvPr>
+            <p:cNvSpPr/>
+            <p:nvPr/>
+          </p:nvSpPr>
+          <p:spPr>
+            <a:xfrm>
+              <a:off x="11381387" y="246204"/>
+              <a:ext cx="492407" cy="492407"/>
+            </a:xfrm>
+            <a:prstGeom prst="rect">
+              <a:avLst/>
+            </a:prstGeom>
+            <a:noFill/>
+            <a:ln w="38100">
+              <a:solidFill>
+                <a:srgbClr val="DA2B89"/>
+              </a:solidFill>
+            </a:ln>
+          </p:spPr>
+          <p:style>
+            <a:lnRef idx="2">
+              <a:schemeClr val="accent1">
+                <a:shade val="50000"/>
+              </a:schemeClr>
+            </a:lnRef>
+            <a:fillRef idx="1">
+              <a:schemeClr val="accent1"/>
+            </a:fillRef>
+            <a:effectRef idx="0">
+              <a:schemeClr val="accent1"/>
+            </a:effectRef>
+            <a:fontRef idx="minor">
+              <a:schemeClr val="lt1"/>
+            </a:fontRef>
+          </p:style>
+          <p:txBody>
+            <a:bodyPr rtlCol="0" anchor="ctr"/>
+            <a:lstStyle/>
+            <a:p>
+              <a:pPr algn="ctr"/>
+              <a:endParaRPr lang="zh-CN" altLang="en-US"/>
+            </a:p>
+          </p:txBody>
+        </p:sp>
+        <p:sp>
+          <p:nvSpPr>
+            <p:cNvPr id="10" name="矩形 9">
+              <a:extLst>
+                <a:ext uri="{FF2B5EF4-FFF2-40B4-BE49-F238E27FC236}">
+                  <a16:creationId xmlns:a16="http://schemas.microsoft.com/office/drawing/2014/main" id="{08F0CD1D-459C-4736-A5DC-5AB95750BCB9}"/>
+                </a:ext>
+              </a:extLst>
+            </p:cNvPr>
+            <p:cNvSpPr/>
+            <p:nvPr/>
+          </p:nvSpPr>
+          <p:spPr>
+            <a:xfrm>
+              <a:off x="11699593" y="0"/>
+              <a:ext cx="492407" cy="492407"/>
+            </a:xfrm>
+            <a:prstGeom prst="rect">
+              <a:avLst/>
+            </a:prstGeom>
+            <a:noFill/>
+            <a:ln w="38100">
+              <a:solidFill>
+                <a:schemeClr val="tx2">
+                  <a:lumMod val="60000"/>
+                  <a:lumOff val="40000"/>
+                </a:schemeClr>
+              </a:solidFill>
+            </a:ln>
+          </p:spPr>
+          <p:style>
+            <a:lnRef idx="2">
+              <a:schemeClr val="accent1">
+                <a:shade val="50000"/>
+              </a:schemeClr>
+            </a:lnRef>
+            <a:fillRef idx="1">
+              <a:schemeClr val="accent1"/>
+            </a:fillRef>
+            <a:effectRef idx="0">
+              <a:schemeClr val="accent1"/>
+            </a:effectRef>
+            <a:fontRef idx="minor">
+              <a:schemeClr val="lt1"/>
+            </a:fontRef>
+          </p:style>
+          <p:txBody>
+            <a:bodyPr rtlCol="0" anchor="ctr"/>
+            <a:lstStyle/>
+            <a:p>
+              <a:pPr algn="ctr"/>
+              <a:endParaRPr lang="zh-CN" altLang="en-US"/>
+            </a:p>
+          </p:txBody>
+        </p:sp>
+        <p:sp>
+          <p:nvSpPr>
+            <p:cNvPr id="11" name="矩形 10">
+              <a:extLst>
+                <a:ext uri="{FF2B5EF4-FFF2-40B4-BE49-F238E27FC236}">
+                  <a16:creationId xmlns:a16="http://schemas.microsoft.com/office/drawing/2014/main" id="{A5FCD67A-E832-4F8B-8E62-48119797D48F}"/>
+                </a:ext>
+              </a:extLst>
+            </p:cNvPr>
+            <p:cNvSpPr/>
+            <p:nvPr/>
+          </p:nvSpPr>
+          <p:spPr>
+            <a:xfrm>
+              <a:off x="11063181" y="565065"/>
+              <a:ext cx="492407" cy="492407"/>
+            </a:xfrm>
+            <a:prstGeom prst="rect">
+              <a:avLst/>
+            </a:prstGeom>
+            <a:noFill/>
+            <a:ln w="38100">
+              <a:solidFill>
+                <a:schemeClr val="accent6"/>
+              </a:solidFill>
+            </a:ln>
+          </p:spPr>
+          <p:style>
+            <a:lnRef idx="2">
+              <a:schemeClr val="accent1">
+                <a:shade val="50000"/>
+              </a:schemeClr>
+            </a:lnRef>
+            <a:fillRef idx="1">
+              <a:schemeClr val="accent1"/>
+            </a:fillRef>
+            <a:effectRef idx="0">
+              <a:schemeClr val="accent1"/>
+            </a:effectRef>
+            <a:fontRef idx="minor">
+              <a:schemeClr val="lt1"/>
+            </a:fontRef>
+          </p:style>
+          <p:txBody>
+            <a:bodyPr rtlCol="0" anchor="ctr"/>
+            <a:lstStyle/>
+            <a:p>
+              <a:pPr algn="ctr"/>
+              <a:endParaRPr lang="zh-CN" altLang="en-US"/>
+            </a:p>
+          </p:txBody>
+        </p:sp>
+      </p:grpSp>
+    </p:spTree>
+    <p:extLst>
+      <p:ext uri="{BB962C8B-B14F-4D97-AF65-F5344CB8AC3E}">
+        <p14:creationId xmlns:p14="http://schemas.microsoft.com/office/powerpoint/2010/main" val="830142053"/>
       </p:ext>
     </p:extLst>
   </p:cSld>
@@ -6329,6 +11315,412 @@
 </file>
 
 <file path=ppt/slides/slide3.xml><?xml version="1.0" encoding="utf-8"?>
+<p:sld xmlns:a="http://schemas.openxmlformats.org/drawingml/2006/main" xmlns:r="http://schemas.openxmlformats.org/officeDocument/2006/relationships" xmlns:p="http://schemas.openxmlformats.org/presentationml/2006/main">
+  <p:cSld>
+    <p:spTree>
+      <p:nvGrpSpPr>
+        <p:cNvPr id="1" name=""/>
+        <p:cNvGrpSpPr/>
+        <p:nvPr/>
+      </p:nvGrpSpPr>
+      <p:grpSpPr>
+        <a:xfrm>
+          <a:off x="0" y="0"/>
+          <a:ext cx="0" cy="0"/>
+          <a:chOff x="0" y="0"/>
+          <a:chExt cx="0" cy="0"/>
+        </a:xfrm>
+      </p:grpSpPr>
+      <p:grpSp>
+        <p:nvGrpSpPr>
+          <p:cNvPr id="3" name="组合 2">
+            <a:extLst>
+              <a:ext uri="{FF2B5EF4-FFF2-40B4-BE49-F238E27FC236}">
+                <a16:creationId xmlns:a16="http://schemas.microsoft.com/office/drawing/2014/main" id="{EA6E35F7-0252-4DF2-9775-2A90208D2F12}"/>
+              </a:ext>
+            </a:extLst>
+          </p:cNvPr>
+          <p:cNvGrpSpPr/>
+          <p:nvPr/>
+        </p:nvGrpSpPr>
+        <p:grpSpPr>
+          <a:xfrm>
+            <a:off x="11063181" y="0"/>
+            <a:ext cx="1128819" cy="1057472"/>
+            <a:chOff x="11063181" y="0"/>
+            <a:chExt cx="1128819" cy="1057472"/>
+          </a:xfrm>
+        </p:grpSpPr>
+        <p:sp>
+          <p:nvSpPr>
+            <p:cNvPr id="4" name="矩形 3">
+              <a:extLst>
+                <a:ext uri="{FF2B5EF4-FFF2-40B4-BE49-F238E27FC236}">
+                  <a16:creationId xmlns:a16="http://schemas.microsoft.com/office/drawing/2014/main" id="{6FFA0F5B-55F9-4FBC-AF1C-FFE874CD958C}"/>
+                </a:ext>
+              </a:extLst>
+            </p:cNvPr>
+            <p:cNvSpPr/>
+            <p:nvPr/>
+          </p:nvSpPr>
+          <p:spPr>
+            <a:xfrm>
+              <a:off x="11381387" y="246204"/>
+              <a:ext cx="492407" cy="492407"/>
+            </a:xfrm>
+            <a:prstGeom prst="rect">
+              <a:avLst/>
+            </a:prstGeom>
+            <a:noFill/>
+            <a:ln w="38100">
+              <a:solidFill>
+                <a:srgbClr val="DA2B89"/>
+              </a:solidFill>
+            </a:ln>
+          </p:spPr>
+          <p:style>
+            <a:lnRef idx="2">
+              <a:schemeClr val="accent1">
+                <a:shade val="50000"/>
+              </a:schemeClr>
+            </a:lnRef>
+            <a:fillRef idx="1">
+              <a:schemeClr val="accent1"/>
+            </a:fillRef>
+            <a:effectRef idx="0">
+              <a:schemeClr val="accent1"/>
+            </a:effectRef>
+            <a:fontRef idx="minor">
+              <a:schemeClr val="lt1"/>
+            </a:fontRef>
+          </p:style>
+          <p:txBody>
+            <a:bodyPr rtlCol="0" anchor="ctr"/>
+            <a:lstStyle/>
+            <a:p>
+              <a:pPr algn="ctr"/>
+              <a:endParaRPr lang="zh-CN" altLang="en-US"/>
+            </a:p>
+          </p:txBody>
+        </p:sp>
+        <p:sp>
+          <p:nvSpPr>
+            <p:cNvPr id="5" name="矩形 4">
+              <a:extLst>
+                <a:ext uri="{FF2B5EF4-FFF2-40B4-BE49-F238E27FC236}">
+                  <a16:creationId xmlns:a16="http://schemas.microsoft.com/office/drawing/2014/main" id="{3651134D-1878-4359-AFE4-C73D9E5E08DB}"/>
+                </a:ext>
+              </a:extLst>
+            </p:cNvPr>
+            <p:cNvSpPr/>
+            <p:nvPr/>
+          </p:nvSpPr>
+          <p:spPr>
+            <a:xfrm>
+              <a:off x="11699593" y="0"/>
+              <a:ext cx="492407" cy="492407"/>
+            </a:xfrm>
+            <a:prstGeom prst="rect">
+              <a:avLst/>
+            </a:prstGeom>
+            <a:noFill/>
+            <a:ln w="38100">
+              <a:solidFill>
+                <a:schemeClr val="tx2">
+                  <a:lumMod val="60000"/>
+                  <a:lumOff val="40000"/>
+                </a:schemeClr>
+              </a:solidFill>
+            </a:ln>
+          </p:spPr>
+          <p:style>
+            <a:lnRef idx="2">
+              <a:schemeClr val="accent1">
+                <a:shade val="50000"/>
+              </a:schemeClr>
+            </a:lnRef>
+            <a:fillRef idx="1">
+              <a:schemeClr val="accent1"/>
+            </a:fillRef>
+            <a:effectRef idx="0">
+              <a:schemeClr val="accent1"/>
+            </a:effectRef>
+            <a:fontRef idx="minor">
+              <a:schemeClr val="lt1"/>
+            </a:fontRef>
+          </p:style>
+          <p:txBody>
+            <a:bodyPr rtlCol="0" anchor="ctr"/>
+            <a:lstStyle/>
+            <a:p>
+              <a:pPr algn="ctr"/>
+              <a:endParaRPr lang="zh-CN" altLang="en-US"/>
+            </a:p>
+          </p:txBody>
+        </p:sp>
+        <p:sp>
+          <p:nvSpPr>
+            <p:cNvPr id="6" name="矩形 5">
+              <a:extLst>
+                <a:ext uri="{FF2B5EF4-FFF2-40B4-BE49-F238E27FC236}">
+                  <a16:creationId xmlns:a16="http://schemas.microsoft.com/office/drawing/2014/main" id="{B289AE57-D266-4ECB-A096-60D139EBA081}"/>
+                </a:ext>
+              </a:extLst>
+            </p:cNvPr>
+            <p:cNvSpPr/>
+            <p:nvPr/>
+          </p:nvSpPr>
+          <p:spPr>
+            <a:xfrm>
+              <a:off x="11063181" y="565065"/>
+              <a:ext cx="492407" cy="492407"/>
+            </a:xfrm>
+            <a:prstGeom prst="rect">
+              <a:avLst/>
+            </a:prstGeom>
+            <a:noFill/>
+            <a:ln w="38100">
+              <a:solidFill>
+                <a:schemeClr val="accent6"/>
+              </a:solidFill>
+            </a:ln>
+          </p:spPr>
+          <p:style>
+            <a:lnRef idx="2">
+              <a:schemeClr val="accent1">
+                <a:shade val="50000"/>
+              </a:schemeClr>
+            </a:lnRef>
+            <a:fillRef idx="1">
+              <a:schemeClr val="accent1"/>
+            </a:fillRef>
+            <a:effectRef idx="0">
+              <a:schemeClr val="accent1"/>
+            </a:effectRef>
+            <a:fontRef idx="minor">
+              <a:schemeClr val="lt1"/>
+            </a:fontRef>
+          </p:style>
+          <p:txBody>
+            <a:bodyPr rtlCol="0" anchor="ctr"/>
+            <a:lstStyle/>
+            <a:p>
+              <a:pPr algn="ctr"/>
+              <a:endParaRPr lang="zh-CN" altLang="en-US"/>
+            </a:p>
+          </p:txBody>
+        </p:sp>
+      </p:grpSp>
+      <p:sp>
+        <p:nvSpPr>
+          <p:cNvPr id="8" name="矩形 7">
+            <a:extLst>
+              <a:ext uri="{FF2B5EF4-FFF2-40B4-BE49-F238E27FC236}">
+                <a16:creationId xmlns:a16="http://schemas.microsoft.com/office/drawing/2014/main" id="{51BB34DD-0566-4B91-9713-7DEA352B672A}"/>
+              </a:ext>
+            </a:extLst>
+          </p:cNvPr>
+          <p:cNvSpPr/>
+          <p:nvPr/>
+        </p:nvSpPr>
+        <p:spPr>
+          <a:xfrm>
+            <a:off x="1723053" y="1791105"/>
+            <a:ext cx="6096000" cy="3970318"/>
+          </a:xfrm>
+          <a:prstGeom prst="rect">
+            <a:avLst/>
+          </a:prstGeom>
+        </p:spPr>
+        <p:txBody>
+          <a:bodyPr>
+            <a:spAutoFit/>
+          </a:bodyPr>
+          <a:lstStyle/>
+          <a:p>
+            <a:pPr marL="285750" indent="-285750">
+              <a:buFont typeface="Arial" panose="020B0604020202020204" pitchFamily="34" charset="0"/>
+              <a:buChar char="•"/>
+            </a:pPr>
+            <a:r>
+              <a:rPr lang="zh-CN" altLang="en-US" sz="2800" dirty="0">
+                <a:solidFill>
+                  <a:schemeClr val="bg1"/>
+                </a:solidFill>
+              </a:rPr>
+              <a:t>用户注册</a:t>
+            </a:r>
+          </a:p>
+          <a:p>
+            <a:pPr marL="285750" indent="-285750">
+              <a:buFont typeface="Arial" panose="020B0604020202020204" pitchFamily="34" charset="0"/>
+              <a:buChar char="•"/>
+            </a:pPr>
+            <a:r>
+              <a:rPr lang="zh-CN" altLang="en-US" sz="2800" dirty="0">
+                <a:solidFill>
+                  <a:schemeClr val="bg1"/>
+                </a:solidFill>
+              </a:rPr>
+              <a:t>用户登录</a:t>
+            </a:r>
+          </a:p>
+          <a:p>
+            <a:pPr marL="285750" indent="-285750">
+              <a:buFont typeface="Arial" panose="020B0604020202020204" pitchFamily="34" charset="0"/>
+              <a:buChar char="•"/>
+            </a:pPr>
+            <a:r>
+              <a:rPr lang="zh-CN" altLang="en-US" sz="2800" dirty="0">
+                <a:solidFill>
+                  <a:schemeClr val="bg1"/>
+                </a:solidFill>
+              </a:rPr>
+              <a:t>分类浏览</a:t>
+            </a:r>
+          </a:p>
+          <a:p>
+            <a:pPr marL="285750" indent="-285750">
+              <a:buFont typeface="Arial" panose="020B0604020202020204" pitchFamily="34" charset="0"/>
+              <a:buChar char="•"/>
+            </a:pPr>
+            <a:r>
+              <a:rPr lang="zh-CN" altLang="en-US" sz="2800" dirty="0">
+                <a:solidFill>
+                  <a:schemeClr val="bg1"/>
+                </a:solidFill>
+              </a:rPr>
+              <a:t>关注功能 </a:t>
+            </a:r>
+          </a:p>
+          <a:p>
+            <a:pPr marL="285750" indent="-285750">
+              <a:buFont typeface="Arial" panose="020B0604020202020204" pitchFamily="34" charset="0"/>
+              <a:buChar char="•"/>
+            </a:pPr>
+            <a:r>
+              <a:rPr lang="zh-CN" altLang="en-US" sz="2800" dirty="0">
+                <a:solidFill>
+                  <a:schemeClr val="bg1"/>
+                </a:solidFill>
+              </a:rPr>
+              <a:t>不感兴趣</a:t>
+            </a:r>
+          </a:p>
+          <a:p>
+            <a:pPr marL="285750" indent="-285750">
+              <a:buFont typeface="Arial" panose="020B0604020202020204" pitchFamily="34" charset="0"/>
+              <a:buChar char="•"/>
+            </a:pPr>
+            <a:r>
+              <a:rPr lang="zh-CN" altLang="en-US" sz="2800" dirty="0">
+                <a:solidFill>
+                  <a:schemeClr val="bg1"/>
+                </a:solidFill>
+              </a:rPr>
+              <a:t> 搜索功能</a:t>
+            </a:r>
+          </a:p>
+          <a:p>
+            <a:pPr marL="285750" indent="-285750">
+              <a:buFont typeface="Arial" panose="020B0604020202020204" pitchFamily="34" charset="0"/>
+              <a:buChar char="•"/>
+            </a:pPr>
+            <a:r>
+              <a:rPr lang="zh-CN" altLang="en-US" sz="2800" dirty="0">
+                <a:solidFill>
+                  <a:schemeClr val="bg1"/>
+                </a:solidFill>
+              </a:rPr>
+              <a:t>美食，旅游方案的推荐</a:t>
+            </a:r>
+          </a:p>
+          <a:p>
+            <a:pPr marL="285750" indent="-285750">
+              <a:buFont typeface="Arial" panose="020B0604020202020204" pitchFamily="34" charset="0"/>
+              <a:buChar char="•"/>
+            </a:pPr>
+            <a:r>
+              <a:rPr lang="zh-CN" altLang="en-US" sz="2800" dirty="0">
+                <a:solidFill>
+                  <a:schemeClr val="bg1"/>
+                </a:solidFill>
+              </a:rPr>
+              <a:t>时间特性</a:t>
+            </a:r>
+          </a:p>
+          <a:p>
+            <a:pPr marL="285750" indent="-285750">
+              <a:buFont typeface="Arial" panose="020B0604020202020204" pitchFamily="34" charset="0"/>
+              <a:buChar char="•"/>
+            </a:pPr>
+            <a:r>
+              <a:rPr lang="zh-CN" altLang="en-US" sz="2800" dirty="0">
+                <a:solidFill>
+                  <a:schemeClr val="bg1"/>
+                </a:solidFill>
+              </a:rPr>
+              <a:t>适应性</a:t>
+            </a:r>
+          </a:p>
+        </p:txBody>
+      </p:sp>
+      <p:sp>
+        <p:nvSpPr>
+          <p:cNvPr id="10" name="文本框 9">
+            <a:extLst>
+              <a:ext uri="{FF2B5EF4-FFF2-40B4-BE49-F238E27FC236}">
+                <a16:creationId xmlns:a16="http://schemas.microsoft.com/office/drawing/2014/main" id="{8C6474D6-51C9-483B-97E7-072EA4905D0F}"/>
+              </a:ext>
+            </a:extLst>
+          </p:cNvPr>
+          <p:cNvSpPr txBox="1"/>
+          <p:nvPr/>
+        </p:nvSpPr>
+        <p:spPr>
+          <a:xfrm>
+            <a:off x="849086" y="672751"/>
+            <a:ext cx="3648269" cy="769441"/>
+          </a:xfrm>
+          <a:prstGeom prst="rect">
+            <a:avLst/>
+          </a:prstGeom>
+          <a:noFill/>
+        </p:spPr>
+        <p:txBody>
+          <a:bodyPr wrap="square" rtlCol="0">
+            <a:spAutoFit/>
+          </a:bodyPr>
+          <a:lstStyle/>
+          <a:p>
+            <a:r>
+              <a:rPr lang="zh-CN" altLang="en-US" sz="4400" b="1" dirty="0">
+                <a:solidFill>
+                  <a:schemeClr val="bg1"/>
+                </a:solidFill>
+              </a:rPr>
+              <a:t>实现功能</a:t>
+            </a:r>
+          </a:p>
+        </p:txBody>
+      </p:sp>
+    </p:spTree>
+    <p:extLst>
+      <p:ext uri="{BB962C8B-B14F-4D97-AF65-F5344CB8AC3E}">
+        <p14:creationId xmlns:p14="http://schemas.microsoft.com/office/powerpoint/2010/main" val="4035549612"/>
+      </p:ext>
+    </p:extLst>
+  </p:cSld>
+  <p:clrMapOvr>
+    <a:masterClrMapping/>
+  </p:clrMapOvr>
+  <p:transition spd="slow">
+    <p:wipe/>
+  </p:transition>
+</p:sld>
+</file>
+
+<file path=ppt/slides/slide4.xml><?xml version="1.0" encoding="utf-8"?>
 <p:sld xmlns:a="http://schemas.openxmlformats.org/drawingml/2006/main" xmlns:r="http://schemas.openxmlformats.org/officeDocument/2006/relationships" xmlns:p="http://schemas.openxmlformats.org/presentationml/2006/main">
   <p:cSld>
     <p:spTree>
@@ -6882,7 +12274,7 @@
 </p:sld>
 </file>
 
-<file path=ppt/slides/slide4.xml><?xml version="1.0" encoding="utf-8"?>
+<file path=ppt/slides/slide5.xml><?xml version="1.0" encoding="utf-8"?>
 <p:sld xmlns:a="http://schemas.openxmlformats.org/drawingml/2006/main" xmlns:r="http://schemas.openxmlformats.org/officeDocument/2006/relationships" xmlns:p="http://schemas.openxmlformats.org/presentationml/2006/main">
   <p:cSld>
     <p:spTree>
@@ -7165,7 +12557,7 @@
 </p:sld>
 </file>
 
-<file path=ppt/slides/slide5.xml><?xml version="1.0" encoding="utf-8"?>
+<file path=ppt/slides/slide6.xml><?xml version="1.0" encoding="utf-8"?>
 <p:sld xmlns:a="http://schemas.openxmlformats.org/drawingml/2006/main" xmlns:r="http://schemas.openxmlformats.org/officeDocument/2006/relationships" xmlns:p="http://schemas.openxmlformats.org/presentationml/2006/main">
   <p:cSld>
     <p:spTree>
@@ -7406,259 +12798,6 @@
     <p:extLst>
       <p:ext uri="{BB962C8B-B14F-4D97-AF65-F5344CB8AC3E}">
         <p14:creationId xmlns:p14="http://schemas.microsoft.com/office/powerpoint/2010/main" val="1185574136"/>
-      </p:ext>
-    </p:extLst>
-  </p:cSld>
-  <p:clrMapOvr>
-    <a:masterClrMapping/>
-  </p:clrMapOvr>
-  <p:transition spd="slow">
-    <p:wipe/>
-  </p:transition>
-</p:sld>
-</file>
-
-<file path=ppt/slides/slide6.xml><?xml version="1.0" encoding="utf-8"?>
-<p:sld xmlns:a="http://schemas.openxmlformats.org/drawingml/2006/main" xmlns:r="http://schemas.openxmlformats.org/officeDocument/2006/relationships" xmlns:p="http://schemas.openxmlformats.org/presentationml/2006/main">
-  <p:cSld>
-    <p:spTree>
-      <p:nvGrpSpPr>
-        <p:cNvPr id="1" name=""/>
-        <p:cNvGrpSpPr/>
-        <p:nvPr/>
-      </p:nvGrpSpPr>
-      <p:grpSpPr>
-        <a:xfrm>
-          <a:off x="0" y="0"/>
-          <a:ext cx="0" cy="0"/>
-          <a:chOff x="0" y="0"/>
-          <a:chExt cx="0" cy="0"/>
-        </a:xfrm>
-      </p:grpSpPr>
-      <p:grpSp>
-        <p:nvGrpSpPr>
-          <p:cNvPr id="11" name="组合 10"/>
-          <p:cNvGrpSpPr/>
-          <p:nvPr/>
-        </p:nvGrpSpPr>
-        <p:grpSpPr>
-          <a:xfrm>
-            <a:off x="11063181" y="0"/>
-            <a:ext cx="1128819" cy="1057472"/>
-            <a:chOff x="11063181" y="0"/>
-            <a:chExt cx="1128819" cy="1057472"/>
-          </a:xfrm>
-        </p:grpSpPr>
-        <p:sp>
-          <p:nvSpPr>
-            <p:cNvPr id="12" name="矩形 11"/>
-            <p:cNvSpPr/>
-            <p:nvPr/>
-          </p:nvSpPr>
-          <p:spPr>
-            <a:xfrm>
-              <a:off x="11381387" y="246204"/>
-              <a:ext cx="492407" cy="492407"/>
-            </a:xfrm>
-            <a:prstGeom prst="rect">
-              <a:avLst/>
-            </a:prstGeom>
-            <a:noFill/>
-            <a:ln w="38100">
-              <a:solidFill>
-                <a:srgbClr val="DA2B89"/>
-              </a:solidFill>
-            </a:ln>
-          </p:spPr>
-          <p:style>
-            <a:lnRef idx="2">
-              <a:schemeClr val="accent1">
-                <a:shade val="50000"/>
-              </a:schemeClr>
-            </a:lnRef>
-            <a:fillRef idx="1">
-              <a:schemeClr val="accent1"/>
-            </a:fillRef>
-            <a:effectRef idx="0">
-              <a:schemeClr val="accent1"/>
-            </a:effectRef>
-            <a:fontRef idx="minor">
-              <a:schemeClr val="lt1"/>
-            </a:fontRef>
-          </p:style>
-          <p:txBody>
-            <a:bodyPr rtlCol="0" anchor="ctr"/>
-            <a:lstStyle/>
-            <a:p>
-              <a:pPr algn="ctr"/>
-              <a:endParaRPr lang="zh-CN" altLang="en-US"/>
-            </a:p>
-          </p:txBody>
-        </p:sp>
-        <p:sp>
-          <p:nvSpPr>
-            <p:cNvPr id="13" name="矩形 12"/>
-            <p:cNvSpPr/>
-            <p:nvPr/>
-          </p:nvSpPr>
-          <p:spPr>
-            <a:xfrm>
-              <a:off x="11699593" y="0"/>
-              <a:ext cx="492407" cy="492407"/>
-            </a:xfrm>
-            <a:prstGeom prst="rect">
-              <a:avLst/>
-            </a:prstGeom>
-            <a:noFill/>
-            <a:ln w="38100">
-              <a:solidFill>
-                <a:schemeClr val="tx2">
-                  <a:lumMod val="60000"/>
-                  <a:lumOff val="40000"/>
-                </a:schemeClr>
-              </a:solidFill>
-            </a:ln>
-          </p:spPr>
-          <p:style>
-            <a:lnRef idx="2">
-              <a:schemeClr val="accent1">
-                <a:shade val="50000"/>
-              </a:schemeClr>
-            </a:lnRef>
-            <a:fillRef idx="1">
-              <a:schemeClr val="accent1"/>
-            </a:fillRef>
-            <a:effectRef idx="0">
-              <a:schemeClr val="accent1"/>
-            </a:effectRef>
-            <a:fontRef idx="minor">
-              <a:schemeClr val="lt1"/>
-            </a:fontRef>
-          </p:style>
-          <p:txBody>
-            <a:bodyPr rtlCol="0" anchor="ctr"/>
-            <a:lstStyle/>
-            <a:p>
-              <a:pPr algn="ctr"/>
-              <a:endParaRPr lang="zh-CN" altLang="en-US"/>
-            </a:p>
-          </p:txBody>
-        </p:sp>
-        <p:sp>
-          <p:nvSpPr>
-            <p:cNvPr id="14" name="矩形 13"/>
-            <p:cNvSpPr/>
-            <p:nvPr/>
-          </p:nvSpPr>
-          <p:spPr>
-            <a:xfrm>
-              <a:off x="11063181" y="565065"/>
-              <a:ext cx="492407" cy="492407"/>
-            </a:xfrm>
-            <a:prstGeom prst="rect">
-              <a:avLst/>
-            </a:prstGeom>
-            <a:noFill/>
-            <a:ln w="38100">
-              <a:solidFill>
-                <a:schemeClr val="accent6"/>
-              </a:solidFill>
-            </a:ln>
-          </p:spPr>
-          <p:style>
-            <a:lnRef idx="2">
-              <a:schemeClr val="accent1">
-                <a:shade val="50000"/>
-              </a:schemeClr>
-            </a:lnRef>
-            <a:fillRef idx="1">
-              <a:schemeClr val="accent1"/>
-            </a:fillRef>
-            <a:effectRef idx="0">
-              <a:schemeClr val="accent1"/>
-            </a:effectRef>
-            <a:fontRef idx="minor">
-              <a:schemeClr val="lt1"/>
-            </a:fontRef>
-          </p:style>
-          <p:txBody>
-            <a:bodyPr rtlCol="0" anchor="ctr"/>
-            <a:lstStyle/>
-            <a:p>
-              <a:pPr algn="ctr"/>
-              <a:endParaRPr lang="zh-CN" altLang="en-US"/>
-            </a:p>
-          </p:txBody>
-        </p:sp>
-      </p:grpSp>
-      <p:sp>
-        <p:nvSpPr>
-          <p:cNvPr id="16" name="文本框 15"/>
-          <p:cNvSpPr txBox="1"/>
-          <p:nvPr/>
-        </p:nvSpPr>
-        <p:spPr>
-          <a:xfrm>
-            <a:off x="1445797" y="565065"/>
-            <a:ext cx="794868" cy="3970318"/>
-          </a:xfrm>
-          <a:prstGeom prst="rect">
-            <a:avLst/>
-          </a:prstGeom>
-          <a:noFill/>
-        </p:spPr>
-        <p:txBody>
-          <a:bodyPr wrap="square" rtlCol="0">
-            <a:spAutoFit/>
-          </a:bodyPr>
-          <a:lstStyle/>
-          <a:p>
-            <a:r>
-              <a:rPr lang="zh-CN" altLang="en-US" sz="3600" b="1" dirty="0">
-                <a:solidFill>
-                  <a:schemeClr val="bg1"/>
-                </a:solidFill>
-              </a:rPr>
-              <a:t>超文本访问模型</a:t>
-            </a:r>
-            <a:endParaRPr lang="zh-CN" altLang="en-US" sz="3600" dirty="0"/>
-          </a:p>
-        </p:txBody>
-      </p:sp>
-      <p:pic>
-        <p:nvPicPr>
-          <p:cNvPr id="3" name="图片 2"/>
-          <p:cNvPicPr>
-            <a:picLocks noChangeAspect="1"/>
-          </p:cNvPicPr>
-          <p:nvPr/>
-        </p:nvPicPr>
-        <p:blipFill>
-          <a:blip r:embed="rId2">
-            <a:extLst>
-              <a:ext uri="{28A0092B-C50C-407E-A947-70E740481C1C}">
-                <a14:useLocalDpi xmlns:a14="http://schemas.microsoft.com/office/drawing/2010/main" val="0"/>
-              </a:ext>
-            </a:extLst>
-          </a:blip>
-          <a:stretch>
-            <a:fillRect/>
-          </a:stretch>
-        </p:blipFill>
-        <p:spPr>
-          <a:xfrm>
-            <a:off x="3107763" y="492406"/>
-            <a:ext cx="6406149" cy="6213193"/>
-          </a:xfrm>
-          <a:prstGeom prst="rect">
-            <a:avLst/>
-          </a:prstGeom>
-        </p:spPr>
-      </p:pic>
-    </p:spTree>
-    <p:extLst>
-      <p:ext uri="{BB962C8B-B14F-4D97-AF65-F5344CB8AC3E}">
-        <p14:creationId xmlns:p14="http://schemas.microsoft.com/office/powerpoint/2010/main" val="4067267844"/>
       </p:ext>
     </p:extLst>
   </p:cSld>
@@ -7846,14 +12985,14 @@
       </p:grpSp>
       <p:sp>
         <p:nvSpPr>
-          <p:cNvPr id="17" name="文本框 16"/>
+          <p:cNvPr id="16" name="文本框 15"/>
           <p:cNvSpPr txBox="1"/>
           <p:nvPr/>
         </p:nvSpPr>
         <p:spPr>
           <a:xfrm>
-            <a:off x="2579587" y="349586"/>
-            <a:ext cx="6302207" cy="707886"/>
+            <a:off x="1445797" y="565065"/>
+            <a:ext cx="794868" cy="3970318"/>
           </a:xfrm>
           <a:prstGeom prst="rect">
             <a:avLst/>
@@ -7867,19 +13006,20 @@
           <a:lstStyle/>
           <a:p>
             <a:r>
-              <a:rPr lang="zh-CN" altLang="en-US" sz="4000" b="1" dirty="0">
+              <a:rPr lang="zh-CN" altLang="en-US" sz="3600" b="1" dirty="0">
                 <a:solidFill>
                   <a:schemeClr val="bg1"/>
                 </a:solidFill>
               </a:rPr>
-              <a:t>类图</a:t>
-            </a:r>
+              <a:t>超文本访问模型</a:t>
+            </a:r>
+            <a:endParaRPr lang="zh-CN" altLang="en-US" sz="3600" dirty="0"/>
           </a:p>
         </p:txBody>
       </p:sp>
       <p:pic>
         <p:nvPicPr>
-          <p:cNvPr id="2" name="图片 1"/>
+          <p:cNvPr id="3" name="图片 2"/>
           <p:cNvPicPr>
             <a:picLocks noChangeAspect="1"/>
           </p:cNvPicPr>
@@ -7899,8 +13039,8 @@
         </p:blipFill>
         <p:spPr>
           <a:xfrm>
-            <a:off x="2148608" y="1057472"/>
-            <a:ext cx="7397173" cy="5525098"/>
+            <a:off x="3107763" y="492406"/>
+            <a:ext cx="6406149" cy="6213193"/>
           </a:xfrm>
           <a:prstGeom prst="rect">
             <a:avLst/>
@@ -7910,7 +13050,7 @@
     </p:spTree>
     <p:extLst>
       <p:ext uri="{BB962C8B-B14F-4D97-AF65-F5344CB8AC3E}">
-        <p14:creationId xmlns:p14="http://schemas.microsoft.com/office/powerpoint/2010/main" val="3472357938"/>
+        <p14:creationId xmlns:p14="http://schemas.microsoft.com/office/powerpoint/2010/main" val="4067267844"/>
       </p:ext>
     </p:extLst>
   </p:cSld>
@@ -8119,27 +13259,19 @@
           <a:lstStyle/>
           <a:p>
             <a:r>
-              <a:rPr lang="en-US" altLang="zh-CN" sz="4000" b="1" dirty="0">
-                <a:solidFill>
-                  <a:schemeClr val="bg1"/>
-                </a:solidFill>
-              </a:rPr>
-              <a:t>User</a:t>
-            </a:r>
-            <a:r>
               <a:rPr lang="zh-CN" altLang="en-US" sz="4000" b="1" dirty="0">
                 <a:solidFill>
                   <a:schemeClr val="bg1"/>
                 </a:solidFill>
               </a:rPr>
-              <a:t>状态图</a:t>
+              <a:t>类图</a:t>
             </a:r>
           </a:p>
         </p:txBody>
       </p:sp>
       <p:pic>
         <p:nvPicPr>
-          <p:cNvPr id="3" name="图片 2"/>
+          <p:cNvPr id="2" name="图片 1"/>
           <p:cNvPicPr>
             <a:picLocks noChangeAspect="1"/>
           </p:cNvPicPr>
@@ -8159,8 +13291,8 @@
         </p:blipFill>
         <p:spPr>
           <a:xfrm>
-            <a:off x="2087562" y="1252537"/>
-            <a:ext cx="7534275" cy="5038725"/>
+            <a:off x="2148608" y="1057472"/>
+            <a:ext cx="7397173" cy="5525098"/>
           </a:xfrm>
           <a:prstGeom prst="rect">
             <a:avLst/>
@@ -8170,7 +13302,7 @@
     </p:spTree>
     <p:extLst>
       <p:ext uri="{BB962C8B-B14F-4D97-AF65-F5344CB8AC3E}">
-        <p14:creationId xmlns:p14="http://schemas.microsoft.com/office/powerpoint/2010/main" val="3872906598"/>
+        <p14:creationId xmlns:p14="http://schemas.microsoft.com/office/powerpoint/2010/main" val="3472357938"/>
       </p:ext>
     </p:extLst>
   </p:cSld>
@@ -8365,7 +13497,7 @@
         <p:spPr>
           <a:xfrm>
             <a:off x="2579587" y="349586"/>
-            <a:ext cx="6302207" cy="701040"/>
+            <a:ext cx="6302207" cy="707886"/>
           </a:xfrm>
           <a:prstGeom prst="rect">
             <a:avLst/>
@@ -8379,34 +13511,48 @@
           <a:lstStyle/>
           <a:p>
             <a:r>
+              <a:rPr lang="en-US" altLang="zh-CN" sz="4000" b="1" dirty="0">
+                <a:solidFill>
+                  <a:schemeClr val="bg1"/>
+                </a:solidFill>
+              </a:rPr>
+              <a:t>User</a:t>
+            </a:r>
+            <a:r>
               <a:rPr lang="zh-CN" altLang="en-US" sz="4000" b="1" dirty="0">
                 <a:solidFill>
                   <a:schemeClr val="bg1"/>
                 </a:solidFill>
               </a:rPr>
-              <a:t>景点类的状态图</a:t>
+              <a:t>状态图</a:t>
             </a:r>
           </a:p>
         </p:txBody>
       </p:sp>
       <p:pic>
         <p:nvPicPr>
-          <p:cNvPr id="2" name="图片 1"/>
+          <p:cNvPr id="3" name="图片 2"/>
           <p:cNvPicPr>
             <a:picLocks noChangeAspect="1"/>
           </p:cNvPicPr>
           <p:nvPr/>
         </p:nvPicPr>
         <p:blipFill>
-          <a:blip r:embed="rId2"/>
+          <a:blip r:embed="rId2">
+            <a:extLst>
+              <a:ext uri="{28A0092B-C50C-407E-A947-70E740481C1C}">
+                <a14:useLocalDpi xmlns:a14="http://schemas.microsoft.com/office/drawing/2010/main" val="0"/>
+              </a:ext>
+            </a:extLst>
+          </a:blip>
           <a:stretch>
             <a:fillRect/>
           </a:stretch>
         </p:blipFill>
         <p:spPr>
           <a:xfrm>
-            <a:off x="2799715" y="1360170"/>
-            <a:ext cx="5861050" cy="5041265"/>
+            <a:off x="2087562" y="1252537"/>
+            <a:ext cx="7534275" cy="5038725"/>
           </a:xfrm>
           <a:prstGeom prst="rect">
             <a:avLst/>
@@ -8416,7 +13562,7 @@
     </p:spTree>
     <p:extLst>
       <p:ext uri="{BB962C8B-B14F-4D97-AF65-F5344CB8AC3E}">
-        <p14:creationId xmlns:p14="http://schemas.microsoft.com/office/powerpoint/2010/main" val="3285646930"/>
+        <p14:creationId xmlns:p14="http://schemas.microsoft.com/office/powerpoint/2010/main" val="3872906598"/>
       </p:ext>
     </p:extLst>
   </p:cSld>
